--- a/spring_batch.pptx
+++ b/spring_batch.pptx
@@ -5,10 +5,10 @@
     <p:sldMasterId id="2147483648" r:id="rId1"/>
   </p:sldMasterIdLst>
   <p:notesMasterIdLst>
-    <p:notesMasterId r:id="rId23"/>
+    <p:notesMasterId r:id="rId24"/>
   </p:notesMasterIdLst>
   <p:handoutMasterIdLst>
-    <p:handoutMasterId r:id="rId24"/>
+    <p:handoutMasterId r:id="rId25"/>
   </p:handoutMasterIdLst>
   <p:sldIdLst>
     <p:sldId id="284" r:id="rId2"/>
@@ -20,18 +20,19 @@
     <p:sldId id="323" r:id="rId8"/>
     <p:sldId id="325" r:id="rId9"/>
     <p:sldId id="322" r:id="rId10"/>
-    <p:sldId id="313" r:id="rId11"/>
-    <p:sldId id="312" r:id="rId12"/>
-    <p:sldId id="318" r:id="rId13"/>
-    <p:sldId id="303" r:id="rId14"/>
-    <p:sldId id="306" r:id="rId15"/>
-    <p:sldId id="307" r:id="rId16"/>
-    <p:sldId id="308" r:id="rId17"/>
-    <p:sldId id="309" r:id="rId18"/>
-    <p:sldId id="315" r:id="rId19"/>
-    <p:sldId id="316" r:id="rId20"/>
-    <p:sldId id="317" r:id="rId21"/>
-    <p:sldId id="300" r:id="rId22"/>
+    <p:sldId id="326" r:id="rId11"/>
+    <p:sldId id="313" r:id="rId12"/>
+    <p:sldId id="312" r:id="rId13"/>
+    <p:sldId id="318" r:id="rId14"/>
+    <p:sldId id="303" r:id="rId15"/>
+    <p:sldId id="306" r:id="rId16"/>
+    <p:sldId id="307" r:id="rId17"/>
+    <p:sldId id="308" r:id="rId18"/>
+    <p:sldId id="309" r:id="rId19"/>
+    <p:sldId id="315" r:id="rId20"/>
+    <p:sldId id="316" r:id="rId21"/>
+    <p:sldId id="317" r:id="rId22"/>
+    <p:sldId id="300" r:id="rId23"/>
   </p:sldIdLst>
   <p:sldSz cx="12192000" cy="6858000"/>
   <p:notesSz cx="6858000" cy="9144000"/>
@@ -12907,7 +12908,7 @@
         <p:spPr>
           <a:xfrm>
             <a:off x="371475" y="1785938"/>
-            <a:ext cx="8824913" cy="4595390"/>
+            <a:ext cx="8824913" cy="4199830"/>
           </a:xfrm>
         </p:spPr>
         <p:txBody>
@@ -12916,115 +12917,14 @@
           <a:p>
             <a:r>
               <a:rPr lang="de-DE" dirty="0"/>
-              <a:t>Minimales Projekt mit Codeschnipsel erklären</a:t>
+              <a:t>Liest eine Datei name.txt die einen Namen enthalten soll</a:t>
             </a:r>
           </a:p>
           <a:p>
             <a:r>
               <a:rPr lang="de-DE" dirty="0"/>
-              <a:t>Datei Einlesen in der ein *Name* geschrieben werden kann</a:t>
-            </a:r>
-          </a:p>
-          <a:p>
-            <a:r>
-              <a:rPr lang="de-DE" dirty="0"/>
-              <a:t>Output „Hello *Name*“</a:t>
-            </a:r>
-          </a:p>
-          <a:p>
-            <a:r>
-              <a:rPr lang="de-DE" dirty="0" err="1"/>
-              <a:t>Configuration</a:t>
-            </a:r>
-            <a:r>
-              <a:rPr lang="de-DE" dirty="0"/>
-              <a:t> erklären – und alternative </a:t>
-            </a:r>
-            <a:r>
-              <a:rPr lang="de-DE" dirty="0" err="1"/>
-              <a:t>xml</a:t>
-            </a:r>
-            <a:r>
-              <a:rPr lang="de-DE" dirty="0"/>
-              <a:t> erwähnen</a:t>
-            </a:r>
-          </a:p>
-          <a:p>
-            <a:endParaRPr lang="de-DE" dirty="0"/>
-          </a:p>
-          <a:p>
-            <a:r>
-              <a:rPr lang="de-DE" dirty="0"/>
-              <a:t>Reader: einfacher </a:t>
-            </a:r>
-            <a:r>
-              <a:rPr lang="de-DE" dirty="0" err="1"/>
-              <a:t>flatfileReader</a:t>
-            </a:r>
-            <a:endParaRPr lang="de-DE" dirty="0"/>
-          </a:p>
-          <a:p>
-            <a:r>
-              <a:rPr lang="de-DE" dirty="0" err="1"/>
-              <a:t>Processor</a:t>
-            </a:r>
-            <a:r>
-              <a:rPr lang="de-DE" dirty="0"/>
-              <a:t>: (String </a:t>
-            </a:r>
-            <a:r>
-              <a:rPr lang="de-DE" dirty="0" err="1"/>
-              <a:t>Processor</a:t>
-            </a:r>
-            <a:r>
-              <a:rPr lang="de-DE" dirty="0"/>
-              <a:t>) fügt Hello vorne an und hinten ein !</a:t>
-            </a:r>
-          </a:p>
-          <a:p>
-            <a:r>
-              <a:rPr lang="de-DE" dirty="0"/>
-              <a:t>Writer einfacher </a:t>
-            </a:r>
-            <a:r>
-              <a:rPr lang="de-DE" dirty="0" err="1"/>
-              <a:t>flatFileWriter</a:t>
-            </a:r>
-            <a:endParaRPr lang="de-DE" dirty="0"/>
-          </a:p>
-          <a:p>
-            <a:endParaRPr lang="de-DE" dirty="0"/>
-          </a:p>
-          <a:p>
-            <a:r>
-              <a:rPr lang="de-DE" dirty="0"/>
-              <a:t>Erklären, dass Reader und Writer abstrakte Konzepte sind, die auf vieler Art angewendet werden können</a:t>
-            </a:r>
-          </a:p>
-          <a:p>
-            <a:pPr lvl="1"/>
-            <a:r>
-              <a:rPr lang="de-DE" dirty="0"/>
-              <a:t>XML, JSON, CSV, XLSX,HTTP, Messaging etc…</a:t>
-            </a:r>
-          </a:p>
-          <a:p>
-            <a:pPr lvl="1"/>
-            <a:r>
-              <a:rPr lang="de-DE" dirty="0"/>
-              <a:t>Spring </a:t>
-            </a:r>
-            <a:r>
-              <a:rPr lang="de-DE" dirty="0" err="1"/>
-              <a:t>batch</a:t>
-            </a:r>
-            <a:r>
-              <a:rPr lang="de-DE" dirty="0"/>
-              <a:t> kommt mit einigen Vorgefertigten Readern</a:t>
-            </a:r>
-          </a:p>
-          <a:p>
-            <a:endParaRPr lang="de-DE" dirty="0"/>
+              <a:t>Batch Anwendung liest den Namen und schreibt in eine neue Datei Hello x! </a:t>
+            </a:r>
           </a:p>
           <a:p>
             <a:endParaRPr lang="de-DE" dirty="0"/>
@@ -13122,7 +13022,7 @@
     </p:spTree>
     <p:extLst>
       <p:ext uri="{BB962C8B-B14F-4D97-AF65-F5344CB8AC3E}">
-        <p14:creationId xmlns:p14="http://schemas.microsoft.com/office/powerpoint/2010/main" val="1835538508"/>
+        <p14:creationId xmlns:p14="http://schemas.microsoft.com/office/powerpoint/2010/main" val="2168604091"/>
       </p:ext>
     </p:extLst>
   </p:cSld>
@@ -13172,7 +13072,7 @@
           <a:p>
             <a:r>
               <a:rPr lang="de-DE" dirty="0"/>
-              <a:t>Java Standard JSR-352</a:t>
+              <a:t>Spring Batch</a:t>
             </a:r>
           </a:p>
         </p:txBody>
@@ -13193,164 +13093,135 @@
             <p:ph idx="1"/>
           </p:nvPr>
         </p:nvSpPr>
-        <p:spPr/>
+        <p:spPr>
+          <a:xfrm>
+            <a:off x="371475" y="1785938"/>
+            <a:ext cx="8824913" cy="4595390"/>
+          </a:xfrm>
+        </p:spPr>
         <p:txBody>
           <a:bodyPr/>
           <a:lstStyle/>
           <a:p>
             <a:r>
               <a:rPr lang="de-DE" dirty="0"/>
-              <a:t>Standard erklären</a:t>
+              <a:t>Minimales Projekt mit Codeschnipsel erklären</a:t>
             </a:r>
           </a:p>
           <a:p>
             <a:r>
               <a:rPr lang="de-DE" dirty="0"/>
-              <a:t>Spring Batch folgt dem Standard</a:t>
-            </a:r>
-          </a:p>
-          <a:p>
-            <a:r>
-              <a:rPr lang="de-DE" sz="1800" dirty="0"/>
-              <a:t>[TF13] und [JS20] Als Quelle nehmen</a:t>
-            </a:r>
-          </a:p>
-          <a:p>
-            <a:r>
-              <a:rPr lang="de-DE" sz="1800" dirty="0"/>
-              <a:t>Reine Implementierung mit JSR352 möglich, aber spring </a:t>
-            </a:r>
-            <a:r>
-              <a:rPr lang="de-DE" sz="1800" dirty="0" err="1"/>
-              <a:t>batch</a:t>
-            </a:r>
-            <a:r>
-              <a:rPr lang="de-DE" sz="1800" dirty="0"/>
-              <a:t> komfortabler</a:t>
+              <a:t>Datei Einlesen in der ein *Name* geschrieben werden kann</a:t>
+            </a:r>
+          </a:p>
+          <a:p>
+            <a:r>
+              <a:rPr lang="de-DE" dirty="0"/>
+              <a:t>Output „Hello *Name*“</a:t>
+            </a:r>
+          </a:p>
+          <a:p>
+            <a:r>
+              <a:rPr lang="de-DE" dirty="0" err="1"/>
+              <a:t>Configuration</a:t>
+            </a:r>
+            <a:r>
+              <a:rPr lang="de-DE" dirty="0"/>
+              <a:t> erklären – und alternative </a:t>
+            </a:r>
+            <a:r>
+              <a:rPr lang="de-DE" dirty="0" err="1"/>
+              <a:t>xml</a:t>
+            </a:r>
+            <a:r>
+              <a:rPr lang="de-DE" dirty="0"/>
+              <a:t> erwähnen</a:t>
+            </a:r>
+          </a:p>
+          <a:p>
+            <a:endParaRPr lang="de-DE" dirty="0"/>
+          </a:p>
+          <a:p>
+            <a:r>
+              <a:rPr lang="de-DE" dirty="0"/>
+              <a:t>Reader: einfacher </a:t>
+            </a:r>
+            <a:r>
+              <a:rPr lang="de-DE" dirty="0" err="1"/>
+              <a:t>flatfileReader</a:t>
+            </a:r>
+            <a:endParaRPr lang="de-DE" dirty="0"/>
+          </a:p>
+          <a:p>
+            <a:r>
+              <a:rPr lang="de-DE" dirty="0" err="1"/>
+              <a:t>Processor</a:t>
+            </a:r>
+            <a:r>
+              <a:rPr lang="de-DE" dirty="0"/>
+              <a:t>: (String </a:t>
+            </a:r>
+            <a:r>
+              <a:rPr lang="de-DE" dirty="0" err="1"/>
+              <a:t>Processor</a:t>
+            </a:r>
+            <a:r>
+              <a:rPr lang="de-DE" dirty="0"/>
+              <a:t>) fügt Hello vorne an und hinten ein !</a:t>
+            </a:r>
+          </a:p>
+          <a:p>
+            <a:r>
+              <a:rPr lang="de-DE" dirty="0"/>
+              <a:t>Writer einfacher </a:t>
+            </a:r>
+            <a:r>
+              <a:rPr lang="de-DE" dirty="0" err="1"/>
+              <a:t>flatFileWriter</a:t>
+            </a:r>
+            <a:endParaRPr lang="de-DE" dirty="0"/>
+          </a:p>
+          <a:p>
+            <a:endParaRPr lang="de-DE" dirty="0"/>
+          </a:p>
+          <a:p>
+            <a:r>
+              <a:rPr lang="de-DE" dirty="0"/>
+              <a:t>Erklären, dass Reader und Writer abstrakte Konzepte sind, die auf vieler Art angewendet werden können</a:t>
             </a:r>
           </a:p>
           <a:p>
             <a:pPr lvl="1"/>
             <a:r>
               <a:rPr lang="de-DE" dirty="0"/>
-              <a:t>JSR352 kommt ohne Standard </a:t>
-            </a:r>
-            <a:r>
-              <a:rPr lang="de-DE" dirty="0" err="1"/>
-              <a:t>reader</a:t>
-            </a:r>
-            <a:r>
-              <a:rPr lang="de-DE" dirty="0"/>
-              <a:t> </a:t>
-            </a:r>
-            <a:r>
-              <a:rPr lang="de-DE" dirty="0" err="1"/>
-              <a:t>writer</a:t>
-            </a:r>
-            <a:r>
-              <a:rPr lang="de-DE" dirty="0"/>
-              <a:t> </a:t>
-            </a:r>
-            <a:r>
-              <a:rPr lang="de-DE" dirty="0" err="1"/>
-              <a:t>etc</a:t>
-            </a:r>
-            <a:endParaRPr lang="de-DE" dirty="0"/>
+              <a:t>XML, JSON, CSV, XLSX,HTTP, Messaging etc…</a:t>
+            </a:r>
           </a:p>
           <a:p>
             <a:pPr lvl="1"/>
-            <a:r>
-              <a:rPr lang="de-DE" dirty="0"/>
-              <a:t>Spring greift auf ggf. familiäre Konzepte des Spring </a:t>
-            </a:r>
-            <a:r>
-              <a:rPr lang="de-DE" dirty="0" err="1"/>
-              <a:t>Ekosystems</a:t>
-            </a:r>
-            <a:r>
-              <a:rPr lang="de-DE" dirty="0"/>
-              <a:t> zu</a:t>
-            </a:r>
-          </a:p>
-          <a:p>
-            <a:pPr lvl="2"/>
             <a:r>
               <a:rPr lang="de-DE" dirty="0"/>
               <a:t>Spring </a:t>
             </a:r>
             <a:r>
               <a:rPr lang="de-DE" dirty="0" err="1"/>
-              <a:t>data</a:t>
-            </a:r>
+              <a:t>batch</a:t>
+            </a:r>
+            <a:r>
+              <a:rPr lang="de-DE" dirty="0"/>
+              <a:t> kommt mit einigen Vorgefertigten Readern</a:t>
+            </a:r>
+          </a:p>
+          <a:p>
             <a:endParaRPr lang="de-DE" dirty="0"/>
           </a:p>
           <a:p>
-            <a:pPr lvl="2"/>
-            <a:r>
-              <a:rPr lang="de-DE" dirty="0"/>
-              <a:t>Spring Resources</a:t>
-            </a:r>
-          </a:p>
-          <a:p>
-            <a:r>
-              <a:rPr lang="de-DE" dirty="0"/>
-              <a:t>Daher diverse Vorteile</a:t>
-            </a:r>
-          </a:p>
-          <a:p>
-            <a:pPr lvl="1"/>
-            <a:r>
-              <a:rPr lang="de-DE" dirty="0"/>
-              <a:t>Langlebigkeit</a:t>
-            </a:r>
-          </a:p>
-          <a:p>
-            <a:pPr lvl="1"/>
-            <a:r>
-              <a:rPr lang="de-DE" dirty="0"/>
-              <a:t>Code ist dank Konventionen einfacher zu lesen</a:t>
-            </a:r>
-          </a:p>
-          <a:p>
-            <a:pPr lvl="1"/>
-            <a:r>
-              <a:rPr lang="de-DE" dirty="0"/>
-              <a:t>Neue Mitarbeiter können sich schnell einarbeiten</a:t>
-            </a:r>
-          </a:p>
-          <a:p>
-            <a:pPr lvl="1"/>
-            <a:r>
-              <a:rPr lang="de-DE" dirty="0"/>
-              <a:t>Standard ist auf hohe Skalierbarkeit ausgerichtet</a:t>
-            </a:r>
-          </a:p>
-          <a:p>
-            <a:pPr lvl="1"/>
-            <a:r>
-              <a:rPr lang="de-DE" dirty="0"/>
-              <a:t>Mechanismen zur Fehlerbehandlung</a:t>
-            </a:r>
-          </a:p>
-          <a:p>
-            <a:pPr lvl="1"/>
             <a:endParaRPr lang="de-DE" dirty="0"/>
           </a:p>
           <a:p>
-            <a:pPr lvl="1"/>
-            <a:r>
-              <a:rPr lang="de-DE" dirty="0"/>
-              <a:t>https://www.muchsoft.com/presentations/jughh-javabatch.pdf</a:t>
-            </a:r>
-          </a:p>
-          <a:p>
-            <a:pPr marL="628650" lvl="1" indent="0">
-              <a:buNone/>
-            </a:pPr>
             <a:endParaRPr lang="de-DE" dirty="0"/>
           </a:p>
           <a:p>
-            <a:pPr lvl="1"/>
             <a:endParaRPr lang="de-DE" dirty="0"/>
           </a:p>
         </p:txBody>
@@ -13377,10 +13248,9 @@
           <a:lstStyle/>
           <a:p>
             <a:r>
-              <a:rPr lang="de-DE" dirty="0" err="1"/>
-              <a:t>asdf</a:t>
-            </a:r>
-            <a:endParaRPr lang="de-DE" dirty="0"/>
+              <a:rPr lang="de-DE" dirty="0"/>
+              <a:t>Hello World</a:t>
+            </a:r>
           </a:p>
         </p:txBody>
       </p:sp>
@@ -13389,7 +13259,7 @@
           <p:cNvPr id="6" name="Fußzeilenplatzhalter 4">
             <a:extLst>
               <a:ext uri="{FF2B5EF4-FFF2-40B4-BE49-F238E27FC236}">
-                <a16:creationId xmlns:a16="http://schemas.microsoft.com/office/drawing/2014/main" id="{5C8FF6B5-94AE-4100-B8C8-D2E7E1E6F25F}"/>
+                <a16:creationId xmlns:a16="http://schemas.microsoft.com/office/drawing/2014/main" id="{34F95E7B-C0E0-4D9D-877B-B994AFC34504}"/>
               </a:ext>
             </a:extLst>
           </p:cNvPr>
@@ -13441,7 +13311,7 @@
     </p:spTree>
     <p:extLst>
       <p:ext uri="{BB962C8B-B14F-4D97-AF65-F5344CB8AC3E}">
-        <p14:creationId xmlns:p14="http://schemas.microsoft.com/office/powerpoint/2010/main" val="911096394"/>
+        <p14:creationId xmlns:p14="http://schemas.microsoft.com/office/powerpoint/2010/main" val="1835538508"/>
       </p:ext>
     </p:extLst>
   </p:cSld>
@@ -13491,7 +13361,7 @@
           <a:p>
             <a:r>
               <a:rPr lang="de-DE" dirty="0"/>
-              <a:t>Spring Batch</a:t>
+              <a:t>Java Standard JSR-352</a:t>
             </a:r>
           </a:p>
         </p:txBody>
@@ -13519,62 +13389,159 @@
           <a:p>
             <a:r>
               <a:rPr lang="de-DE" dirty="0"/>
-              <a:t>TODO: Skip, </a:t>
+              <a:t>Standard erklären</a:t>
+            </a:r>
+          </a:p>
+          <a:p>
+            <a:r>
+              <a:rPr lang="de-DE" dirty="0"/>
+              <a:t>Spring Batch folgt dem Standard</a:t>
+            </a:r>
+          </a:p>
+          <a:p>
+            <a:r>
+              <a:rPr lang="de-DE" sz="1800" dirty="0"/>
+              <a:t>[TF13] und [JS20] Als Quelle nehmen</a:t>
+            </a:r>
+          </a:p>
+          <a:p>
+            <a:r>
+              <a:rPr lang="de-DE" sz="1800" dirty="0"/>
+              <a:t>Reine Implementierung mit JSR352 möglich, aber spring </a:t>
+            </a:r>
+            <a:r>
+              <a:rPr lang="de-DE" sz="1800" dirty="0" err="1"/>
+              <a:t>batch</a:t>
+            </a:r>
+            <a:r>
+              <a:rPr lang="de-DE" sz="1800" dirty="0"/>
+              <a:t> komfortabler</a:t>
+            </a:r>
+          </a:p>
+          <a:p>
+            <a:pPr lvl="1"/>
+            <a:r>
+              <a:rPr lang="de-DE" dirty="0"/>
+              <a:t>JSR352 kommt ohne Standard </a:t>
             </a:r>
             <a:r>
               <a:rPr lang="de-DE" dirty="0" err="1"/>
-              <a:t>Retry</a:t>
+              <a:t>reader</a:t>
             </a:r>
             <a:r>
               <a:rPr lang="de-DE" dirty="0"/>
-              <a:t>, Restart und Parallelität anschneiden.</a:t>
-            </a:r>
-          </a:p>
-          <a:p>
+              <a:t> </a:t>
+            </a:r>
+            <a:r>
+              <a:rPr lang="de-DE" dirty="0" err="1"/>
+              <a:t>writer</a:t>
+            </a:r>
             <a:r>
               <a:rPr lang="de-DE" dirty="0"/>
-              <a:t>Nur </a:t>
+              <a:t> </a:t>
             </a:r>
             <a:r>
               <a:rPr lang="de-DE" dirty="0" err="1"/>
-              <a:t>Retry</a:t>
-            </a:r>
+              <a:t>etc</a:t>
+            </a:r>
+            <a:endParaRPr lang="de-DE" dirty="0"/>
+          </a:p>
+          <a:p>
+            <a:pPr lvl="1"/>
             <a:r>
               <a:rPr lang="de-DE" dirty="0"/>
-              <a:t> und </a:t>
+              <a:t>Spring greift auf ggf. familiäre Konzepte des Spring </a:t>
             </a:r>
             <a:r>
               <a:rPr lang="de-DE" dirty="0" err="1"/>
-              <a:t>restart</a:t>
+              <a:t>Ekosystems</a:t>
             </a:r>
             <a:r>
               <a:rPr lang="de-DE" dirty="0"/>
-              <a:t> mit Codebeispielen belegen</a:t>
-            </a:r>
-          </a:p>
-          <a:p>
+              <a:t> zu</a:t>
+            </a:r>
+          </a:p>
+          <a:p>
+            <a:pPr lvl="2"/>
             <a:r>
               <a:rPr lang="de-DE" dirty="0"/>
-              <a:t>[TF12] Nutzen</a:t>
-            </a:r>
-          </a:p>
-          <a:p>
+              <a:t>Spring </a:t>
+            </a:r>
+            <a:r>
+              <a:rPr lang="de-DE" dirty="0" err="1"/>
+              <a:t>data</a:t>
+            </a:r>
+            <a:endParaRPr lang="de-DE" dirty="0"/>
+          </a:p>
+          <a:p>
+            <a:pPr lvl="2"/>
             <a:r>
               <a:rPr lang="de-DE" dirty="0"/>
-              <a:t>Für Parallelität [</a:t>
-            </a:r>
-            <a:r>
-              <a:rPr lang="de-DE" sz="2000" dirty="0"/>
-              <a:t>SB20] nutzen</a:t>
-            </a:r>
+              <a:t>Spring Resources</a:t>
+            </a:r>
+          </a:p>
+          <a:p>
+            <a:r>
+              <a:rPr lang="de-DE" dirty="0"/>
+              <a:t>Daher diverse Vorteile</a:t>
+            </a:r>
+          </a:p>
+          <a:p>
+            <a:pPr lvl="1"/>
+            <a:r>
+              <a:rPr lang="de-DE" dirty="0"/>
+              <a:t>Langlebigkeit</a:t>
+            </a:r>
+          </a:p>
+          <a:p>
+            <a:pPr lvl="1"/>
+            <a:r>
+              <a:rPr lang="de-DE" dirty="0"/>
+              <a:t>Code ist dank Konventionen einfacher zu lesen</a:t>
+            </a:r>
+          </a:p>
+          <a:p>
+            <a:pPr lvl="1"/>
+            <a:r>
+              <a:rPr lang="de-DE" dirty="0"/>
+              <a:t>Neue Mitarbeiter können sich schnell einarbeiten</a:t>
+            </a:r>
+          </a:p>
+          <a:p>
+            <a:pPr lvl="1"/>
+            <a:r>
+              <a:rPr lang="de-DE" dirty="0"/>
+              <a:t>Standard ist auf hohe Skalierbarkeit ausgerichtet</a:t>
+            </a:r>
+          </a:p>
+          <a:p>
+            <a:pPr lvl="1"/>
+            <a:r>
+              <a:rPr lang="de-DE" dirty="0"/>
+              <a:t>Mechanismen zur Fehlerbehandlung</a:t>
+            </a:r>
+          </a:p>
+          <a:p>
+            <a:pPr lvl="1"/>
             <a:endParaRPr lang="de-DE" dirty="0"/>
           </a:p>
           <a:p>
-            <a:pPr marL="0" indent="0">
+            <a:pPr lvl="1"/>
+            <a:r>
+              <a:rPr lang="de-DE" dirty="0"/>
+              <a:t>https://www.muchsoft.com/presentations/jughh-javabatch.pdf</a:t>
+            </a:r>
+          </a:p>
+          <a:p>
+            <a:pPr marL="628650" lvl="1" indent="0">
               <a:buNone/>
             </a:pPr>
             <a:endParaRPr lang="de-DE" dirty="0"/>
           </a:p>
+          <a:p>
+            <a:pPr lvl="1"/>
+            <a:endParaRPr lang="de-DE" dirty="0"/>
+          </a:p>
         </p:txBody>
       </p:sp>
       <p:sp>
@@ -13599,9 +13566,10 @@
           <a:lstStyle/>
           <a:p>
             <a:r>
-              <a:rPr lang="de-DE" dirty="0"/>
-              <a:t>Weitere Features</a:t>
-            </a:r>
+              <a:rPr lang="de-DE" dirty="0" err="1"/>
+              <a:t>asdf</a:t>
+            </a:r>
+            <a:endParaRPr lang="de-DE" dirty="0"/>
           </a:p>
         </p:txBody>
       </p:sp>
@@ -13610,7 +13578,7 @@
           <p:cNvPr id="6" name="Fußzeilenplatzhalter 4">
             <a:extLst>
               <a:ext uri="{FF2B5EF4-FFF2-40B4-BE49-F238E27FC236}">
-                <a16:creationId xmlns:a16="http://schemas.microsoft.com/office/drawing/2014/main" id="{4CF29542-10D3-4A8A-A7FB-7499B2D33D07}"/>
+                <a16:creationId xmlns:a16="http://schemas.microsoft.com/office/drawing/2014/main" id="{5C8FF6B5-94AE-4100-B8C8-D2E7E1E6F25F}"/>
               </a:ext>
             </a:extLst>
           </p:cNvPr>
@@ -13662,7 +13630,7 @@
     </p:spTree>
     <p:extLst>
       <p:ext uri="{BB962C8B-B14F-4D97-AF65-F5344CB8AC3E}">
-        <p14:creationId xmlns:p14="http://schemas.microsoft.com/office/powerpoint/2010/main" val="2886170447"/>
+        <p14:creationId xmlns:p14="http://schemas.microsoft.com/office/powerpoint/2010/main" val="911096394"/>
       </p:ext>
     </p:extLst>
   </p:cSld>
@@ -13694,15 +13662,15 @@
           <p:cNvPr id="2" name="Titel 1">
             <a:extLst>
               <a:ext uri="{FF2B5EF4-FFF2-40B4-BE49-F238E27FC236}">
-                <a16:creationId xmlns:a16="http://schemas.microsoft.com/office/drawing/2014/main" id="{82247EE6-49FE-40AB-8F16-134119F46D69}"/>
-              </a:ext>
-            </a:extLst>
-          </p:cNvPr>
-          <p:cNvSpPr>
-            <a:spLocks noGrp="1"/>
-          </p:cNvSpPr>
-          <p:nvPr>
-            <p:ph type="ctrTitle"/>
+                <a16:creationId xmlns:a16="http://schemas.microsoft.com/office/drawing/2014/main" id="{FB6EC4A5-461A-449B-9009-30BCD8AD9B25}"/>
+              </a:ext>
+            </a:extLst>
+          </p:cNvPr>
+          <p:cNvSpPr>
+            <a:spLocks noGrp="1"/>
+          </p:cNvSpPr>
+          <p:nvPr>
+            <p:ph type="title"/>
           </p:nvPr>
         </p:nvSpPr>
         <p:spPr/>
@@ -13712,44 +13680,170 @@
           <a:p>
             <a:r>
               <a:rPr lang="de-DE" dirty="0"/>
-              <a:t>Übung</a:t>
-            </a:r>
-          </a:p>
-        </p:txBody>
-      </p:sp>
-      <p:sp>
-        <p:nvSpPr>
-          <p:cNvPr id="3" name="Untertitel 2">
-            <a:extLst>
-              <a:ext uri="{FF2B5EF4-FFF2-40B4-BE49-F238E27FC236}">
-                <a16:creationId xmlns:a16="http://schemas.microsoft.com/office/drawing/2014/main" id="{C21DC650-8D06-412E-80EC-AA7386479E6E}"/>
-              </a:ext>
-            </a:extLst>
-          </p:cNvPr>
-          <p:cNvSpPr>
-            <a:spLocks noGrp="1"/>
-          </p:cNvSpPr>
-          <p:nvPr>
-            <p:ph type="subTitle" idx="1"/>
-          </p:nvPr>
-        </p:nvSpPr>
-        <p:spPr>
-          <a:xfrm>
-            <a:off x="371475" y="1664804"/>
-            <a:ext cx="6707509" cy="1332148"/>
-          </a:xfrm>
-        </p:spPr>
+              <a:t>Spring Batch</a:t>
+            </a:r>
+          </a:p>
+        </p:txBody>
+      </p:sp>
+      <p:sp>
+        <p:nvSpPr>
+          <p:cNvPr id="3" name="Inhaltsplatzhalter 2">
+            <a:extLst>
+              <a:ext uri="{FF2B5EF4-FFF2-40B4-BE49-F238E27FC236}">
+                <a16:creationId xmlns:a16="http://schemas.microsoft.com/office/drawing/2014/main" id="{3734A15B-1BC6-48E9-AC25-DF13DFAC8176}"/>
+              </a:ext>
+            </a:extLst>
+          </p:cNvPr>
+          <p:cNvSpPr>
+            <a:spLocks noGrp="1"/>
+          </p:cNvSpPr>
+          <p:nvPr>
+            <p:ph idx="1"/>
+          </p:nvPr>
+        </p:nvSpPr>
+        <p:spPr/>
         <p:txBody>
           <a:bodyPr/>
           <a:lstStyle/>
           <a:p>
             <a:r>
-              <a:rPr lang="de-DE" dirty="0">
+              <a:rPr lang="de-DE" dirty="0"/>
+              <a:t>TODO: Skip, </a:t>
+            </a:r>
+            <a:r>
+              <a:rPr lang="de-DE" dirty="0" err="1"/>
+              <a:t>Retry</a:t>
+            </a:r>
+            <a:r>
+              <a:rPr lang="de-DE" dirty="0"/>
+              <a:t>, Restart und Parallelität anschneiden.</a:t>
+            </a:r>
+          </a:p>
+          <a:p>
+            <a:r>
+              <a:rPr lang="de-DE" dirty="0"/>
+              <a:t>Nur </a:t>
+            </a:r>
+            <a:r>
+              <a:rPr lang="de-DE" dirty="0" err="1"/>
+              <a:t>Retry</a:t>
+            </a:r>
+            <a:r>
+              <a:rPr lang="de-DE" dirty="0"/>
+              <a:t> und </a:t>
+            </a:r>
+            <a:r>
+              <a:rPr lang="de-DE" dirty="0" err="1"/>
+              <a:t>restart</a:t>
+            </a:r>
+            <a:r>
+              <a:rPr lang="de-DE" dirty="0"/>
+              <a:t> mit Codebeispielen belegen</a:t>
+            </a:r>
+          </a:p>
+          <a:p>
+            <a:r>
+              <a:rPr lang="de-DE" dirty="0"/>
+              <a:t>[TF12] Nutzen</a:t>
+            </a:r>
+          </a:p>
+          <a:p>
+            <a:r>
+              <a:rPr lang="de-DE" dirty="0"/>
+              <a:t>Für Parallelität [</a:t>
+            </a:r>
+            <a:r>
+              <a:rPr lang="de-DE" sz="2000" dirty="0"/>
+              <a:t>SB20] nutzen</a:t>
+            </a:r>
+            <a:endParaRPr lang="de-DE" dirty="0"/>
+          </a:p>
+          <a:p>
+            <a:pPr marL="0" indent="0">
+              <a:buNone/>
+            </a:pPr>
+            <a:endParaRPr lang="de-DE" dirty="0"/>
+          </a:p>
+        </p:txBody>
+      </p:sp>
+      <p:sp>
+        <p:nvSpPr>
+          <p:cNvPr id="4" name="Textplatzhalter 3">
+            <a:extLst>
+              <a:ext uri="{FF2B5EF4-FFF2-40B4-BE49-F238E27FC236}">
+                <a16:creationId xmlns:a16="http://schemas.microsoft.com/office/drawing/2014/main" id="{4236CB48-2609-42A6-8D88-BD2AEDBC7796}"/>
+              </a:ext>
+            </a:extLst>
+          </p:cNvPr>
+          <p:cNvSpPr>
+            <a:spLocks noGrp="1"/>
+          </p:cNvSpPr>
+          <p:nvPr>
+            <p:ph type="body" sz="quarter" idx="13"/>
+          </p:nvPr>
+        </p:nvSpPr>
+        <p:spPr/>
+        <p:txBody>
+          <a:bodyPr/>
+          <a:lstStyle/>
+          <a:p>
+            <a:r>
+              <a:rPr lang="de-DE" dirty="0"/>
+              <a:t>Weitere Features</a:t>
+            </a:r>
+          </a:p>
+        </p:txBody>
+      </p:sp>
+      <p:sp>
+        <p:nvSpPr>
+          <p:cNvPr id="6" name="Fußzeilenplatzhalter 4">
+            <a:extLst>
+              <a:ext uri="{FF2B5EF4-FFF2-40B4-BE49-F238E27FC236}">
+                <a16:creationId xmlns:a16="http://schemas.microsoft.com/office/drawing/2014/main" id="{4CF29542-10D3-4A8A-A7FB-7499B2D33D07}"/>
+              </a:ext>
+            </a:extLst>
+          </p:cNvPr>
+          <p:cNvSpPr>
+            <a:spLocks noGrp="1"/>
+          </p:cNvSpPr>
+          <p:nvPr>
+            <p:ph type="ftr" sz="quarter" idx="3"/>
+          </p:nvPr>
+        </p:nvSpPr>
+        <p:spPr>
+          <a:xfrm>
+            <a:off x="1836738" y="6313488"/>
+            <a:ext cx="9367837" cy="295275"/>
+          </a:xfrm>
+          <a:prstGeom prst="rect">
+            <a:avLst/>
+          </a:prstGeom>
+        </p:spPr>
+        <p:txBody>
+          <a:bodyPr vert="horz" lIns="0" tIns="0" rIns="0" bIns="0" rtlCol="0" anchor="b" anchorCtr="0"/>
+          <a:lstStyle>
+            <a:lvl1pPr algn="l" eaLnBrk="1" fontAlgn="auto" hangingPunct="1">
+              <a:spcBef>
+                <a:spcPts val="0"/>
+              </a:spcBef>
+              <a:spcAft>
+                <a:spcPts val="0"/>
+              </a:spcAft>
+              <a:defRPr sz="800" smtClean="0">
                 <a:solidFill>
-                  <a:schemeClr val="tx2"/>
+                  <a:schemeClr val="tx1"/>
                 </a:solidFill>
-              </a:rPr>
-              <a:t>Batcherstellung von druckbaren Kontoauszügen</a:t>
+                <a:latin typeface="+mn-lt"/>
+              </a:defRPr>
+            </a:lvl1pPr>
+          </a:lstStyle>
+          <a:p>
+            <a:pPr>
+              <a:defRPr/>
+            </a:pPr>
+            <a:r>
+              <a:rPr lang="de-DE" dirty="0"/>
+              <a:t>Felix Schulze Sindern			Batchverarbeitung mit Spring Batch 				26.01.2020</a:t>
             </a:r>
           </a:p>
         </p:txBody>
@@ -13757,7 +13851,7 @@
     </p:spTree>
     <p:extLst>
       <p:ext uri="{BB962C8B-B14F-4D97-AF65-F5344CB8AC3E}">
-        <p14:creationId xmlns:p14="http://schemas.microsoft.com/office/powerpoint/2010/main" val="2551257592"/>
+        <p14:creationId xmlns:p14="http://schemas.microsoft.com/office/powerpoint/2010/main" val="2886170447"/>
       </p:ext>
     </p:extLst>
   </p:cSld>
@@ -13789,15 +13883,15 @@
           <p:cNvPr id="2" name="Titel 1">
             <a:extLst>
               <a:ext uri="{FF2B5EF4-FFF2-40B4-BE49-F238E27FC236}">
-                <a16:creationId xmlns:a16="http://schemas.microsoft.com/office/drawing/2014/main" id="{FA2EA2E2-AE21-402C-A24D-3E2789117712}"/>
-              </a:ext>
-            </a:extLst>
-          </p:cNvPr>
-          <p:cNvSpPr>
-            <a:spLocks noGrp="1"/>
-          </p:cNvSpPr>
-          <p:nvPr>
-            <p:ph type="title"/>
+                <a16:creationId xmlns:a16="http://schemas.microsoft.com/office/drawing/2014/main" id="{82247EE6-49FE-40AB-8F16-134119F46D69}"/>
+              </a:ext>
+            </a:extLst>
+          </p:cNvPr>
+          <p:cNvSpPr>
+            <a:spLocks noGrp="1"/>
+          </p:cNvSpPr>
+          <p:nvPr>
+            <p:ph type="ctrTitle"/>
           </p:nvPr>
         </p:nvSpPr>
         <p:spPr/>
@@ -13807,117 +13901,44 @@
           <a:p>
             <a:r>
               <a:rPr lang="de-DE" dirty="0"/>
-              <a:t>Übung: Erstellung von Kontoauszügen</a:t>
-            </a:r>
-          </a:p>
-        </p:txBody>
-      </p:sp>
-      <p:sp>
-        <p:nvSpPr>
-          <p:cNvPr id="3" name="Inhaltsplatzhalter 2">
-            <a:extLst>
-              <a:ext uri="{FF2B5EF4-FFF2-40B4-BE49-F238E27FC236}">
-                <a16:creationId xmlns:a16="http://schemas.microsoft.com/office/drawing/2014/main" id="{1BB25CF6-107A-4ADD-A9A4-1A75559E17B4}"/>
-              </a:ext>
-            </a:extLst>
-          </p:cNvPr>
-          <p:cNvSpPr>
-            <a:spLocks noGrp="1"/>
-          </p:cNvSpPr>
-          <p:nvPr>
-            <p:ph idx="1"/>
-          </p:nvPr>
-        </p:nvSpPr>
-        <p:spPr/>
+              <a:t>Übung</a:t>
+            </a:r>
+          </a:p>
+        </p:txBody>
+      </p:sp>
+      <p:sp>
+        <p:nvSpPr>
+          <p:cNvPr id="3" name="Untertitel 2">
+            <a:extLst>
+              <a:ext uri="{FF2B5EF4-FFF2-40B4-BE49-F238E27FC236}">
+                <a16:creationId xmlns:a16="http://schemas.microsoft.com/office/drawing/2014/main" id="{C21DC650-8D06-412E-80EC-AA7386479E6E}"/>
+              </a:ext>
+            </a:extLst>
+          </p:cNvPr>
+          <p:cNvSpPr>
+            <a:spLocks noGrp="1"/>
+          </p:cNvSpPr>
+          <p:nvPr>
+            <p:ph type="subTitle" idx="1"/>
+          </p:nvPr>
+        </p:nvSpPr>
+        <p:spPr>
+          <a:xfrm>
+            <a:off x="371475" y="1664804"/>
+            <a:ext cx="6707509" cy="1332148"/>
+          </a:xfrm>
+        </p:spPr>
         <p:txBody>
           <a:bodyPr/>
           <a:lstStyle/>
           <a:p>
             <a:r>
-              <a:rPr lang="de-DE" dirty="0"/>
-              <a:t>TODO: Text schreiben der Situation beschreibt.</a:t>
-            </a:r>
-          </a:p>
-        </p:txBody>
-      </p:sp>
-      <p:sp>
-        <p:nvSpPr>
-          <p:cNvPr id="4" name="Textplatzhalter 3">
-            <a:extLst>
-              <a:ext uri="{FF2B5EF4-FFF2-40B4-BE49-F238E27FC236}">
-                <a16:creationId xmlns:a16="http://schemas.microsoft.com/office/drawing/2014/main" id="{11664B1C-FC4A-4F9E-BC14-68D590BCFB30}"/>
-              </a:ext>
-            </a:extLst>
-          </p:cNvPr>
-          <p:cNvSpPr>
-            <a:spLocks noGrp="1"/>
-          </p:cNvSpPr>
-          <p:nvPr>
-            <p:ph type="body" sz="quarter" idx="13"/>
-          </p:nvPr>
-        </p:nvSpPr>
-        <p:spPr/>
-        <p:txBody>
-          <a:bodyPr/>
-          <a:lstStyle/>
-          <a:p>
-            <a:r>
-              <a:rPr lang="de-DE" dirty="0"/>
-              <a:t>Problemstellung</a:t>
-            </a:r>
-          </a:p>
-        </p:txBody>
-      </p:sp>
-      <p:sp>
-        <p:nvSpPr>
-          <p:cNvPr id="6" name="Fußzeilenplatzhalter 4">
-            <a:extLst>
-              <a:ext uri="{FF2B5EF4-FFF2-40B4-BE49-F238E27FC236}">
-                <a16:creationId xmlns:a16="http://schemas.microsoft.com/office/drawing/2014/main" id="{F9404D23-A821-4B75-A55E-2B76BAB25B7D}"/>
-              </a:ext>
-            </a:extLst>
-          </p:cNvPr>
-          <p:cNvSpPr>
-            <a:spLocks noGrp="1"/>
-          </p:cNvSpPr>
-          <p:nvPr>
-            <p:ph type="ftr" sz="quarter" idx="3"/>
-          </p:nvPr>
-        </p:nvSpPr>
-        <p:spPr>
-          <a:xfrm>
-            <a:off x="1836738" y="6313488"/>
-            <a:ext cx="9367837" cy="295275"/>
-          </a:xfrm>
-          <a:prstGeom prst="rect">
-            <a:avLst/>
-          </a:prstGeom>
-        </p:spPr>
-        <p:txBody>
-          <a:bodyPr vert="horz" lIns="0" tIns="0" rIns="0" bIns="0" rtlCol="0" anchor="b" anchorCtr="0"/>
-          <a:lstStyle>
-            <a:lvl1pPr algn="l" eaLnBrk="1" fontAlgn="auto" hangingPunct="1">
-              <a:spcBef>
-                <a:spcPts val="0"/>
-              </a:spcBef>
-              <a:spcAft>
-                <a:spcPts val="0"/>
-              </a:spcAft>
-              <a:defRPr sz="800" smtClean="0">
+              <a:rPr lang="de-DE" dirty="0">
                 <a:solidFill>
-                  <a:schemeClr val="tx1"/>
+                  <a:schemeClr val="tx2"/>
                 </a:solidFill>
-                <a:latin typeface="+mn-lt"/>
-              </a:defRPr>
-            </a:lvl1pPr>
-          </a:lstStyle>
-          <a:p>
-            <a:pPr>
-              <a:defRPr/>
-            </a:pPr>
-            <a:r>
-              <a:rPr lang="de-DE" dirty="0"/>
-              <a:t>Felix Schulze Sindern			Batchverarbeitung mit Spring Batch 				26.01.2020</a:t>
+              </a:rPr>
+              <a:t>Batcherstellung von druckbaren Kontoauszügen</a:t>
             </a:r>
           </a:p>
         </p:txBody>
@@ -13925,7 +13946,7 @@
     </p:spTree>
     <p:extLst>
       <p:ext uri="{BB962C8B-B14F-4D97-AF65-F5344CB8AC3E}">
-        <p14:creationId xmlns:p14="http://schemas.microsoft.com/office/powerpoint/2010/main" val="3024839236"/>
+        <p14:creationId xmlns:p14="http://schemas.microsoft.com/office/powerpoint/2010/main" val="2551257592"/>
       </p:ext>
     </p:extLst>
   </p:cSld>
@@ -13957,7 +13978,7 @@
           <p:cNvPr id="2" name="Titel 1">
             <a:extLst>
               <a:ext uri="{FF2B5EF4-FFF2-40B4-BE49-F238E27FC236}">
-                <a16:creationId xmlns:a16="http://schemas.microsoft.com/office/drawing/2014/main" id="{9D70FD87-D45E-45A6-8E39-D9697F859E0B}"/>
+                <a16:creationId xmlns:a16="http://schemas.microsoft.com/office/drawing/2014/main" id="{FA2EA2E2-AE21-402C-A24D-3E2789117712}"/>
               </a:ext>
             </a:extLst>
           </p:cNvPr>
@@ -13985,7 +14006,7 @@
           <p:cNvPr id="3" name="Inhaltsplatzhalter 2">
             <a:extLst>
               <a:ext uri="{FF2B5EF4-FFF2-40B4-BE49-F238E27FC236}">
-                <a16:creationId xmlns:a16="http://schemas.microsoft.com/office/drawing/2014/main" id="{5D44FCE5-3C2C-4387-8132-99752DF75290}"/>
+                <a16:creationId xmlns:a16="http://schemas.microsoft.com/office/drawing/2014/main" id="{1BB25CF6-107A-4ADD-A9A4-1A75559E17B4}"/>
               </a:ext>
             </a:extLst>
           </p:cNvPr>
@@ -14003,11 +14024,8 @@
           <a:p>
             <a:r>
               <a:rPr lang="de-DE" dirty="0"/>
-              <a:t>Account, Customer, Transaction</a:t>
-            </a:r>
-          </a:p>
-          <a:p>
-            <a:endParaRPr lang="de-DE" dirty="0"/>
+              <a:t>TODO: Text schreiben der Situation beschreibt.</a:t>
+            </a:r>
           </a:p>
         </p:txBody>
       </p:sp>
@@ -14016,7 +14034,7 @@
           <p:cNvPr id="4" name="Textplatzhalter 3">
             <a:extLst>
               <a:ext uri="{FF2B5EF4-FFF2-40B4-BE49-F238E27FC236}">
-                <a16:creationId xmlns:a16="http://schemas.microsoft.com/office/drawing/2014/main" id="{86DB229D-4A43-40DE-A611-6A5A35D1B94C}"/>
+                <a16:creationId xmlns:a16="http://schemas.microsoft.com/office/drawing/2014/main" id="{11664B1C-FC4A-4F9E-BC14-68D590BCFB30}"/>
               </a:ext>
             </a:extLst>
           </p:cNvPr>
@@ -14034,7 +14052,7 @@
           <a:p>
             <a:r>
               <a:rPr lang="de-DE" dirty="0"/>
-              <a:t>Klassendiagramm</a:t>
+              <a:t>Problemstellung</a:t>
             </a:r>
           </a:p>
         </p:txBody>
@@ -14044,7 +14062,7 @@
           <p:cNvPr id="6" name="Fußzeilenplatzhalter 4">
             <a:extLst>
               <a:ext uri="{FF2B5EF4-FFF2-40B4-BE49-F238E27FC236}">
-                <a16:creationId xmlns:a16="http://schemas.microsoft.com/office/drawing/2014/main" id="{471F94EC-FBF5-4B56-B00C-F5F05FBDDF5D}"/>
+                <a16:creationId xmlns:a16="http://schemas.microsoft.com/office/drawing/2014/main" id="{F9404D23-A821-4B75-A55E-2B76BAB25B7D}"/>
               </a:ext>
             </a:extLst>
           </p:cNvPr>
@@ -14096,7 +14114,7 @@
     </p:spTree>
     <p:extLst>
       <p:ext uri="{BB962C8B-B14F-4D97-AF65-F5344CB8AC3E}">
-        <p14:creationId xmlns:p14="http://schemas.microsoft.com/office/powerpoint/2010/main" val="1141625038"/>
+        <p14:creationId xmlns:p14="http://schemas.microsoft.com/office/powerpoint/2010/main" val="3024839236"/>
       </p:ext>
     </p:extLst>
   </p:cSld>
@@ -14174,15 +14192,11 @@
           <a:p>
             <a:r>
               <a:rPr lang="de-DE" dirty="0"/>
-              <a:t>TODO: Diagramm</a:t>
-            </a:r>
-          </a:p>
-          <a:p>
-            <a:pPr lvl="1"/>
-            <a:r>
-              <a:rPr lang="de-DE" dirty="0"/>
-              <a:t>Inputs -&gt; ? -&gt; Kontoauszüge</a:t>
-            </a:r>
+              <a:t>Account, Customer, Transaction</a:t>
+            </a:r>
+          </a:p>
+          <a:p>
+            <a:endParaRPr lang="de-DE" dirty="0"/>
           </a:p>
         </p:txBody>
       </p:sp>
@@ -14209,7 +14223,7 @@
           <a:p>
             <a:r>
               <a:rPr lang="de-DE" dirty="0"/>
-              <a:t>Umsetzung mit Spring Batch</a:t>
+              <a:t>Klassendiagramm</a:t>
             </a:r>
           </a:p>
         </p:txBody>
@@ -14219,7 +14233,7 @@
           <p:cNvPr id="6" name="Fußzeilenplatzhalter 4">
             <a:extLst>
               <a:ext uri="{FF2B5EF4-FFF2-40B4-BE49-F238E27FC236}">
-                <a16:creationId xmlns:a16="http://schemas.microsoft.com/office/drawing/2014/main" id="{67259E4B-4727-4969-B96F-1EEDF9242CA9}"/>
+                <a16:creationId xmlns:a16="http://schemas.microsoft.com/office/drawing/2014/main" id="{471F94EC-FBF5-4B56-B00C-F5F05FBDDF5D}"/>
               </a:ext>
             </a:extLst>
           </p:cNvPr>
@@ -14271,7 +14285,7 @@
     </p:spTree>
     <p:extLst>
       <p:ext uri="{BB962C8B-B14F-4D97-AF65-F5344CB8AC3E}">
-        <p14:creationId xmlns:p14="http://schemas.microsoft.com/office/powerpoint/2010/main" val="2788953230"/>
+        <p14:creationId xmlns:p14="http://schemas.microsoft.com/office/powerpoint/2010/main" val="1141625038"/>
       </p:ext>
     </p:extLst>
   </p:cSld>
@@ -14356,29 +14370,7 @@
             <a:pPr lvl="1"/>
             <a:r>
               <a:rPr lang="de-DE" dirty="0"/>
-              <a:t>(Inputs -&gt;) ? (-&gt; Kontoauszüge)</a:t>
-            </a:r>
-          </a:p>
-          <a:p>
-            <a:pPr lvl="1"/>
-            <a:r>
-              <a:rPr lang="de-DE" dirty="0"/>
-              <a:t>Fragezeichen erklären</a:t>
-            </a:r>
-          </a:p>
-          <a:p>
-            <a:pPr lvl="2"/>
-            <a:r>
-              <a:rPr lang="de-DE" dirty="0"/>
-              <a:t>Jobs, </a:t>
-            </a:r>
-            <a:r>
-              <a:rPr lang="de-DE" dirty="0" err="1"/>
-              <a:t>Steps</a:t>
-            </a:r>
-            <a:r>
-              <a:rPr lang="de-DE" dirty="0"/>
-              <a:t>, Reader, Writers beschreiben</a:t>
+              <a:t>Inputs -&gt; ? -&gt; Kontoauszüge</a:t>
             </a:r>
           </a:p>
         </p:txBody>
@@ -14416,7 +14408,7 @@
           <p:cNvPr id="6" name="Fußzeilenplatzhalter 4">
             <a:extLst>
               <a:ext uri="{FF2B5EF4-FFF2-40B4-BE49-F238E27FC236}">
-                <a16:creationId xmlns:a16="http://schemas.microsoft.com/office/drawing/2014/main" id="{2C72B040-9BA5-4B72-B931-EE78AEA98005}"/>
+                <a16:creationId xmlns:a16="http://schemas.microsoft.com/office/drawing/2014/main" id="{67259E4B-4727-4969-B96F-1EEDF9242CA9}"/>
               </a:ext>
             </a:extLst>
           </p:cNvPr>
@@ -14468,7 +14460,7 @@
     </p:spTree>
     <p:extLst>
       <p:ext uri="{BB962C8B-B14F-4D97-AF65-F5344CB8AC3E}">
-        <p14:creationId xmlns:p14="http://schemas.microsoft.com/office/powerpoint/2010/main" val="2773738535"/>
+        <p14:creationId xmlns:p14="http://schemas.microsoft.com/office/powerpoint/2010/main" val="2788953230"/>
       </p:ext>
     </p:extLst>
   </p:cSld>
@@ -14546,55 +14538,36 @@
           <a:p>
             <a:r>
               <a:rPr lang="de-DE" dirty="0"/>
-              <a:t>TODO: Aufgabe 1 beschreiben</a:t>
+              <a:t>TODO: Diagramm</a:t>
             </a:r>
           </a:p>
           <a:p>
             <a:pPr lvl="1"/>
             <a:r>
+              <a:rPr lang="de-DE" dirty="0"/>
+              <a:t>(Inputs -&gt;) ? (-&gt; Kontoauszüge)</a:t>
+            </a:r>
+          </a:p>
+          <a:p>
+            <a:pPr lvl="1"/>
+            <a:r>
+              <a:rPr lang="de-DE" dirty="0"/>
+              <a:t>Fragezeichen erklären</a:t>
+            </a:r>
+          </a:p>
+          <a:p>
+            <a:pPr lvl="2"/>
+            <a:r>
+              <a:rPr lang="de-DE" dirty="0"/>
+              <a:t>Jobs, </a:t>
+            </a:r>
+            <a:r>
               <a:rPr lang="de-DE" dirty="0" err="1"/>
-              <a:t>HTTPProcessor</a:t>
+              <a:t>Steps</a:t>
             </a:r>
             <a:r>
               <a:rPr lang="de-DE" dirty="0"/>
-              <a:t> einbinden</a:t>
-            </a:r>
-          </a:p>
-          <a:p>
-            <a:pPr lvl="2"/>
-            <a:r>
-              <a:rPr lang="de-DE" dirty="0"/>
-              <a:t>Erklärung warum </a:t>
-            </a:r>
-            <a:r>
-              <a:rPr lang="de-DE" dirty="0" err="1"/>
-              <a:t>Processor</a:t>
-            </a:r>
-            <a:r>
-              <a:rPr lang="de-DE" dirty="0"/>
-              <a:t> und nicht </a:t>
-            </a:r>
-            <a:r>
-              <a:rPr lang="de-DE" dirty="0" err="1"/>
-              <a:t>reader</a:t>
-            </a:r>
-            <a:endParaRPr lang="de-DE" dirty="0"/>
-          </a:p>
-          <a:p>
-            <a:pPr lvl="1"/>
-            <a:r>
-              <a:rPr lang="de-DE" dirty="0" err="1"/>
-              <a:t>BalanceProcessor</a:t>
-            </a:r>
-            <a:r>
-              <a:rPr lang="de-DE" dirty="0"/>
-              <a:t> implementieren</a:t>
-            </a:r>
-          </a:p>
-          <a:p>
-            <a:r>
-              <a:rPr lang="de-DE" dirty="0"/>
-              <a:t>Relevante stellen im Code zeigen</a:t>
+              <a:t>, Reader, Writers beschreiben</a:t>
             </a:r>
           </a:p>
         </p:txBody>
@@ -14622,7 +14595,7 @@
           <a:p>
             <a:r>
               <a:rPr lang="de-DE" dirty="0"/>
-              <a:t>Aufgabe 1</a:t>
+              <a:t>Umsetzung mit Spring Batch</a:t>
             </a:r>
           </a:p>
         </p:txBody>
@@ -14632,7 +14605,7 @@
           <p:cNvPr id="6" name="Fußzeilenplatzhalter 4">
             <a:extLst>
               <a:ext uri="{FF2B5EF4-FFF2-40B4-BE49-F238E27FC236}">
-                <a16:creationId xmlns:a16="http://schemas.microsoft.com/office/drawing/2014/main" id="{D144B3DE-D29A-4749-AAF4-40BDC1903C78}"/>
+                <a16:creationId xmlns:a16="http://schemas.microsoft.com/office/drawing/2014/main" id="{2C72B040-9BA5-4B72-B931-EE78AEA98005}"/>
               </a:ext>
             </a:extLst>
           </p:cNvPr>
@@ -14684,7 +14657,7 @@
     </p:spTree>
     <p:extLst>
       <p:ext uri="{BB962C8B-B14F-4D97-AF65-F5344CB8AC3E}">
-        <p14:creationId xmlns:p14="http://schemas.microsoft.com/office/powerpoint/2010/main" val="616906393"/>
+        <p14:creationId xmlns:p14="http://schemas.microsoft.com/office/powerpoint/2010/main" val="2773738535"/>
       </p:ext>
     </p:extLst>
   </p:cSld>
@@ -14762,55 +14735,56 @@
           <a:p>
             <a:r>
               <a:rPr lang="de-DE" dirty="0"/>
-              <a:t>TODO: Aufgabe 2 erklären</a:t>
+              <a:t>TODO: Aufgabe 1 beschreiben</a:t>
             </a:r>
           </a:p>
           <a:p>
             <a:pPr lvl="1"/>
             <a:r>
+              <a:rPr lang="de-DE" dirty="0" err="1"/>
+              <a:t>HTTPProcessor</a:t>
+            </a:r>
+            <a:r>
               <a:rPr lang="de-DE" dirty="0"/>
-              <a:t>Situation: Rest </a:t>
+              <a:t> einbinden</a:t>
+            </a:r>
+          </a:p>
+          <a:p>
+            <a:pPr lvl="2"/>
+            <a:r>
+              <a:rPr lang="de-DE" dirty="0"/>
+              <a:t>Erklärung warum </a:t>
             </a:r>
             <a:r>
               <a:rPr lang="de-DE" dirty="0" err="1"/>
-              <a:t>schnittstelle</a:t>
+              <a:t>Processor</a:t>
             </a:r>
             <a:r>
               <a:rPr lang="de-DE" dirty="0"/>
-              <a:t> ist unzuverlässig und </a:t>
+              <a:t> und nicht </a:t>
             </a:r>
             <a:r>
               <a:rPr lang="de-DE" dirty="0" err="1"/>
-              <a:t>returnt</a:t>
+              <a:t>reader</a:t>
+            </a:r>
+            <a:endParaRPr lang="de-DE" dirty="0"/>
+          </a:p>
+          <a:p>
+            <a:pPr lvl="1"/>
+            <a:r>
+              <a:rPr lang="de-DE" dirty="0" err="1"/>
+              <a:t>BalanceProcessor</a:t>
             </a:r>
             <a:r>
               <a:rPr lang="de-DE" dirty="0"/>
-              <a:t> </a:t>
-            </a:r>
-            <a:r>
-              <a:rPr lang="de-DE" dirty="0" err="1"/>
-              <a:t>random</a:t>
-            </a:r>
+              <a:t> implementieren</a:t>
+            </a:r>
+          </a:p>
+          <a:p>
             <a:r>
               <a:rPr lang="de-DE" dirty="0"/>
-              <a:t> 500</a:t>
-            </a:r>
-          </a:p>
-          <a:p>
-            <a:pPr lvl="1"/>
-            <a:r>
-              <a:rPr lang="de-DE" dirty="0"/>
-              <a:t>Wie damit </a:t>
-            </a:r>
-            <a:r>
-              <a:rPr lang="de-DE" dirty="0" err="1"/>
-              <a:t>umgehebn</a:t>
-            </a:r>
-            <a:r>
-              <a:rPr lang="de-DE"/>
-              <a:t>?</a:t>
-            </a:r>
-            <a:endParaRPr lang="de-DE" dirty="0"/>
+              <a:t>Relevante stellen im Code zeigen</a:t>
+            </a:r>
           </a:p>
         </p:txBody>
       </p:sp>
@@ -14837,7 +14811,7 @@
           <a:p>
             <a:r>
               <a:rPr lang="de-DE" dirty="0"/>
-              <a:t>Aufgabe 2</a:t>
+              <a:t>Aufgabe 1</a:t>
             </a:r>
           </a:p>
         </p:txBody>
@@ -14847,7 +14821,7 @@
           <p:cNvPr id="6" name="Fußzeilenplatzhalter 4">
             <a:extLst>
               <a:ext uri="{FF2B5EF4-FFF2-40B4-BE49-F238E27FC236}">
-                <a16:creationId xmlns:a16="http://schemas.microsoft.com/office/drawing/2014/main" id="{725F8899-8F61-4DF3-9A51-7C8976D796EE}"/>
+                <a16:creationId xmlns:a16="http://schemas.microsoft.com/office/drawing/2014/main" id="{D144B3DE-D29A-4749-AAF4-40BDC1903C78}"/>
               </a:ext>
             </a:extLst>
           </p:cNvPr>
@@ -14899,7 +14873,7 @@
     </p:spTree>
     <p:extLst>
       <p:ext uri="{BB962C8B-B14F-4D97-AF65-F5344CB8AC3E}">
-        <p14:creationId xmlns:p14="http://schemas.microsoft.com/office/powerpoint/2010/main" val="3013401157"/>
+        <p14:creationId xmlns:p14="http://schemas.microsoft.com/office/powerpoint/2010/main" val="616906393"/>
       </p:ext>
     </p:extLst>
   </p:cSld>
@@ -15164,6 +15138,221 @@
 </file>
 
 <file path=ppt/slides/slide20.xml><?xml version="1.0" encoding="utf-8"?>
+<p:sld xmlns:a="http://schemas.openxmlformats.org/drawingml/2006/main" xmlns:r="http://schemas.openxmlformats.org/officeDocument/2006/relationships" xmlns:p="http://schemas.openxmlformats.org/presentationml/2006/main">
+  <p:cSld>
+    <p:spTree>
+      <p:nvGrpSpPr>
+        <p:cNvPr id="1" name=""/>
+        <p:cNvGrpSpPr/>
+        <p:nvPr/>
+      </p:nvGrpSpPr>
+      <p:grpSpPr>
+        <a:xfrm>
+          <a:off x="0" y="0"/>
+          <a:ext cx="0" cy="0"/>
+          <a:chOff x="0" y="0"/>
+          <a:chExt cx="0" cy="0"/>
+        </a:xfrm>
+      </p:grpSpPr>
+      <p:sp>
+        <p:nvSpPr>
+          <p:cNvPr id="2" name="Titel 1">
+            <a:extLst>
+              <a:ext uri="{FF2B5EF4-FFF2-40B4-BE49-F238E27FC236}">
+                <a16:creationId xmlns:a16="http://schemas.microsoft.com/office/drawing/2014/main" id="{9D70FD87-D45E-45A6-8E39-D9697F859E0B}"/>
+              </a:ext>
+            </a:extLst>
+          </p:cNvPr>
+          <p:cNvSpPr>
+            <a:spLocks noGrp="1"/>
+          </p:cNvSpPr>
+          <p:nvPr>
+            <p:ph type="title"/>
+          </p:nvPr>
+        </p:nvSpPr>
+        <p:spPr/>
+        <p:txBody>
+          <a:bodyPr/>
+          <a:lstStyle/>
+          <a:p>
+            <a:r>
+              <a:rPr lang="de-DE" dirty="0"/>
+              <a:t>Übung: Erstellung von Kontoauszügen</a:t>
+            </a:r>
+          </a:p>
+        </p:txBody>
+      </p:sp>
+      <p:sp>
+        <p:nvSpPr>
+          <p:cNvPr id="3" name="Inhaltsplatzhalter 2">
+            <a:extLst>
+              <a:ext uri="{FF2B5EF4-FFF2-40B4-BE49-F238E27FC236}">
+                <a16:creationId xmlns:a16="http://schemas.microsoft.com/office/drawing/2014/main" id="{5D44FCE5-3C2C-4387-8132-99752DF75290}"/>
+              </a:ext>
+            </a:extLst>
+          </p:cNvPr>
+          <p:cNvSpPr>
+            <a:spLocks noGrp="1"/>
+          </p:cNvSpPr>
+          <p:nvPr>
+            <p:ph idx="1"/>
+          </p:nvPr>
+        </p:nvSpPr>
+        <p:spPr/>
+        <p:txBody>
+          <a:bodyPr/>
+          <a:lstStyle/>
+          <a:p>
+            <a:r>
+              <a:rPr lang="de-DE" dirty="0"/>
+              <a:t>TODO: Aufgabe 2 erklären</a:t>
+            </a:r>
+          </a:p>
+          <a:p>
+            <a:pPr lvl="1"/>
+            <a:r>
+              <a:rPr lang="de-DE" dirty="0"/>
+              <a:t>Situation: Rest </a:t>
+            </a:r>
+            <a:r>
+              <a:rPr lang="de-DE" dirty="0" err="1"/>
+              <a:t>schnittstelle</a:t>
+            </a:r>
+            <a:r>
+              <a:rPr lang="de-DE" dirty="0"/>
+              <a:t> ist unzuverlässig und </a:t>
+            </a:r>
+            <a:r>
+              <a:rPr lang="de-DE" dirty="0" err="1"/>
+              <a:t>returnt</a:t>
+            </a:r>
+            <a:r>
+              <a:rPr lang="de-DE" dirty="0"/>
+              <a:t> </a:t>
+            </a:r>
+            <a:r>
+              <a:rPr lang="de-DE" dirty="0" err="1"/>
+              <a:t>random</a:t>
+            </a:r>
+            <a:r>
+              <a:rPr lang="de-DE" dirty="0"/>
+              <a:t> 500</a:t>
+            </a:r>
+          </a:p>
+          <a:p>
+            <a:pPr lvl="1"/>
+            <a:r>
+              <a:rPr lang="de-DE" dirty="0"/>
+              <a:t>Wie damit </a:t>
+            </a:r>
+            <a:r>
+              <a:rPr lang="de-DE" dirty="0" err="1"/>
+              <a:t>umgehebn</a:t>
+            </a:r>
+            <a:r>
+              <a:rPr lang="de-DE"/>
+              <a:t>?</a:t>
+            </a:r>
+            <a:endParaRPr lang="de-DE" dirty="0"/>
+          </a:p>
+        </p:txBody>
+      </p:sp>
+      <p:sp>
+        <p:nvSpPr>
+          <p:cNvPr id="4" name="Textplatzhalter 3">
+            <a:extLst>
+              <a:ext uri="{FF2B5EF4-FFF2-40B4-BE49-F238E27FC236}">
+                <a16:creationId xmlns:a16="http://schemas.microsoft.com/office/drawing/2014/main" id="{86DB229D-4A43-40DE-A611-6A5A35D1B94C}"/>
+              </a:ext>
+            </a:extLst>
+          </p:cNvPr>
+          <p:cNvSpPr>
+            <a:spLocks noGrp="1"/>
+          </p:cNvSpPr>
+          <p:nvPr>
+            <p:ph type="body" sz="quarter" idx="13"/>
+          </p:nvPr>
+        </p:nvSpPr>
+        <p:spPr/>
+        <p:txBody>
+          <a:bodyPr/>
+          <a:lstStyle/>
+          <a:p>
+            <a:r>
+              <a:rPr lang="de-DE" dirty="0"/>
+              <a:t>Aufgabe 2</a:t>
+            </a:r>
+          </a:p>
+        </p:txBody>
+      </p:sp>
+      <p:sp>
+        <p:nvSpPr>
+          <p:cNvPr id="6" name="Fußzeilenplatzhalter 4">
+            <a:extLst>
+              <a:ext uri="{FF2B5EF4-FFF2-40B4-BE49-F238E27FC236}">
+                <a16:creationId xmlns:a16="http://schemas.microsoft.com/office/drawing/2014/main" id="{725F8899-8F61-4DF3-9A51-7C8976D796EE}"/>
+              </a:ext>
+            </a:extLst>
+          </p:cNvPr>
+          <p:cNvSpPr>
+            <a:spLocks noGrp="1"/>
+          </p:cNvSpPr>
+          <p:nvPr>
+            <p:ph type="ftr" sz="quarter" idx="3"/>
+          </p:nvPr>
+        </p:nvSpPr>
+        <p:spPr>
+          <a:xfrm>
+            <a:off x="1836738" y="6313488"/>
+            <a:ext cx="9367837" cy="295275"/>
+          </a:xfrm>
+          <a:prstGeom prst="rect">
+            <a:avLst/>
+          </a:prstGeom>
+        </p:spPr>
+        <p:txBody>
+          <a:bodyPr vert="horz" lIns="0" tIns="0" rIns="0" bIns="0" rtlCol="0" anchor="b" anchorCtr="0"/>
+          <a:lstStyle>
+            <a:lvl1pPr algn="l" eaLnBrk="1" fontAlgn="auto" hangingPunct="1">
+              <a:spcBef>
+                <a:spcPts val="0"/>
+              </a:spcBef>
+              <a:spcAft>
+                <a:spcPts val="0"/>
+              </a:spcAft>
+              <a:defRPr sz="800" smtClean="0">
+                <a:solidFill>
+                  <a:schemeClr val="tx1"/>
+                </a:solidFill>
+                <a:latin typeface="+mn-lt"/>
+              </a:defRPr>
+            </a:lvl1pPr>
+          </a:lstStyle>
+          <a:p>
+            <a:pPr>
+              <a:defRPr/>
+            </a:pPr>
+            <a:r>
+              <a:rPr lang="de-DE" dirty="0"/>
+              <a:t>Felix Schulze Sindern			Batchverarbeitung mit Spring Batch 				26.01.2020</a:t>
+            </a:r>
+          </a:p>
+        </p:txBody>
+      </p:sp>
+    </p:spTree>
+    <p:extLst>
+      <p:ext uri="{BB962C8B-B14F-4D97-AF65-F5344CB8AC3E}">
+        <p14:creationId xmlns:p14="http://schemas.microsoft.com/office/powerpoint/2010/main" val="3013401157"/>
+      </p:ext>
+    </p:extLst>
+  </p:cSld>
+  <p:clrMapOvr>
+    <a:masterClrMapping/>
+  </p:clrMapOvr>
+</p:sld>
+</file>
+
+<file path=ppt/slides/slide21.xml><?xml version="1.0" encoding="utf-8"?>
 <p:sld xmlns:a="http://schemas.openxmlformats.org/drawingml/2006/main" xmlns:r="http://schemas.openxmlformats.org/officeDocument/2006/relationships" xmlns:p="http://schemas.openxmlformats.org/presentationml/2006/main">
   <p:cSld>
     <p:spTree>
@@ -16121,7 +16310,7 @@
 </p:sld>
 </file>
 
-<file path=ppt/slides/slide21.xml><?xml version="1.0" encoding="utf-8"?>
+<file path=ppt/slides/slide22.xml><?xml version="1.0" encoding="utf-8"?>
 <p:sld xmlns:a="http://schemas.openxmlformats.org/drawingml/2006/main" xmlns:r="http://schemas.openxmlformats.org/officeDocument/2006/relationships" xmlns:p="http://schemas.openxmlformats.org/presentationml/2006/main">
   <p:cSld>
     <p:spTree>

--- a/spring_batch.pptx
+++ b/spring_batch.pptx
@@ -21,9 +21,9 @@
     <p:sldId id="325" r:id="rId9"/>
     <p:sldId id="322" r:id="rId10"/>
     <p:sldId id="326" r:id="rId11"/>
-    <p:sldId id="313" r:id="rId12"/>
-    <p:sldId id="312" r:id="rId13"/>
-    <p:sldId id="318" r:id="rId14"/>
+    <p:sldId id="327" r:id="rId12"/>
+    <p:sldId id="318" r:id="rId13"/>
+    <p:sldId id="312" r:id="rId14"/>
     <p:sldId id="303" r:id="rId15"/>
     <p:sldId id="306" r:id="rId16"/>
     <p:sldId id="307" r:id="rId17"/>
@@ -12917,17 +12917,49 @@
           <a:p>
             <a:r>
               <a:rPr lang="de-DE" dirty="0"/>
-              <a:t>Liest eine Datei name.txt die einen Namen enthalten soll</a:t>
-            </a:r>
+              <a:t>Liest eine Datei input.txt die einen Namen enthalten soll</a:t>
+            </a:r>
+          </a:p>
+          <a:p>
+            <a:pPr lvl="1"/>
+            <a:r>
+              <a:rPr lang="de-DE" dirty="0">
+                <a:solidFill>
+                  <a:schemeClr val="tx2"/>
+                </a:solidFill>
+              </a:rPr>
+              <a:t>z. B.: „Felix“</a:t>
+            </a:r>
+          </a:p>
+          <a:p>
+            <a:pPr lvl="1"/>
+            <a:endParaRPr lang="de-DE" dirty="0"/>
           </a:p>
           <a:p>
             <a:r>
               <a:rPr lang="de-DE" dirty="0"/>
-              <a:t>Batch Anwendung liest den Namen und schreibt in eine neue Datei Hello x! </a:t>
+              <a:t>Batch Anwendung liest den Namen und schreibt eine Begrüßung in eine neue Datei</a:t>
+            </a:r>
+          </a:p>
+          <a:p>
+            <a:pPr lvl="1"/>
+            <a:r>
+              <a:rPr lang="de-DE" dirty="0">
+                <a:solidFill>
+                  <a:schemeClr val="tx2"/>
+                </a:solidFill>
+              </a:rPr>
+              <a:t>z. B.: „Hello Felix!“</a:t>
             </a:r>
           </a:p>
           <a:p>
             <a:endParaRPr lang="de-DE" dirty="0"/>
+          </a:p>
+          <a:p>
+            <a:r>
+              <a:rPr lang="de-DE" dirty="0"/>
+              <a:t>Wenn mehrere Namen in der Inputdatei angegeben werden, werden auch mehrere Begrüßungen ausgegeben</a:t>
+            </a:r>
           </a:p>
           <a:p>
             <a:endParaRPr lang="de-DE" dirty="0"/>
@@ -13051,259 +13083,3556 @@
       </p:grpSpPr>
       <p:sp>
         <p:nvSpPr>
-          <p:cNvPr id="2" name="Titel 1">
+          <p:cNvPr id="5" name="Rechteck 4">
             <a:extLst>
               <a:ext uri="{FF2B5EF4-FFF2-40B4-BE49-F238E27FC236}">
-                <a16:creationId xmlns:a16="http://schemas.microsoft.com/office/drawing/2014/main" id="{FB6EC4A5-461A-449B-9009-30BCD8AD9B25}"/>
+                <a16:creationId xmlns:a16="http://schemas.microsoft.com/office/drawing/2014/main" id="{72FA0154-D4AF-42DF-B248-F05F00EFAA0C}"/>
               </a:ext>
             </a:extLst>
           </p:cNvPr>
-          <p:cNvSpPr>
-            <a:spLocks noGrp="1"/>
-          </p:cNvSpPr>
-          <p:nvPr>
-            <p:ph type="title"/>
-          </p:nvPr>
-        </p:nvSpPr>
-        <p:spPr/>
-        <p:txBody>
-          <a:bodyPr/>
-          <a:lstStyle/>
-          <a:p>
-            <a:r>
-              <a:rPr lang="de-DE" dirty="0"/>
-              <a:t>Spring Batch</a:t>
-            </a:r>
-          </a:p>
-        </p:txBody>
-      </p:sp>
-      <p:sp>
-        <p:nvSpPr>
-          <p:cNvPr id="3" name="Inhaltsplatzhalter 2">
-            <a:extLst>
-              <a:ext uri="{FF2B5EF4-FFF2-40B4-BE49-F238E27FC236}">
-                <a16:creationId xmlns:a16="http://schemas.microsoft.com/office/drawing/2014/main" id="{3734A15B-1BC6-48E9-AC25-DF13DFAC8176}"/>
-              </a:ext>
-            </a:extLst>
-          </p:cNvPr>
-          <p:cNvSpPr>
-            <a:spLocks noGrp="1"/>
-          </p:cNvSpPr>
-          <p:nvPr>
-            <p:ph idx="1"/>
-          </p:nvPr>
+          <p:cNvSpPr/>
+          <p:nvPr/>
         </p:nvSpPr>
         <p:spPr>
           <a:xfrm>
-            <a:off x="371475" y="1785938"/>
-            <a:ext cx="8824913" cy="4595390"/>
-          </a:xfrm>
-        </p:spPr>
-        <p:txBody>
-          <a:bodyPr/>
-          <a:lstStyle/>
-          <a:p>
-            <a:r>
-              <a:rPr lang="de-DE" dirty="0"/>
-              <a:t>Minimales Projekt mit Codeschnipsel erklären</a:t>
-            </a:r>
-          </a:p>
-          <a:p>
-            <a:r>
-              <a:rPr lang="de-DE" dirty="0"/>
-              <a:t>Datei Einlesen in der ein *Name* geschrieben werden kann</a:t>
-            </a:r>
-          </a:p>
-          <a:p>
-            <a:r>
-              <a:rPr lang="de-DE" dirty="0"/>
-              <a:t>Output „Hello *Name*“</a:t>
-            </a:r>
-          </a:p>
-          <a:p>
-            <a:r>
-              <a:rPr lang="de-DE" dirty="0" err="1"/>
-              <a:t>Configuration</a:t>
-            </a:r>
-            <a:r>
-              <a:rPr lang="de-DE" dirty="0"/>
-              <a:t> erklären – und alternative </a:t>
-            </a:r>
-            <a:r>
-              <a:rPr lang="de-DE" dirty="0" err="1"/>
-              <a:t>xml</a:t>
-            </a:r>
-            <a:r>
-              <a:rPr lang="de-DE" dirty="0"/>
-              <a:t> erwähnen</a:t>
-            </a:r>
-          </a:p>
-          <a:p>
-            <a:endParaRPr lang="de-DE" dirty="0"/>
-          </a:p>
-          <a:p>
-            <a:r>
-              <a:rPr lang="de-DE" dirty="0"/>
-              <a:t>Reader: einfacher </a:t>
-            </a:r>
-            <a:r>
-              <a:rPr lang="de-DE" dirty="0" err="1"/>
-              <a:t>flatfileReader</a:t>
-            </a:r>
-            <a:endParaRPr lang="de-DE" dirty="0"/>
-          </a:p>
-          <a:p>
-            <a:r>
-              <a:rPr lang="de-DE" dirty="0" err="1"/>
-              <a:t>Processor</a:t>
-            </a:r>
-            <a:r>
-              <a:rPr lang="de-DE" dirty="0"/>
-              <a:t>: (String </a:t>
-            </a:r>
-            <a:r>
-              <a:rPr lang="de-DE" dirty="0" err="1"/>
-              <a:t>Processor</a:t>
-            </a:r>
-            <a:r>
-              <a:rPr lang="de-DE" dirty="0"/>
-              <a:t>) fügt Hello vorne an und hinten ein !</a:t>
-            </a:r>
-          </a:p>
-          <a:p>
-            <a:r>
-              <a:rPr lang="de-DE" dirty="0"/>
-              <a:t>Writer einfacher </a:t>
-            </a:r>
-            <a:r>
-              <a:rPr lang="de-DE" dirty="0" err="1"/>
-              <a:t>flatFileWriter</a:t>
-            </a:r>
-            <a:endParaRPr lang="de-DE" dirty="0"/>
-          </a:p>
-          <a:p>
-            <a:endParaRPr lang="de-DE" dirty="0"/>
-          </a:p>
-          <a:p>
-            <a:r>
-              <a:rPr lang="de-DE" dirty="0"/>
-              <a:t>Erklären, dass Reader und Writer abstrakte Konzepte sind, die auf vieler Art angewendet werden können</a:t>
-            </a:r>
-          </a:p>
-          <a:p>
-            <a:pPr lvl="1"/>
-            <a:r>
-              <a:rPr lang="de-DE" dirty="0"/>
-              <a:t>XML, JSON, CSV, XLSX,HTTP, Messaging etc…</a:t>
-            </a:r>
-          </a:p>
-          <a:p>
-            <a:pPr lvl="1"/>
-            <a:r>
-              <a:rPr lang="de-DE" dirty="0"/>
-              <a:t>Spring </a:t>
-            </a:r>
-            <a:r>
-              <a:rPr lang="de-DE" dirty="0" err="1"/>
-              <a:t>batch</a:t>
-            </a:r>
-            <a:r>
-              <a:rPr lang="de-DE" dirty="0"/>
-              <a:t> kommt mit einigen Vorgefertigten Readern</a:t>
-            </a:r>
-          </a:p>
-          <a:p>
-            <a:endParaRPr lang="de-DE" dirty="0"/>
-          </a:p>
-          <a:p>
-            <a:endParaRPr lang="de-DE" dirty="0"/>
-          </a:p>
-          <a:p>
-            <a:endParaRPr lang="de-DE" dirty="0"/>
-          </a:p>
-          <a:p>
-            <a:endParaRPr lang="de-DE" dirty="0"/>
-          </a:p>
-        </p:txBody>
-      </p:sp>
-      <p:sp>
-        <p:nvSpPr>
-          <p:cNvPr id="4" name="Textplatzhalter 3">
-            <a:extLst>
-              <a:ext uri="{FF2B5EF4-FFF2-40B4-BE49-F238E27FC236}">
-                <a16:creationId xmlns:a16="http://schemas.microsoft.com/office/drawing/2014/main" id="{4236CB48-2609-42A6-8D88-BD2AEDBC7796}"/>
-              </a:ext>
-            </a:extLst>
-          </p:cNvPr>
-          <p:cNvSpPr>
-            <a:spLocks noGrp="1"/>
-          </p:cNvSpPr>
-          <p:nvPr>
-            <p:ph type="body" sz="quarter" idx="13"/>
-          </p:nvPr>
-        </p:nvSpPr>
-        <p:spPr/>
-        <p:txBody>
-          <a:bodyPr/>
-          <a:lstStyle/>
-          <a:p>
-            <a:r>
-              <a:rPr lang="de-DE" dirty="0"/>
-              <a:t>Hello World</a:t>
-            </a:r>
-          </a:p>
-        </p:txBody>
-      </p:sp>
-      <p:sp>
-        <p:nvSpPr>
-          <p:cNvPr id="6" name="Fußzeilenplatzhalter 4">
-            <a:extLst>
-              <a:ext uri="{FF2B5EF4-FFF2-40B4-BE49-F238E27FC236}">
-                <a16:creationId xmlns:a16="http://schemas.microsoft.com/office/drawing/2014/main" id="{34F95E7B-C0E0-4D9D-877B-B994AFC34504}"/>
-              </a:ext>
-            </a:extLst>
-          </p:cNvPr>
-          <p:cNvSpPr>
-            <a:spLocks noGrp="1"/>
-          </p:cNvSpPr>
-          <p:nvPr>
-            <p:ph type="ftr" sz="quarter" idx="3"/>
-          </p:nvPr>
-        </p:nvSpPr>
-        <p:spPr>
-          <a:xfrm>
-            <a:off x="1836738" y="6313488"/>
-            <a:ext cx="9367837" cy="295275"/>
+            <a:off x="9336360" y="188640"/>
+            <a:ext cx="2592288" cy="463688"/>
           </a:xfrm>
           <a:prstGeom prst="rect">
             <a:avLst/>
           </a:prstGeom>
+          <a:solidFill>
+            <a:schemeClr val="bg1"/>
+          </a:solidFill>
+          <a:ln>
+            <a:noFill/>
+          </a:ln>
+        </p:spPr>
+        <p:style>
+          <a:lnRef idx="2">
+            <a:schemeClr val="accent1">
+              <a:shade val="50000"/>
+            </a:schemeClr>
+          </a:lnRef>
+          <a:fillRef idx="1">
+            <a:schemeClr val="accent1"/>
+          </a:fillRef>
+          <a:effectRef idx="0">
+            <a:schemeClr val="accent1"/>
+          </a:effectRef>
+          <a:fontRef idx="minor">
+            <a:schemeClr val="lt1"/>
+          </a:fontRef>
+        </p:style>
+        <p:txBody>
+          <a:bodyPr rtlCol="0" anchor="ctr"/>
+          <a:lstStyle/>
+          <a:p>
+            <a:pPr algn="ctr">
+              <a:lnSpc>
+                <a:spcPct val="110000"/>
+              </a:lnSpc>
+            </a:pPr>
+            <a:endParaRPr lang="de-DE" sz="1900">
+              <a:solidFill>
+                <a:schemeClr val="tx1"/>
+              </a:solidFill>
+            </a:endParaRPr>
+          </a:p>
+        </p:txBody>
+      </p:sp>
+      <p:sp>
+        <p:nvSpPr>
+          <p:cNvPr id="3" name="Textfeld 2">
+            <a:extLst>
+              <a:ext uri="{FF2B5EF4-FFF2-40B4-BE49-F238E27FC236}">
+                <a16:creationId xmlns:a16="http://schemas.microsoft.com/office/drawing/2014/main" id="{1B30FEF3-2AC3-440A-9A26-58F5AFCFDA64}"/>
+              </a:ext>
+            </a:extLst>
+          </p:cNvPr>
+          <p:cNvSpPr txBox="1"/>
+          <p:nvPr/>
+        </p:nvSpPr>
+        <p:spPr>
+          <a:xfrm>
+            <a:off x="263352" y="188640"/>
+            <a:ext cx="5483932" cy="6017032"/>
+          </a:xfrm>
+          <a:prstGeom prst="rect">
+            <a:avLst/>
+          </a:prstGeom>
+          <a:solidFill>
+            <a:schemeClr val="bg1">
+              <a:lumMod val="95000"/>
+            </a:schemeClr>
+          </a:solidFill>
+        </p:spPr>
+        <p:txBody>
+          <a:bodyPr wrap="square">
+            <a:spAutoFit/>
+          </a:bodyPr>
+          <a:lstStyle/>
+          <a:p>
+            <a:r>
+              <a:rPr lang="de-DE" sz="1100" b="0" dirty="0">
+                <a:solidFill>
+                  <a:srgbClr val="000000"/>
+                </a:solidFill>
+                <a:effectLst/>
+                <a:latin typeface="JuliaMono" panose="020B0609060300020004" pitchFamily="49" charset="0"/>
+              </a:rPr>
+              <a:t>@</a:t>
+            </a:r>
+            <a:r>
+              <a:rPr lang="de-DE" sz="1100" b="0" dirty="0">
+                <a:solidFill>
+                  <a:srgbClr val="267F99"/>
+                </a:solidFill>
+                <a:effectLst/>
+                <a:latin typeface="JuliaMono" panose="020B0609060300020004" pitchFamily="49" charset="0"/>
+              </a:rPr>
+              <a:t>Configuration</a:t>
+            </a:r>
+            <a:endParaRPr lang="de-DE" sz="1100" b="0" dirty="0">
+              <a:solidFill>
+                <a:srgbClr val="000000"/>
+              </a:solidFill>
+              <a:effectLst/>
+              <a:latin typeface="JuliaMono" panose="020B0609060300020004" pitchFamily="49" charset="0"/>
+            </a:endParaRPr>
+          </a:p>
+          <a:p>
+            <a:r>
+              <a:rPr lang="de-DE" sz="1100" b="0" dirty="0">
+                <a:solidFill>
+                  <a:srgbClr val="000000"/>
+                </a:solidFill>
+                <a:effectLst/>
+                <a:latin typeface="JuliaMono" panose="020B0609060300020004" pitchFamily="49" charset="0"/>
+              </a:rPr>
+              <a:t>@</a:t>
+            </a:r>
+            <a:r>
+              <a:rPr lang="de-DE" sz="1100" b="0" dirty="0">
+                <a:solidFill>
+                  <a:srgbClr val="267F99"/>
+                </a:solidFill>
+                <a:effectLst/>
+                <a:latin typeface="JuliaMono" panose="020B0609060300020004" pitchFamily="49" charset="0"/>
+              </a:rPr>
+              <a:t>EnableBatchProcessing</a:t>
+            </a:r>
+            <a:endParaRPr lang="de-DE" sz="1100" b="0" dirty="0">
+              <a:solidFill>
+                <a:srgbClr val="000000"/>
+              </a:solidFill>
+              <a:effectLst/>
+              <a:latin typeface="JuliaMono" panose="020B0609060300020004" pitchFamily="49" charset="0"/>
+            </a:endParaRPr>
+          </a:p>
+          <a:p>
+            <a:r>
+              <a:rPr lang="de-DE" sz="1100" b="0" dirty="0" err="1">
+                <a:solidFill>
+                  <a:srgbClr val="0000FF"/>
+                </a:solidFill>
+                <a:effectLst/>
+                <a:latin typeface="JuliaMono" panose="020B0609060300020004" pitchFamily="49" charset="0"/>
+              </a:rPr>
+              <a:t>public</a:t>
+            </a:r>
+            <a:r>
+              <a:rPr lang="de-DE" sz="1100" b="0" dirty="0">
+                <a:solidFill>
+                  <a:srgbClr val="000000"/>
+                </a:solidFill>
+                <a:effectLst/>
+                <a:latin typeface="JuliaMono" panose="020B0609060300020004" pitchFamily="49" charset="0"/>
+              </a:rPr>
+              <a:t> </a:t>
+            </a:r>
+            <a:r>
+              <a:rPr lang="de-DE" sz="1100" b="0" dirty="0" err="1">
+                <a:solidFill>
+                  <a:srgbClr val="0000FF"/>
+                </a:solidFill>
+                <a:effectLst/>
+                <a:latin typeface="JuliaMono" panose="020B0609060300020004" pitchFamily="49" charset="0"/>
+              </a:rPr>
+              <a:t>class</a:t>
+            </a:r>
+            <a:r>
+              <a:rPr lang="de-DE" sz="1100" b="0" dirty="0">
+                <a:solidFill>
+                  <a:srgbClr val="000000"/>
+                </a:solidFill>
+                <a:effectLst/>
+                <a:latin typeface="JuliaMono" panose="020B0609060300020004" pitchFamily="49" charset="0"/>
+              </a:rPr>
+              <a:t> </a:t>
+            </a:r>
+            <a:r>
+              <a:rPr lang="de-DE" sz="1100" b="0" dirty="0" err="1">
+                <a:solidFill>
+                  <a:srgbClr val="267F99"/>
+                </a:solidFill>
+                <a:effectLst/>
+                <a:latin typeface="JuliaMono" panose="020B0609060300020004" pitchFamily="49" charset="0"/>
+              </a:rPr>
+              <a:t>BatchConfiguration</a:t>
+            </a:r>
+            <a:r>
+              <a:rPr lang="de-DE" sz="1100" b="0" dirty="0">
+                <a:solidFill>
+                  <a:srgbClr val="000000"/>
+                </a:solidFill>
+                <a:effectLst/>
+                <a:latin typeface="JuliaMono" panose="020B0609060300020004" pitchFamily="49" charset="0"/>
+              </a:rPr>
+              <a:t> {</a:t>
+            </a:r>
+          </a:p>
+          <a:p>
+            <a:r>
+              <a:rPr lang="de-DE" sz="1100" b="0" dirty="0">
+                <a:solidFill>
+                  <a:srgbClr val="000000"/>
+                </a:solidFill>
+                <a:effectLst/>
+                <a:latin typeface="JuliaMono" panose="020B0609060300020004" pitchFamily="49" charset="0"/>
+              </a:rPr>
+              <a:t>    @</a:t>
+            </a:r>
+            <a:r>
+              <a:rPr lang="de-DE" sz="1100" b="0" dirty="0">
+                <a:solidFill>
+                  <a:srgbClr val="267F99"/>
+                </a:solidFill>
+                <a:effectLst/>
+                <a:latin typeface="JuliaMono" panose="020B0609060300020004" pitchFamily="49" charset="0"/>
+              </a:rPr>
+              <a:t>Autowired</a:t>
+            </a:r>
+            <a:endParaRPr lang="de-DE" sz="1100" b="0" dirty="0">
+              <a:solidFill>
+                <a:srgbClr val="000000"/>
+              </a:solidFill>
+              <a:effectLst/>
+              <a:latin typeface="JuliaMono" panose="020B0609060300020004" pitchFamily="49" charset="0"/>
+            </a:endParaRPr>
+          </a:p>
+          <a:p>
+            <a:r>
+              <a:rPr lang="de-DE" sz="1100" b="0" dirty="0">
+                <a:solidFill>
+                  <a:srgbClr val="000000"/>
+                </a:solidFill>
+                <a:effectLst/>
+                <a:latin typeface="JuliaMono" panose="020B0609060300020004" pitchFamily="49" charset="0"/>
+              </a:rPr>
+              <a:t>    </a:t>
+            </a:r>
+            <a:r>
+              <a:rPr lang="de-DE" sz="1100" b="0" dirty="0" err="1">
+                <a:solidFill>
+                  <a:srgbClr val="0000FF"/>
+                </a:solidFill>
+                <a:effectLst/>
+                <a:latin typeface="JuliaMono" panose="020B0609060300020004" pitchFamily="49" charset="0"/>
+              </a:rPr>
+              <a:t>public</a:t>
+            </a:r>
+            <a:r>
+              <a:rPr lang="de-DE" sz="1100" b="0" dirty="0">
+                <a:solidFill>
+                  <a:srgbClr val="000000"/>
+                </a:solidFill>
+                <a:effectLst/>
+                <a:latin typeface="JuliaMono" panose="020B0609060300020004" pitchFamily="49" charset="0"/>
+              </a:rPr>
+              <a:t> </a:t>
+            </a:r>
+            <a:r>
+              <a:rPr lang="de-DE" sz="1100" b="0" dirty="0" err="1">
+                <a:solidFill>
+                  <a:srgbClr val="267F99"/>
+                </a:solidFill>
+                <a:effectLst/>
+                <a:latin typeface="JuliaMono" panose="020B0609060300020004" pitchFamily="49" charset="0"/>
+              </a:rPr>
+              <a:t>JobBuilderFactory</a:t>
+            </a:r>
+            <a:r>
+              <a:rPr lang="de-DE" sz="1100" b="0" dirty="0">
+                <a:solidFill>
+                  <a:srgbClr val="000000"/>
+                </a:solidFill>
+                <a:effectLst/>
+                <a:latin typeface="JuliaMono" panose="020B0609060300020004" pitchFamily="49" charset="0"/>
+              </a:rPr>
+              <a:t> </a:t>
+            </a:r>
+            <a:r>
+              <a:rPr lang="de-DE" sz="1100" b="0" dirty="0" err="1">
+                <a:solidFill>
+                  <a:srgbClr val="001080"/>
+                </a:solidFill>
+                <a:effectLst/>
+                <a:latin typeface="JuliaMono" panose="020B0609060300020004" pitchFamily="49" charset="0"/>
+              </a:rPr>
+              <a:t>jobBuilderFactory</a:t>
+            </a:r>
+            <a:r>
+              <a:rPr lang="de-DE" sz="1100" b="0" dirty="0">
+                <a:solidFill>
+                  <a:srgbClr val="000000"/>
+                </a:solidFill>
+                <a:effectLst/>
+                <a:latin typeface="JuliaMono" panose="020B0609060300020004" pitchFamily="49" charset="0"/>
+              </a:rPr>
+              <a:t>;</a:t>
+            </a:r>
+          </a:p>
+          <a:p>
+            <a:br>
+              <a:rPr lang="de-DE" sz="1100" b="0" dirty="0">
+                <a:solidFill>
+                  <a:srgbClr val="000000"/>
+                </a:solidFill>
+                <a:effectLst/>
+                <a:latin typeface="JuliaMono" panose="020B0609060300020004" pitchFamily="49" charset="0"/>
+              </a:rPr>
+            </a:br>
+            <a:r>
+              <a:rPr lang="de-DE" sz="1100" b="0" dirty="0">
+                <a:solidFill>
+                  <a:srgbClr val="000000"/>
+                </a:solidFill>
+                <a:effectLst/>
+                <a:latin typeface="JuliaMono" panose="020B0609060300020004" pitchFamily="49" charset="0"/>
+              </a:rPr>
+              <a:t>    @</a:t>
+            </a:r>
+            <a:r>
+              <a:rPr lang="de-DE" sz="1100" b="0" dirty="0">
+                <a:solidFill>
+                  <a:srgbClr val="267F99"/>
+                </a:solidFill>
+                <a:effectLst/>
+                <a:latin typeface="JuliaMono" panose="020B0609060300020004" pitchFamily="49" charset="0"/>
+              </a:rPr>
+              <a:t>Autowired</a:t>
+            </a:r>
+            <a:endParaRPr lang="de-DE" sz="1100" b="0" dirty="0">
+              <a:solidFill>
+                <a:srgbClr val="000000"/>
+              </a:solidFill>
+              <a:effectLst/>
+              <a:latin typeface="JuliaMono" panose="020B0609060300020004" pitchFamily="49" charset="0"/>
+            </a:endParaRPr>
+          </a:p>
+          <a:p>
+            <a:r>
+              <a:rPr lang="de-DE" sz="1100" b="0" dirty="0">
+                <a:solidFill>
+                  <a:srgbClr val="000000"/>
+                </a:solidFill>
+                <a:effectLst/>
+                <a:latin typeface="JuliaMono" panose="020B0609060300020004" pitchFamily="49" charset="0"/>
+              </a:rPr>
+              <a:t>    </a:t>
+            </a:r>
+            <a:r>
+              <a:rPr lang="de-DE" sz="1100" b="0" dirty="0" err="1">
+                <a:solidFill>
+                  <a:srgbClr val="0000FF"/>
+                </a:solidFill>
+                <a:effectLst/>
+                <a:latin typeface="JuliaMono" panose="020B0609060300020004" pitchFamily="49" charset="0"/>
+              </a:rPr>
+              <a:t>public</a:t>
+            </a:r>
+            <a:r>
+              <a:rPr lang="de-DE" sz="1100" b="0" dirty="0">
+                <a:solidFill>
+                  <a:srgbClr val="000000"/>
+                </a:solidFill>
+                <a:effectLst/>
+                <a:latin typeface="JuliaMono" panose="020B0609060300020004" pitchFamily="49" charset="0"/>
+              </a:rPr>
+              <a:t> </a:t>
+            </a:r>
+            <a:r>
+              <a:rPr lang="de-DE" sz="1100" b="0" dirty="0" err="1">
+                <a:solidFill>
+                  <a:srgbClr val="267F99"/>
+                </a:solidFill>
+                <a:effectLst/>
+                <a:latin typeface="JuliaMono" panose="020B0609060300020004" pitchFamily="49" charset="0"/>
+              </a:rPr>
+              <a:t>StepBuilderFactory</a:t>
+            </a:r>
+            <a:r>
+              <a:rPr lang="de-DE" sz="1100" b="0" dirty="0">
+                <a:solidFill>
+                  <a:srgbClr val="000000"/>
+                </a:solidFill>
+                <a:effectLst/>
+                <a:latin typeface="JuliaMono" panose="020B0609060300020004" pitchFamily="49" charset="0"/>
+              </a:rPr>
+              <a:t> </a:t>
+            </a:r>
+            <a:r>
+              <a:rPr lang="de-DE" sz="1100" b="0" dirty="0" err="1">
+                <a:solidFill>
+                  <a:srgbClr val="001080"/>
+                </a:solidFill>
+                <a:effectLst/>
+                <a:latin typeface="JuliaMono" panose="020B0609060300020004" pitchFamily="49" charset="0"/>
+              </a:rPr>
+              <a:t>stepBuilderFactory</a:t>
+            </a:r>
+            <a:r>
+              <a:rPr lang="de-DE" sz="1100" b="0" dirty="0">
+                <a:solidFill>
+                  <a:srgbClr val="000000"/>
+                </a:solidFill>
+                <a:effectLst/>
+                <a:latin typeface="JuliaMono" panose="020B0609060300020004" pitchFamily="49" charset="0"/>
+              </a:rPr>
+              <a:t>;</a:t>
+            </a:r>
+          </a:p>
+          <a:p>
+            <a:br>
+              <a:rPr lang="de-DE" sz="1100" b="0" dirty="0">
+                <a:solidFill>
+                  <a:srgbClr val="000000"/>
+                </a:solidFill>
+                <a:effectLst/>
+                <a:latin typeface="JuliaMono" panose="020B0609060300020004" pitchFamily="49" charset="0"/>
+              </a:rPr>
+            </a:br>
+            <a:r>
+              <a:rPr lang="de-DE" sz="1100" b="0" dirty="0">
+                <a:solidFill>
+                  <a:srgbClr val="000000"/>
+                </a:solidFill>
+                <a:effectLst/>
+                <a:latin typeface="JuliaMono" panose="020B0609060300020004" pitchFamily="49" charset="0"/>
+              </a:rPr>
+              <a:t>    @</a:t>
+            </a:r>
+            <a:r>
+              <a:rPr lang="de-DE" sz="1100" b="0" dirty="0">
+                <a:solidFill>
+                  <a:srgbClr val="267F99"/>
+                </a:solidFill>
+                <a:effectLst/>
+                <a:latin typeface="JuliaMono" panose="020B0609060300020004" pitchFamily="49" charset="0"/>
+              </a:rPr>
+              <a:t>Bean</a:t>
+            </a:r>
+            <a:endParaRPr lang="de-DE" sz="1100" b="0" dirty="0">
+              <a:solidFill>
+                <a:srgbClr val="000000"/>
+              </a:solidFill>
+              <a:effectLst/>
+              <a:latin typeface="JuliaMono" panose="020B0609060300020004" pitchFamily="49" charset="0"/>
+            </a:endParaRPr>
+          </a:p>
+          <a:p>
+            <a:r>
+              <a:rPr lang="de-DE" sz="1100" b="0" dirty="0">
+                <a:solidFill>
+                  <a:srgbClr val="000000"/>
+                </a:solidFill>
+                <a:effectLst/>
+                <a:latin typeface="JuliaMono" panose="020B0609060300020004" pitchFamily="49" charset="0"/>
+              </a:rPr>
+              <a:t>    </a:t>
+            </a:r>
+            <a:r>
+              <a:rPr lang="de-DE" sz="1100" b="0" dirty="0" err="1">
+                <a:solidFill>
+                  <a:srgbClr val="0000FF"/>
+                </a:solidFill>
+                <a:effectLst/>
+                <a:latin typeface="JuliaMono" panose="020B0609060300020004" pitchFamily="49" charset="0"/>
+              </a:rPr>
+              <a:t>public</a:t>
+            </a:r>
+            <a:r>
+              <a:rPr lang="de-DE" sz="1100" b="0" dirty="0">
+                <a:solidFill>
+                  <a:srgbClr val="000000"/>
+                </a:solidFill>
+                <a:effectLst/>
+                <a:latin typeface="JuliaMono" panose="020B0609060300020004" pitchFamily="49" charset="0"/>
+              </a:rPr>
+              <a:t> </a:t>
+            </a:r>
+            <a:r>
+              <a:rPr lang="de-DE" sz="1100" b="0" dirty="0">
+                <a:solidFill>
+                  <a:srgbClr val="267F99"/>
+                </a:solidFill>
+                <a:effectLst/>
+                <a:latin typeface="JuliaMono" panose="020B0609060300020004" pitchFamily="49" charset="0"/>
+              </a:rPr>
+              <a:t>Job</a:t>
+            </a:r>
+            <a:r>
+              <a:rPr lang="de-DE" sz="1100" b="0" dirty="0">
+                <a:solidFill>
+                  <a:srgbClr val="000000"/>
+                </a:solidFill>
+                <a:effectLst/>
+                <a:latin typeface="JuliaMono" panose="020B0609060300020004" pitchFamily="49" charset="0"/>
+              </a:rPr>
+              <a:t> </a:t>
+            </a:r>
+            <a:r>
+              <a:rPr lang="de-DE" sz="1100" b="0" dirty="0" err="1">
+                <a:solidFill>
+                  <a:srgbClr val="795E26"/>
+                </a:solidFill>
+                <a:effectLst/>
+                <a:latin typeface="JuliaMono" panose="020B0609060300020004" pitchFamily="49" charset="0"/>
+              </a:rPr>
+              <a:t>helloWorldJob</a:t>
+            </a:r>
+            <a:r>
+              <a:rPr lang="de-DE" sz="1100" b="0" dirty="0">
+                <a:solidFill>
+                  <a:srgbClr val="000000"/>
+                </a:solidFill>
+                <a:effectLst/>
+                <a:latin typeface="JuliaMono" panose="020B0609060300020004" pitchFamily="49" charset="0"/>
+              </a:rPr>
+              <a:t>() {</a:t>
+            </a:r>
+          </a:p>
+          <a:p>
+            <a:r>
+              <a:rPr lang="de-DE" sz="1100" b="0" dirty="0">
+                <a:solidFill>
+                  <a:srgbClr val="000000"/>
+                </a:solidFill>
+                <a:effectLst/>
+                <a:latin typeface="JuliaMono" panose="020B0609060300020004" pitchFamily="49" charset="0"/>
+              </a:rPr>
+              <a:t>        </a:t>
+            </a:r>
+            <a:r>
+              <a:rPr lang="de-DE" sz="1100" b="0" dirty="0" err="1">
+                <a:solidFill>
+                  <a:srgbClr val="AF00DB"/>
+                </a:solidFill>
+                <a:effectLst/>
+                <a:latin typeface="JuliaMono" panose="020B0609060300020004" pitchFamily="49" charset="0"/>
+              </a:rPr>
+              <a:t>return</a:t>
+            </a:r>
+            <a:r>
+              <a:rPr lang="de-DE" sz="1100" b="0" dirty="0">
+                <a:solidFill>
+                  <a:srgbClr val="000000"/>
+                </a:solidFill>
+                <a:effectLst/>
+                <a:latin typeface="JuliaMono" panose="020B0609060300020004" pitchFamily="49" charset="0"/>
+              </a:rPr>
+              <a:t> </a:t>
+            </a:r>
+            <a:r>
+              <a:rPr lang="de-DE" sz="1100" b="0" dirty="0" err="1">
+                <a:solidFill>
+                  <a:srgbClr val="001080"/>
+                </a:solidFill>
+                <a:effectLst/>
+                <a:latin typeface="JuliaMono" panose="020B0609060300020004" pitchFamily="49" charset="0"/>
+              </a:rPr>
+              <a:t>jobBuilderFactory</a:t>
+            </a:r>
+            <a:r>
+              <a:rPr lang="de-DE" sz="1100" b="0" dirty="0" err="1">
+                <a:solidFill>
+                  <a:srgbClr val="000000"/>
+                </a:solidFill>
+                <a:effectLst/>
+                <a:latin typeface="JuliaMono" panose="020B0609060300020004" pitchFamily="49" charset="0"/>
+              </a:rPr>
+              <a:t>.</a:t>
+            </a:r>
+            <a:r>
+              <a:rPr lang="de-DE" sz="1100" b="0" dirty="0" err="1">
+                <a:solidFill>
+                  <a:srgbClr val="795E26"/>
+                </a:solidFill>
+                <a:effectLst/>
+                <a:latin typeface="JuliaMono" panose="020B0609060300020004" pitchFamily="49" charset="0"/>
+              </a:rPr>
+              <a:t>get</a:t>
+            </a:r>
+            <a:r>
+              <a:rPr lang="de-DE" sz="1100" b="0" dirty="0">
+                <a:solidFill>
+                  <a:srgbClr val="000000"/>
+                </a:solidFill>
+                <a:effectLst/>
+                <a:latin typeface="JuliaMono" panose="020B0609060300020004" pitchFamily="49" charset="0"/>
+              </a:rPr>
+              <a:t>(</a:t>
+            </a:r>
+            <a:r>
+              <a:rPr lang="de-DE" sz="1100" b="0" dirty="0">
+                <a:solidFill>
+                  <a:srgbClr val="A31515"/>
+                </a:solidFill>
+                <a:effectLst/>
+                <a:latin typeface="JuliaMono" panose="020B0609060300020004" pitchFamily="49" charset="0"/>
+              </a:rPr>
+              <a:t>"</a:t>
+            </a:r>
+            <a:r>
+              <a:rPr lang="de-DE" sz="1100" b="0" dirty="0" err="1">
+                <a:solidFill>
+                  <a:srgbClr val="A31515"/>
+                </a:solidFill>
+                <a:effectLst/>
+                <a:latin typeface="JuliaMono" panose="020B0609060300020004" pitchFamily="49" charset="0"/>
+              </a:rPr>
+              <a:t>helloWorldJob</a:t>
+            </a:r>
+            <a:r>
+              <a:rPr lang="de-DE" sz="1100" b="0" dirty="0">
+                <a:solidFill>
+                  <a:srgbClr val="A31515"/>
+                </a:solidFill>
+                <a:effectLst/>
+                <a:latin typeface="JuliaMono" panose="020B0609060300020004" pitchFamily="49" charset="0"/>
+              </a:rPr>
+              <a:t>"</a:t>
+            </a:r>
+            <a:r>
+              <a:rPr lang="de-DE" sz="1100" b="0" dirty="0">
+                <a:solidFill>
+                  <a:srgbClr val="000000"/>
+                </a:solidFill>
+                <a:effectLst/>
+                <a:latin typeface="JuliaMono" panose="020B0609060300020004" pitchFamily="49" charset="0"/>
+              </a:rPr>
+              <a:t>)</a:t>
+            </a:r>
+          </a:p>
+          <a:p>
+            <a:r>
+              <a:rPr lang="de-DE" sz="1100" b="0" dirty="0">
+                <a:solidFill>
+                  <a:srgbClr val="000000"/>
+                </a:solidFill>
+                <a:effectLst/>
+                <a:latin typeface="JuliaMono" panose="020B0609060300020004" pitchFamily="49" charset="0"/>
+              </a:rPr>
+              <a:t>                .</a:t>
+            </a:r>
+            <a:r>
+              <a:rPr lang="de-DE" sz="1100" b="0" dirty="0" err="1">
+                <a:solidFill>
+                  <a:srgbClr val="795E26"/>
+                </a:solidFill>
+                <a:effectLst/>
+                <a:latin typeface="JuliaMono" panose="020B0609060300020004" pitchFamily="49" charset="0"/>
+              </a:rPr>
+              <a:t>start</a:t>
+            </a:r>
+            <a:r>
+              <a:rPr lang="de-DE" sz="1100" b="0" dirty="0">
+                <a:solidFill>
+                  <a:srgbClr val="000000"/>
+                </a:solidFill>
+                <a:effectLst/>
+                <a:latin typeface="JuliaMono" panose="020B0609060300020004" pitchFamily="49" charset="0"/>
+              </a:rPr>
+              <a:t>(</a:t>
+            </a:r>
+            <a:r>
+              <a:rPr lang="de-DE" sz="1100" b="0" dirty="0" err="1">
+                <a:solidFill>
+                  <a:srgbClr val="795E26"/>
+                </a:solidFill>
+                <a:effectLst/>
+                <a:latin typeface="JuliaMono" panose="020B0609060300020004" pitchFamily="49" charset="0"/>
+              </a:rPr>
+              <a:t>helloWorldStep</a:t>
+            </a:r>
+            <a:r>
+              <a:rPr lang="de-DE" sz="1100" b="0" dirty="0">
+                <a:solidFill>
+                  <a:srgbClr val="000000"/>
+                </a:solidFill>
+                <a:effectLst/>
+                <a:latin typeface="JuliaMono" panose="020B0609060300020004" pitchFamily="49" charset="0"/>
+              </a:rPr>
+              <a:t>())</a:t>
+            </a:r>
+          </a:p>
+          <a:p>
+            <a:r>
+              <a:rPr lang="de-DE" sz="1100" b="0" dirty="0">
+                <a:solidFill>
+                  <a:srgbClr val="000000"/>
+                </a:solidFill>
+                <a:effectLst/>
+                <a:latin typeface="JuliaMono" panose="020B0609060300020004" pitchFamily="49" charset="0"/>
+              </a:rPr>
+              <a:t>                .</a:t>
+            </a:r>
+            <a:r>
+              <a:rPr lang="de-DE" sz="1100" b="0" dirty="0" err="1">
+                <a:solidFill>
+                  <a:srgbClr val="795E26"/>
+                </a:solidFill>
+                <a:effectLst/>
+                <a:latin typeface="JuliaMono" panose="020B0609060300020004" pitchFamily="49" charset="0"/>
+              </a:rPr>
+              <a:t>build</a:t>
+            </a:r>
+            <a:r>
+              <a:rPr lang="de-DE" sz="1100" b="0" dirty="0">
+                <a:solidFill>
+                  <a:srgbClr val="000000"/>
+                </a:solidFill>
+                <a:effectLst/>
+                <a:latin typeface="JuliaMono" panose="020B0609060300020004" pitchFamily="49" charset="0"/>
+              </a:rPr>
+              <a:t>();</a:t>
+            </a:r>
+          </a:p>
+          <a:p>
+            <a:r>
+              <a:rPr lang="de-DE" sz="1100" b="0" dirty="0">
+                <a:solidFill>
+                  <a:srgbClr val="000000"/>
+                </a:solidFill>
+                <a:effectLst/>
+                <a:latin typeface="JuliaMono" panose="020B0609060300020004" pitchFamily="49" charset="0"/>
+              </a:rPr>
+              <a:t>    }</a:t>
+            </a:r>
+          </a:p>
+          <a:p>
+            <a:br>
+              <a:rPr lang="de-DE" sz="1100" b="0" dirty="0">
+                <a:solidFill>
+                  <a:srgbClr val="000000"/>
+                </a:solidFill>
+                <a:effectLst/>
+                <a:latin typeface="JuliaMono" panose="020B0609060300020004" pitchFamily="49" charset="0"/>
+              </a:rPr>
+            </a:br>
+            <a:r>
+              <a:rPr lang="de-DE" sz="1100" b="0" dirty="0">
+                <a:solidFill>
+                  <a:srgbClr val="000000"/>
+                </a:solidFill>
+                <a:effectLst/>
+                <a:latin typeface="JuliaMono" panose="020B0609060300020004" pitchFamily="49" charset="0"/>
+              </a:rPr>
+              <a:t>    @</a:t>
+            </a:r>
+            <a:r>
+              <a:rPr lang="de-DE" sz="1100" b="0" dirty="0">
+                <a:solidFill>
+                  <a:srgbClr val="267F99"/>
+                </a:solidFill>
+                <a:effectLst/>
+                <a:latin typeface="JuliaMono" panose="020B0609060300020004" pitchFamily="49" charset="0"/>
+              </a:rPr>
+              <a:t>Bean</a:t>
+            </a:r>
+            <a:endParaRPr lang="de-DE" sz="1100" b="0" dirty="0">
+              <a:solidFill>
+                <a:srgbClr val="000000"/>
+              </a:solidFill>
+              <a:effectLst/>
+              <a:latin typeface="JuliaMono" panose="020B0609060300020004" pitchFamily="49" charset="0"/>
+            </a:endParaRPr>
+          </a:p>
+          <a:p>
+            <a:r>
+              <a:rPr lang="de-DE" sz="1100" b="0" dirty="0">
+                <a:solidFill>
+                  <a:srgbClr val="000000"/>
+                </a:solidFill>
+                <a:effectLst/>
+                <a:latin typeface="JuliaMono" panose="020B0609060300020004" pitchFamily="49" charset="0"/>
+              </a:rPr>
+              <a:t>    </a:t>
+            </a:r>
+            <a:r>
+              <a:rPr lang="de-DE" sz="1100" b="0" dirty="0" err="1">
+                <a:solidFill>
+                  <a:srgbClr val="0000FF"/>
+                </a:solidFill>
+                <a:effectLst/>
+                <a:latin typeface="JuliaMono" panose="020B0609060300020004" pitchFamily="49" charset="0"/>
+              </a:rPr>
+              <a:t>public</a:t>
+            </a:r>
+            <a:r>
+              <a:rPr lang="de-DE" sz="1100" b="0" dirty="0">
+                <a:solidFill>
+                  <a:srgbClr val="000000"/>
+                </a:solidFill>
+                <a:effectLst/>
+                <a:latin typeface="JuliaMono" panose="020B0609060300020004" pitchFamily="49" charset="0"/>
+              </a:rPr>
+              <a:t> </a:t>
+            </a:r>
+            <a:r>
+              <a:rPr lang="de-DE" sz="1100" b="0" dirty="0" err="1">
+                <a:solidFill>
+                  <a:srgbClr val="267F99"/>
+                </a:solidFill>
+                <a:effectLst/>
+                <a:latin typeface="JuliaMono" panose="020B0609060300020004" pitchFamily="49" charset="0"/>
+              </a:rPr>
+              <a:t>Step</a:t>
+            </a:r>
+            <a:r>
+              <a:rPr lang="de-DE" sz="1100" b="0" dirty="0">
+                <a:solidFill>
+                  <a:srgbClr val="000000"/>
+                </a:solidFill>
+                <a:effectLst/>
+                <a:latin typeface="JuliaMono" panose="020B0609060300020004" pitchFamily="49" charset="0"/>
+              </a:rPr>
+              <a:t> </a:t>
+            </a:r>
+            <a:r>
+              <a:rPr lang="de-DE" sz="1100" b="0" dirty="0" err="1">
+                <a:solidFill>
+                  <a:srgbClr val="795E26"/>
+                </a:solidFill>
+                <a:effectLst/>
+                <a:latin typeface="JuliaMono" panose="020B0609060300020004" pitchFamily="49" charset="0"/>
+              </a:rPr>
+              <a:t>helloWorldStep</a:t>
+            </a:r>
+            <a:r>
+              <a:rPr lang="de-DE" sz="1100" b="0" dirty="0">
+                <a:solidFill>
+                  <a:srgbClr val="000000"/>
+                </a:solidFill>
+                <a:effectLst/>
+                <a:latin typeface="JuliaMono" panose="020B0609060300020004" pitchFamily="49" charset="0"/>
+              </a:rPr>
+              <a:t>() {</a:t>
+            </a:r>
+          </a:p>
+          <a:p>
+            <a:r>
+              <a:rPr lang="de-DE" sz="1100" b="0" dirty="0">
+                <a:solidFill>
+                  <a:srgbClr val="000000"/>
+                </a:solidFill>
+                <a:effectLst/>
+                <a:latin typeface="JuliaMono" panose="020B0609060300020004" pitchFamily="49" charset="0"/>
+              </a:rPr>
+              <a:t>        </a:t>
+            </a:r>
+            <a:r>
+              <a:rPr lang="de-DE" sz="1100" b="0" dirty="0" err="1">
+                <a:solidFill>
+                  <a:srgbClr val="AF00DB"/>
+                </a:solidFill>
+                <a:effectLst/>
+                <a:latin typeface="JuliaMono" panose="020B0609060300020004" pitchFamily="49" charset="0"/>
+              </a:rPr>
+              <a:t>return</a:t>
+            </a:r>
+            <a:r>
+              <a:rPr lang="de-DE" sz="1100" b="0" dirty="0">
+                <a:solidFill>
+                  <a:srgbClr val="000000"/>
+                </a:solidFill>
+                <a:effectLst/>
+                <a:latin typeface="JuliaMono" panose="020B0609060300020004" pitchFamily="49" charset="0"/>
+              </a:rPr>
+              <a:t> </a:t>
+            </a:r>
+            <a:r>
+              <a:rPr lang="de-DE" sz="1100" b="0" dirty="0" err="1">
+                <a:solidFill>
+                  <a:srgbClr val="001080"/>
+                </a:solidFill>
+                <a:effectLst/>
+                <a:latin typeface="JuliaMono" panose="020B0609060300020004" pitchFamily="49" charset="0"/>
+              </a:rPr>
+              <a:t>stepBuilderFactory</a:t>
+            </a:r>
+            <a:r>
+              <a:rPr lang="de-DE" sz="1100" b="0" dirty="0" err="1">
+                <a:solidFill>
+                  <a:srgbClr val="000000"/>
+                </a:solidFill>
+                <a:effectLst/>
+                <a:latin typeface="JuliaMono" panose="020B0609060300020004" pitchFamily="49" charset="0"/>
+              </a:rPr>
+              <a:t>.</a:t>
+            </a:r>
+            <a:r>
+              <a:rPr lang="de-DE" sz="1100" b="0" dirty="0" err="1">
+                <a:solidFill>
+                  <a:srgbClr val="795E26"/>
+                </a:solidFill>
+                <a:effectLst/>
+                <a:latin typeface="JuliaMono" panose="020B0609060300020004" pitchFamily="49" charset="0"/>
+              </a:rPr>
+              <a:t>get</a:t>
+            </a:r>
+            <a:r>
+              <a:rPr lang="de-DE" sz="1100" b="0" dirty="0">
+                <a:solidFill>
+                  <a:srgbClr val="000000"/>
+                </a:solidFill>
+                <a:effectLst/>
+                <a:latin typeface="JuliaMono" panose="020B0609060300020004" pitchFamily="49" charset="0"/>
+              </a:rPr>
+              <a:t>(</a:t>
+            </a:r>
+            <a:r>
+              <a:rPr lang="de-DE" sz="1100" b="0" dirty="0">
+                <a:solidFill>
+                  <a:srgbClr val="A31515"/>
+                </a:solidFill>
+                <a:effectLst/>
+                <a:latin typeface="JuliaMono" panose="020B0609060300020004" pitchFamily="49" charset="0"/>
+              </a:rPr>
+              <a:t>"</a:t>
+            </a:r>
+            <a:r>
+              <a:rPr lang="de-DE" sz="1100" b="0" dirty="0" err="1">
+                <a:solidFill>
+                  <a:srgbClr val="A31515"/>
+                </a:solidFill>
+                <a:effectLst/>
+                <a:latin typeface="JuliaMono" panose="020B0609060300020004" pitchFamily="49" charset="0"/>
+              </a:rPr>
+              <a:t>helloWorldStep</a:t>
+            </a:r>
+            <a:r>
+              <a:rPr lang="de-DE" sz="1100" b="0" dirty="0">
+                <a:solidFill>
+                  <a:srgbClr val="A31515"/>
+                </a:solidFill>
+                <a:effectLst/>
+                <a:latin typeface="JuliaMono" panose="020B0609060300020004" pitchFamily="49" charset="0"/>
+              </a:rPr>
+              <a:t>"</a:t>
+            </a:r>
+            <a:r>
+              <a:rPr lang="de-DE" sz="1100" b="0" dirty="0">
+                <a:solidFill>
+                  <a:srgbClr val="000000"/>
+                </a:solidFill>
+                <a:effectLst/>
+                <a:latin typeface="JuliaMono" panose="020B0609060300020004" pitchFamily="49" charset="0"/>
+              </a:rPr>
+              <a:t>)</a:t>
+            </a:r>
+          </a:p>
+          <a:p>
+            <a:r>
+              <a:rPr lang="de-DE" sz="1100" dirty="0">
+                <a:solidFill>
+                  <a:srgbClr val="000000"/>
+                </a:solidFill>
+                <a:latin typeface="JuliaMono" panose="020B0609060300020004" pitchFamily="49" charset="0"/>
+              </a:rPr>
+              <a:t>                </a:t>
+            </a:r>
+            <a:r>
+              <a:rPr lang="de-DE" sz="1100" b="0" dirty="0">
+                <a:solidFill>
+                  <a:srgbClr val="000000"/>
+                </a:solidFill>
+                <a:effectLst/>
+                <a:latin typeface="JuliaMono" panose="020B0609060300020004" pitchFamily="49" charset="0"/>
+              </a:rPr>
+              <a:t>.&lt;</a:t>
+            </a:r>
+            <a:r>
+              <a:rPr lang="de-DE" sz="1100" b="0" dirty="0">
+                <a:solidFill>
+                  <a:srgbClr val="267F99"/>
+                </a:solidFill>
+                <a:effectLst/>
+                <a:latin typeface="JuliaMono" panose="020B0609060300020004" pitchFamily="49" charset="0"/>
+              </a:rPr>
+              <a:t>String</a:t>
+            </a:r>
+            <a:r>
+              <a:rPr lang="de-DE" sz="1100" b="0" dirty="0">
+                <a:solidFill>
+                  <a:srgbClr val="000000"/>
+                </a:solidFill>
+                <a:effectLst/>
+                <a:latin typeface="JuliaMono" panose="020B0609060300020004" pitchFamily="49" charset="0"/>
+              </a:rPr>
+              <a:t>, </a:t>
+            </a:r>
+            <a:r>
+              <a:rPr lang="de-DE" sz="1100" b="0" dirty="0">
+                <a:solidFill>
+                  <a:srgbClr val="267F99"/>
+                </a:solidFill>
+                <a:effectLst/>
+                <a:latin typeface="JuliaMono" panose="020B0609060300020004" pitchFamily="49" charset="0"/>
+              </a:rPr>
+              <a:t>String</a:t>
+            </a:r>
+            <a:r>
+              <a:rPr lang="de-DE" sz="1100" b="0" dirty="0">
+                <a:solidFill>
+                  <a:srgbClr val="000000"/>
+                </a:solidFill>
+                <a:effectLst/>
+                <a:latin typeface="JuliaMono" panose="020B0609060300020004" pitchFamily="49" charset="0"/>
+              </a:rPr>
+              <a:t>&gt;</a:t>
+            </a:r>
+            <a:r>
+              <a:rPr lang="de-DE" sz="1100" b="0" dirty="0" err="1">
+                <a:solidFill>
+                  <a:srgbClr val="795E26"/>
+                </a:solidFill>
+                <a:effectLst/>
+                <a:latin typeface="JuliaMono" panose="020B0609060300020004" pitchFamily="49" charset="0"/>
+              </a:rPr>
+              <a:t>chunk</a:t>
+            </a:r>
+            <a:r>
+              <a:rPr lang="de-DE" sz="1100" b="0" dirty="0">
+                <a:solidFill>
+                  <a:srgbClr val="000000"/>
+                </a:solidFill>
+                <a:effectLst/>
+                <a:latin typeface="JuliaMono" panose="020B0609060300020004" pitchFamily="49" charset="0"/>
+              </a:rPr>
+              <a:t>(</a:t>
+            </a:r>
+            <a:r>
+              <a:rPr lang="de-DE" sz="1100" b="0" dirty="0">
+                <a:solidFill>
+                  <a:srgbClr val="098658"/>
+                </a:solidFill>
+                <a:effectLst/>
+                <a:latin typeface="JuliaMono" panose="020B0609060300020004" pitchFamily="49" charset="0"/>
+              </a:rPr>
+              <a:t>1</a:t>
+            </a:r>
+            <a:r>
+              <a:rPr lang="de-DE" sz="1100" b="0" dirty="0">
+                <a:solidFill>
+                  <a:srgbClr val="000000"/>
+                </a:solidFill>
+                <a:effectLst/>
+                <a:latin typeface="JuliaMono" panose="020B0609060300020004" pitchFamily="49" charset="0"/>
+              </a:rPr>
+              <a:t>)</a:t>
+            </a:r>
+          </a:p>
+          <a:p>
+            <a:r>
+              <a:rPr lang="de-DE" sz="1100" b="0" dirty="0">
+                <a:solidFill>
+                  <a:srgbClr val="000000"/>
+                </a:solidFill>
+                <a:effectLst/>
+                <a:latin typeface="JuliaMono" panose="020B0609060300020004" pitchFamily="49" charset="0"/>
+              </a:rPr>
+              <a:t>	     .</a:t>
+            </a:r>
+            <a:r>
+              <a:rPr lang="de-DE" sz="1100" b="0" dirty="0" err="1">
+                <a:solidFill>
+                  <a:srgbClr val="795E26"/>
+                </a:solidFill>
+                <a:effectLst/>
+                <a:latin typeface="JuliaMono" panose="020B0609060300020004" pitchFamily="49" charset="0"/>
+              </a:rPr>
+              <a:t>reader</a:t>
+            </a:r>
+            <a:r>
+              <a:rPr lang="de-DE" sz="1100" b="0" dirty="0">
+                <a:solidFill>
+                  <a:srgbClr val="000000"/>
+                </a:solidFill>
+                <a:effectLst/>
+                <a:latin typeface="JuliaMono" panose="020B0609060300020004" pitchFamily="49" charset="0"/>
+              </a:rPr>
+              <a:t>(</a:t>
+            </a:r>
+            <a:r>
+              <a:rPr lang="de-DE" sz="1100" b="0" dirty="0" err="1">
+                <a:solidFill>
+                  <a:srgbClr val="795E26"/>
+                </a:solidFill>
+                <a:effectLst/>
+                <a:latin typeface="JuliaMono" panose="020B0609060300020004" pitchFamily="49" charset="0"/>
+              </a:rPr>
+              <a:t>nameReader</a:t>
+            </a:r>
+            <a:r>
+              <a:rPr lang="de-DE" sz="1100" b="0" dirty="0">
+                <a:solidFill>
+                  <a:srgbClr val="000000"/>
+                </a:solidFill>
+                <a:effectLst/>
+                <a:latin typeface="JuliaMono" panose="020B0609060300020004" pitchFamily="49" charset="0"/>
+              </a:rPr>
+              <a:t>())</a:t>
+            </a:r>
+          </a:p>
+          <a:p>
+            <a:r>
+              <a:rPr lang="de-DE" sz="1100" b="0" dirty="0">
+                <a:solidFill>
+                  <a:srgbClr val="000000"/>
+                </a:solidFill>
+                <a:effectLst/>
+                <a:latin typeface="JuliaMono" panose="020B0609060300020004" pitchFamily="49" charset="0"/>
+              </a:rPr>
+              <a:t>                .</a:t>
+            </a:r>
+            <a:r>
+              <a:rPr lang="de-DE" sz="1100" b="0" dirty="0" err="1">
+                <a:solidFill>
+                  <a:srgbClr val="795E26"/>
+                </a:solidFill>
+                <a:effectLst/>
+                <a:latin typeface="JuliaMono" panose="020B0609060300020004" pitchFamily="49" charset="0"/>
+              </a:rPr>
+              <a:t>processor</a:t>
+            </a:r>
+            <a:r>
+              <a:rPr lang="de-DE" sz="1100" b="0" dirty="0">
+                <a:solidFill>
+                  <a:srgbClr val="000000"/>
+                </a:solidFill>
+                <a:effectLst/>
+                <a:latin typeface="JuliaMono" panose="020B0609060300020004" pitchFamily="49" charset="0"/>
+              </a:rPr>
+              <a:t>(</a:t>
+            </a:r>
+            <a:r>
+              <a:rPr lang="de-DE" sz="1100" b="0" dirty="0" err="1">
+                <a:solidFill>
+                  <a:srgbClr val="AF00DB"/>
+                </a:solidFill>
+                <a:effectLst/>
+                <a:latin typeface="JuliaMono" panose="020B0609060300020004" pitchFamily="49" charset="0"/>
+              </a:rPr>
+              <a:t>new</a:t>
+            </a:r>
+            <a:r>
+              <a:rPr lang="de-DE" sz="1100" b="0" dirty="0">
+                <a:solidFill>
+                  <a:srgbClr val="000000"/>
+                </a:solidFill>
+                <a:effectLst/>
+                <a:latin typeface="JuliaMono" panose="020B0609060300020004" pitchFamily="49" charset="0"/>
+              </a:rPr>
+              <a:t> </a:t>
+            </a:r>
+            <a:r>
+              <a:rPr lang="de-DE" sz="1100" b="0" dirty="0" err="1">
+                <a:solidFill>
+                  <a:srgbClr val="795E26"/>
+                </a:solidFill>
+                <a:effectLst/>
+                <a:latin typeface="JuliaMono" panose="020B0609060300020004" pitchFamily="49" charset="0"/>
+              </a:rPr>
+              <a:t>GreetingProcessor</a:t>
+            </a:r>
+            <a:r>
+              <a:rPr lang="de-DE" sz="1100" b="0" dirty="0">
+                <a:solidFill>
+                  <a:srgbClr val="000000"/>
+                </a:solidFill>
+                <a:effectLst/>
+                <a:latin typeface="JuliaMono" panose="020B0609060300020004" pitchFamily="49" charset="0"/>
+              </a:rPr>
+              <a:t>())</a:t>
+            </a:r>
+          </a:p>
+          <a:p>
+            <a:r>
+              <a:rPr lang="de-DE" sz="1100" b="0" dirty="0">
+                <a:solidFill>
+                  <a:srgbClr val="000000"/>
+                </a:solidFill>
+                <a:effectLst/>
+                <a:latin typeface="JuliaMono" panose="020B0609060300020004" pitchFamily="49" charset="0"/>
+              </a:rPr>
+              <a:t>                .</a:t>
+            </a:r>
+            <a:r>
+              <a:rPr lang="de-DE" sz="1100" b="0" dirty="0" err="1">
+                <a:solidFill>
+                  <a:srgbClr val="795E26"/>
+                </a:solidFill>
+                <a:effectLst/>
+                <a:latin typeface="JuliaMono" panose="020B0609060300020004" pitchFamily="49" charset="0"/>
+              </a:rPr>
+              <a:t>writer</a:t>
+            </a:r>
+            <a:r>
+              <a:rPr lang="de-DE" sz="1100" b="0" dirty="0">
+                <a:solidFill>
+                  <a:srgbClr val="000000"/>
+                </a:solidFill>
+                <a:effectLst/>
+                <a:latin typeface="JuliaMono" panose="020B0609060300020004" pitchFamily="49" charset="0"/>
+              </a:rPr>
+              <a:t>(</a:t>
+            </a:r>
+            <a:r>
+              <a:rPr lang="de-DE" sz="1100" b="0" dirty="0" err="1">
+                <a:solidFill>
+                  <a:srgbClr val="795E26"/>
+                </a:solidFill>
+                <a:effectLst/>
+                <a:latin typeface="JuliaMono" panose="020B0609060300020004" pitchFamily="49" charset="0"/>
+              </a:rPr>
+              <a:t>greetingWriter</a:t>
+            </a:r>
+            <a:r>
+              <a:rPr lang="de-DE" sz="1100" b="0" dirty="0">
+                <a:solidFill>
+                  <a:srgbClr val="000000"/>
+                </a:solidFill>
+                <a:effectLst/>
+                <a:latin typeface="JuliaMono" panose="020B0609060300020004" pitchFamily="49" charset="0"/>
+              </a:rPr>
+              <a:t>())</a:t>
+            </a:r>
+          </a:p>
+          <a:p>
+            <a:r>
+              <a:rPr lang="de-DE" sz="1100" b="0" dirty="0">
+                <a:solidFill>
+                  <a:srgbClr val="000000"/>
+                </a:solidFill>
+                <a:effectLst/>
+                <a:latin typeface="JuliaMono" panose="020B0609060300020004" pitchFamily="49" charset="0"/>
+              </a:rPr>
+              <a:t>                .</a:t>
+            </a:r>
+            <a:r>
+              <a:rPr lang="de-DE" sz="1100" b="0" dirty="0" err="1">
+                <a:solidFill>
+                  <a:srgbClr val="795E26"/>
+                </a:solidFill>
+                <a:effectLst/>
+                <a:latin typeface="JuliaMono" panose="020B0609060300020004" pitchFamily="49" charset="0"/>
+              </a:rPr>
+              <a:t>build</a:t>
+            </a:r>
+            <a:r>
+              <a:rPr lang="de-DE" sz="1100" b="0" dirty="0">
+                <a:solidFill>
+                  <a:srgbClr val="000000"/>
+                </a:solidFill>
+                <a:effectLst/>
+                <a:latin typeface="JuliaMono" panose="020B0609060300020004" pitchFamily="49" charset="0"/>
+              </a:rPr>
+              <a:t>();</a:t>
+            </a:r>
+          </a:p>
+          <a:p>
+            <a:r>
+              <a:rPr lang="de-DE" sz="1100" b="0" dirty="0">
+                <a:solidFill>
+                  <a:srgbClr val="000000"/>
+                </a:solidFill>
+                <a:effectLst/>
+                <a:latin typeface="JuliaMono" panose="020B0609060300020004" pitchFamily="49" charset="0"/>
+              </a:rPr>
+              <a:t>    }</a:t>
+            </a:r>
+          </a:p>
+          <a:p>
+            <a:br>
+              <a:rPr lang="de-DE" sz="1100" b="0" dirty="0">
+                <a:solidFill>
+                  <a:srgbClr val="000000"/>
+                </a:solidFill>
+                <a:effectLst/>
+                <a:latin typeface="JuliaMono" panose="020B0609060300020004" pitchFamily="49" charset="0"/>
+              </a:rPr>
+            </a:br>
+            <a:r>
+              <a:rPr lang="de-DE" sz="1100" b="0" dirty="0">
+                <a:solidFill>
+                  <a:srgbClr val="000000"/>
+                </a:solidFill>
+                <a:effectLst/>
+                <a:latin typeface="JuliaMono" panose="020B0609060300020004" pitchFamily="49" charset="0"/>
+              </a:rPr>
+              <a:t>    @</a:t>
+            </a:r>
+            <a:r>
+              <a:rPr lang="de-DE" sz="1100" b="0" dirty="0">
+                <a:solidFill>
+                  <a:srgbClr val="267F99"/>
+                </a:solidFill>
+                <a:effectLst/>
+                <a:latin typeface="JuliaMono" panose="020B0609060300020004" pitchFamily="49" charset="0"/>
+              </a:rPr>
+              <a:t>Bean</a:t>
+            </a:r>
+            <a:endParaRPr lang="de-DE" sz="1100" b="0" dirty="0">
+              <a:solidFill>
+                <a:srgbClr val="000000"/>
+              </a:solidFill>
+              <a:effectLst/>
+              <a:latin typeface="JuliaMono" panose="020B0609060300020004" pitchFamily="49" charset="0"/>
+            </a:endParaRPr>
+          </a:p>
+          <a:p>
+            <a:r>
+              <a:rPr lang="de-DE" sz="1100" b="0" dirty="0">
+                <a:solidFill>
+                  <a:srgbClr val="000000"/>
+                </a:solidFill>
+                <a:effectLst/>
+                <a:latin typeface="JuliaMono" panose="020B0609060300020004" pitchFamily="49" charset="0"/>
+              </a:rPr>
+              <a:t>    </a:t>
+            </a:r>
+            <a:r>
+              <a:rPr lang="de-DE" sz="1100" b="0" dirty="0" err="1">
+                <a:solidFill>
+                  <a:srgbClr val="0000FF"/>
+                </a:solidFill>
+                <a:effectLst/>
+                <a:latin typeface="JuliaMono" panose="020B0609060300020004" pitchFamily="49" charset="0"/>
+              </a:rPr>
+              <a:t>public</a:t>
+            </a:r>
+            <a:r>
+              <a:rPr lang="de-DE" sz="1100" b="0" dirty="0">
+                <a:solidFill>
+                  <a:srgbClr val="000000"/>
+                </a:solidFill>
+                <a:effectLst/>
+                <a:latin typeface="JuliaMono" panose="020B0609060300020004" pitchFamily="49" charset="0"/>
+              </a:rPr>
+              <a:t> </a:t>
+            </a:r>
+            <a:r>
+              <a:rPr lang="de-DE" sz="1100" b="0" dirty="0" err="1">
+                <a:solidFill>
+                  <a:srgbClr val="267F99"/>
+                </a:solidFill>
+                <a:effectLst/>
+                <a:latin typeface="JuliaMono" panose="020B0609060300020004" pitchFamily="49" charset="0"/>
+              </a:rPr>
+              <a:t>ItemReader</a:t>
+            </a:r>
+            <a:r>
+              <a:rPr lang="de-DE" sz="1100" b="0" dirty="0">
+                <a:solidFill>
+                  <a:srgbClr val="000000"/>
+                </a:solidFill>
+                <a:effectLst/>
+                <a:latin typeface="JuliaMono" panose="020B0609060300020004" pitchFamily="49" charset="0"/>
+              </a:rPr>
+              <a:t>&lt;</a:t>
+            </a:r>
+            <a:r>
+              <a:rPr lang="de-DE" sz="1100" b="0" dirty="0">
+                <a:solidFill>
+                  <a:srgbClr val="267F99"/>
+                </a:solidFill>
+                <a:effectLst/>
+                <a:latin typeface="JuliaMono" panose="020B0609060300020004" pitchFamily="49" charset="0"/>
+              </a:rPr>
+              <a:t>String</a:t>
+            </a:r>
+            <a:r>
+              <a:rPr lang="de-DE" sz="1100" b="0" dirty="0">
+                <a:solidFill>
+                  <a:srgbClr val="000000"/>
+                </a:solidFill>
+                <a:effectLst/>
+                <a:latin typeface="JuliaMono" panose="020B0609060300020004" pitchFamily="49" charset="0"/>
+              </a:rPr>
+              <a:t>&gt; </a:t>
+            </a:r>
+            <a:r>
+              <a:rPr lang="de-DE" sz="1100" b="0" dirty="0" err="1">
+                <a:solidFill>
+                  <a:srgbClr val="795E26"/>
+                </a:solidFill>
+                <a:effectLst/>
+                <a:latin typeface="JuliaMono" panose="020B0609060300020004" pitchFamily="49" charset="0"/>
+              </a:rPr>
+              <a:t>nameReader</a:t>
+            </a:r>
+            <a:r>
+              <a:rPr lang="de-DE" sz="1100" b="0" dirty="0">
+                <a:solidFill>
+                  <a:srgbClr val="000000"/>
+                </a:solidFill>
+                <a:effectLst/>
+                <a:latin typeface="JuliaMono" panose="020B0609060300020004" pitchFamily="49" charset="0"/>
+              </a:rPr>
+              <a:t>() {</a:t>
+            </a:r>
+          </a:p>
+          <a:p>
+            <a:r>
+              <a:rPr lang="de-DE" sz="1100" b="0" dirty="0">
+                <a:solidFill>
+                  <a:srgbClr val="000000"/>
+                </a:solidFill>
+                <a:effectLst/>
+                <a:latin typeface="JuliaMono" panose="020B0609060300020004" pitchFamily="49" charset="0"/>
+              </a:rPr>
+              <a:t>        </a:t>
+            </a:r>
+            <a:r>
+              <a:rPr lang="de-DE" sz="1100" b="0" dirty="0" err="1">
+                <a:solidFill>
+                  <a:srgbClr val="AF00DB"/>
+                </a:solidFill>
+                <a:effectLst/>
+                <a:latin typeface="JuliaMono" panose="020B0609060300020004" pitchFamily="49" charset="0"/>
+              </a:rPr>
+              <a:t>return</a:t>
+            </a:r>
+            <a:r>
+              <a:rPr lang="de-DE" sz="1100" b="0" dirty="0">
+                <a:solidFill>
+                  <a:srgbClr val="000000"/>
+                </a:solidFill>
+                <a:effectLst/>
+                <a:latin typeface="JuliaMono" panose="020B0609060300020004" pitchFamily="49" charset="0"/>
+              </a:rPr>
+              <a:t> </a:t>
+            </a:r>
+            <a:r>
+              <a:rPr lang="de-DE" sz="1100" b="0" dirty="0" err="1">
+                <a:solidFill>
+                  <a:srgbClr val="AF00DB"/>
+                </a:solidFill>
+                <a:effectLst/>
+                <a:latin typeface="JuliaMono" panose="020B0609060300020004" pitchFamily="49" charset="0"/>
+              </a:rPr>
+              <a:t>new</a:t>
+            </a:r>
+            <a:r>
+              <a:rPr lang="de-DE" sz="1100" b="0" dirty="0">
+                <a:solidFill>
+                  <a:srgbClr val="000000"/>
+                </a:solidFill>
+                <a:effectLst/>
+                <a:latin typeface="JuliaMono" panose="020B0609060300020004" pitchFamily="49" charset="0"/>
+              </a:rPr>
+              <a:t> </a:t>
+            </a:r>
+            <a:r>
+              <a:rPr lang="de-DE" sz="1100" b="0" dirty="0" err="1">
+                <a:solidFill>
+                  <a:srgbClr val="795E26"/>
+                </a:solidFill>
+                <a:effectLst/>
+                <a:latin typeface="JuliaMono" panose="020B0609060300020004" pitchFamily="49" charset="0"/>
+              </a:rPr>
+              <a:t>FlatFileItemReaderBuilder</a:t>
+            </a:r>
+            <a:r>
+              <a:rPr lang="de-DE" sz="1100" b="0" dirty="0">
+                <a:solidFill>
+                  <a:srgbClr val="000000"/>
+                </a:solidFill>
+                <a:effectLst/>
+                <a:latin typeface="JuliaMono" panose="020B0609060300020004" pitchFamily="49" charset="0"/>
+              </a:rPr>
+              <a:t>&lt;</a:t>
+            </a:r>
+            <a:r>
+              <a:rPr lang="de-DE" sz="1100" b="0" dirty="0">
+                <a:solidFill>
+                  <a:srgbClr val="267F99"/>
+                </a:solidFill>
+                <a:effectLst/>
+                <a:latin typeface="JuliaMono" panose="020B0609060300020004" pitchFamily="49" charset="0"/>
+              </a:rPr>
+              <a:t>String</a:t>
+            </a:r>
+            <a:r>
+              <a:rPr lang="de-DE" sz="1100" b="0" dirty="0">
+                <a:solidFill>
+                  <a:srgbClr val="000000"/>
+                </a:solidFill>
+                <a:effectLst/>
+                <a:latin typeface="JuliaMono" panose="020B0609060300020004" pitchFamily="49" charset="0"/>
+              </a:rPr>
+              <a:t>&gt;()</a:t>
+            </a:r>
+          </a:p>
+          <a:p>
+            <a:r>
+              <a:rPr lang="de-DE" sz="1100" b="0" dirty="0">
+                <a:solidFill>
+                  <a:srgbClr val="000000"/>
+                </a:solidFill>
+                <a:effectLst/>
+                <a:latin typeface="JuliaMono" panose="020B0609060300020004" pitchFamily="49" charset="0"/>
+              </a:rPr>
+              <a:t>                .</a:t>
+            </a:r>
+            <a:r>
+              <a:rPr lang="de-DE" sz="1100" b="0" dirty="0" err="1">
+                <a:solidFill>
+                  <a:srgbClr val="795E26"/>
+                </a:solidFill>
+                <a:effectLst/>
+                <a:latin typeface="JuliaMono" panose="020B0609060300020004" pitchFamily="49" charset="0"/>
+              </a:rPr>
+              <a:t>name</a:t>
+            </a:r>
+            <a:r>
+              <a:rPr lang="de-DE" sz="1100" b="0" dirty="0">
+                <a:solidFill>
+                  <a:srgbClr val="000000"/>
+                </a:solidFill>
+                <a:effectLst/>
+                <a:latin typeface="JuliaMono" panose="020B0609060300020004" pitchFamily="49" charset="0"/>
+              </a:rPr>
+              <a:t>(</a:t>
+            </a:r>
+            <a:r>
+              <a:rPr lang="de-DE" sz="1100" b="0" dirty="0">
+                <a:solidFill>
+                  <a:srgbClr val="A31515"/>
+                </a:solidFill>
+                <a:effectLst/>
+                <a:latin typeface="JuliaMono" panose="020B0609060300020004" pitchFamily="49" charset="0"/>
+              </a:rPr>
+              <a:t>"</a:t>
+            </a:r>
+            <a:r>
+              <a:rPr lang="de-DE" sz="1100" b="0" dirty="0" err="1">
+                <a:solidFill>
+                  <a:srgbClr val="A31515"/>
+                </a:solidFill>
+                <a:effectLst/>
+                <a:latin typeface="JuliaMono" panose="020B0609060300020004" pitchFamily="49" charset="0"/>
+              </a:rPr>
+              <a:t>nameReader</a:t>
+            </a:r>
+            <a:r>
+              <a:rPr lang="de-DE" sz="1100" b="0" dirty="0">
+                <a:solidFill>
+                  <a:srgbClr val="A31515"/>
+                </a:solidFill>
+                <a:effectLst/>
+                <a:latin typeface="JuliaMono" panose="020B0609060300020004" pitchFamily="49" charset="0"/>
+              </a:rPr>
+              <a:t>"</a:t>
+            </a:r>
+            <a:r>
+              <a:rPr lang="de-DE" sz="1100" b="0" dirty="0">
+                <a:solidFill>
+                  <a:srgbClr val="000000"/>
+                </a:solidFill>
+                <a:effectLst/>
+                <a:latin typeface="JuliaMono" panose="020B0609060300020004" pitchFamily="49" charset="0"/>
+              </a:rPr>
+              <a:t>)</a:t>
+            </a:r>
+          </a:p>
+          <a:p>
+            <a:r>
+              <a:rPr lang="de-DE" sz="1100" b="0" dirty="0">
+                <a:solidFill>
+                  <a:srgbClr val="000000"/>
+                </a:solidFill>
+                <a:effectLst/>
+                <a:latin typeface="JuliaMono" panose="020B0609060300020004" pitchFamily="49" charset="0"/>
+              </a:rPr>
+              <a:t>                .</a:t>
+            </a:r>
+            <a:r>
+              <a:rPr lang="de-DE" sz="1100" b="0" dirty="0" err="1">
+                <a:solidFill>
+                  <a:srgbClr val="795E26"/>
+                </a:solidFill>
+                <a:effectLst/>
+                <a:latin typeface="JuliaMono" panose="020B0609060300020004" pitchFamily="49" charset="0"/>
+              </a:rPr>
+              <a:t>resource</a:t>
+            </a:r>
+            <a:r>
+              <a:rPr lang="de-DE" sz="1100" b="0" dirty="0">
+                <a:solidFill>
+                  <a:srgbClr val="000000"/>
+                </a:solidFill>
+                <a:effectLst/>
+                <a:latin typeface="JuliaMono" panose="020B0609060300020004" pitchFamily="49" charset="0"/>
+              </a:rPr>
+              <a:t>(</a:t>
+            </a:r>
+            <a:r>
+              <a:rPr lang="de-DE" sz="1100" b="0" dirty="0" err="1">
+                <a:solidFill>
+                  <a:srgbClr val="AF00DB"/>
+                </a:solidFill>
+                <a:effectLst/>
+                <a:latin typeface="JuliaMono" panose="020B0609060300020004" pitchFamily="49" charset="0"/>
+              </a:rPr>
+              <a:t>new</a:t>
+            </a:r>
+            <a:r>
+              <a:rPr lang="de-DE" sz="1100" b="0" dirty="0">
+                <a:solidFill>
+                  <a:srgbClr val="000000"/>
+                </a:solidFill>
+                <a:effectLst/>
+                <a:latin typeface="JuliaMono" panose="020B0609060300020004" pitchFamily="49" charset="0"/>
+              </a:rPr>
+              <a:t> </a:t>
+            </a:r>
+            <a:r>
+              <a:rPr lang="de-DE" sz="1100" b="0" dirty="0" err="1">
+                <a:solidFill>
+                  <a:srgbClr val="795E26"/>
+                </a:solidFill>
+                <a:effectLst/>
+                <a:latin typeface="JuliaMono" panose="020B0609060300020004" pitchFamily="49" charset="0"/>
+              </a:rPr>
+              <a:t>FileSystemResource</a:t>
+            </a:r>
+            <a:r>
+              <a:rPr lang="de-DE" sz="1100" b="0" dirty="0">
+                <a:solidFill>
+                  <a:srgbClr val="000000"/>
+                </a:solidFill>
+                <a:effectLst/>
+                <a:latin typeface="JuliaMono" panose="020B0609060300020004" pitchFamily="49" charset="0"/>
+              </a:rPr>
+              <a:t>(</a:t>
+            </a:r>
+            <a:r>
+              <a:rPr lang="de-DE" sz="1100" b="0" dirty="0">
+                <a:solidFill>
+                  <a:srgbClr val="A31515"/>
+                </a:solidFill>
+                <a:effectLst/>
+                <a:latin typeface="JuliaMono" panose="020B0609060300020004" pitchFamily="49" charset="0"/>
+              </a:rPr>
+              <a:t>"input.txt"</a:t>
+            </a:r>
+            <a:r>
+              <a:rPr lang="de-DE" sz="1100" b="0" dirty="0">
+                <a:solidFill>
+                  <a:srgbClr val="000000"/>
+                </a:solidFill>
+                <a:effectLst/>
+                <a:latin typeface="JuliaMono" panose="020B0609060300020004" pitchFamily="49" charset="0"/>
+              </a:rPr>
+              <a:t>))</a:t>
+            </a:r>
+          </a:p>
+          <a:p>
+            <a:r>
+              <a:rPr lang="de-DE" sz="1100" b="0" dirty="0">
+                <a:solidFill>
+                  <a:srgbClr val="000000"/>
+                </a:solidFill>
+                <a:effectLst/>
+                <a:latin typeface="JuliaMono" panose="020B0609060300020004" pitchFamily="49" charset="0"/>
+              </a:rPr>
+              <a:t>                .</a:t>
+            </a:r>
+            <a:r>
+              <a:rPr lang="de-DE" sz="1100" b="0" dirty="0" err="1">
+                <a:solidFill>
+                  <a:srgbClr val="795E26"/>
+                </a:solidFill>
+                <a:effectLst/>
+                <a:latin typeface="JuliaMono" panose="020B0609060300020004" pitchFamily="49" charset="0"/>
+              </a:rPr>
+              <a:t>lineMapper</a:t>
+            </a:r>
+            <a:r>
+              <a:rPr lang="de-DE" sz="1100" b="0" dirty="0">
+                <a:solidFill>
+                  <a:srgbClr val="000000"/>
+                </a:solidFill>
+                <a:effectLst/>
+                <a:latin typeface="JuliaMono" panose="020B0609060300020004" pitchFamily="49" charset="0"/>
+              </a:rPr>
+              <a:t>(</a:t>
+            </a:r>
+            <a:r>
+              <a:rPr lang="de-DE" sz="1100" b="0" dirty="0" err="1">
+                <a:solidFill>
+                  <a:srgbClr val="AF00DB"/>
+                </a:solidFill>
+                <a:effectLst/>
+                <a:latin typeface="JuliaMono" panose="020B0609060300020004" pitchFamily="49" charset="0"/>
+              </a:rPr>
+              <a:t>new</a:t>
+            </a:r>
+            <a:r>
+              <a:rPr lang="de-DE" sz="1100" b="0" dirty="0">
+                <a:solidFill>
+                  <a:srgbClr val="000000"/>
+                </a:solidFill>
+                <a:effectLst/>
+                <a:latin typeface="JuliaMono" panose="020B0609060300020004" pitchFamily="49" charset="0"/>
+              </a:rPr>
+              <a:t> </a:t>
+            </a:r>
+            <a:r>
+              <a:rPr lang="de-DE" sz="1100" b="0" dirty="0" err="1">
+                <a:solidFill>
+                  <a:srgbClr val="795E26"/>
+                </a:solidFill>
+                <a:effectLst/>
+                <a:latin typeface="JuliaMono" panose="020B0609060300020004" pitchFamily="49" charset="0"/>
+              </a:rPr>
+              <a:t>PassThroughLineMapper</a:t>
+            </a:r>
+            <a:r>
+              <a:rPr lang="de-DE" sz="1100" b="0" dirty="0">
+                <a:solidFill>
+                  <a:srgbClr val="000000"/>
+                </a:solidFill>
+                <a:effectLst/>
+                <a:latin typeface="JuliaMono" panose="020B0609060300020004" pitchFamily="49" charset="0"/>
+              </a:rPr>
+              <a:t>())</a:t>
+            </a:r>
+          </a:p>
+          <a:p>
+            <a:r>
+              <a:rPr lang="de-DE" sz="1100" b="0" dirty="0">
+                <a:solidFill>
+                  <a:srgbClr val="000000"/>
+                </a:solidFill>
+                <a:effectLst/>
+                <a:latin typeface="JuliaMono" panose="020B0609060300020004" pitchFamily="49" charset="0"/>
+              </a:rPr>
+              <a:t>                .</a:t>
+            </a:r>
+            <a:r>
+              <a:rPr lang="de-DE" sz="1100" b="0" dirty="0" err="1">
+                <a:solidFill>
+                  <a:srgbClr val="795E26"/>
+                </a:solidFill>
+                <a:effectLst/>
+                <a:latin typeface="JuliaMono" panose="020B0609060300020004" pitchFamily="49" charset="0"/>
+              </a:rPr>
+              <a:t>build</a:t>
+            </a:r>
+            <a:r>
+              <a:rPr lang="de-DE" sz="1100" b="0" dirty="0">
+                <a:solidFill>
+                  <a:srgbClr val="000000"/>
+                </a:solidFill>
+                <a:effectLst/>
+                <a:latin typeface="JuliaMono" panose="020B0609060300020004" pitchFamily="49" charset="0"/>
+              </a:rPr>
+              <a:t>();</a:t>
+            </a:r>
+          </a:p>
+          <a:p>
+            <a:r>
+              <a:rPr lang="de-DE" sz="1100" b="0" dirty="0">
+                <a:solidFill>
+                  <a:srgbClr val="000000"/>
+                </a:solidFill>
+                <a:effectLst/>
+                <a:latin typeface="JuliaMono" panose="020B0609060300020004" pitchFamily="49" charset="0"/>
+              </a:rPr>
+              <a:t>    }</a:t>
+            </a:r>
+          </a:p>
+        </p:txBody>
+      </p:sp>
+      <p:sp>
+        <p:nvSpPr>
+          <p:cNvPr id="4" name="Textfeld 3">
+            <a:extLst>
+              <a:ext uri="{FF2B5EF4-FFF2-40B4-BE49-F238E27FC236}">
+                <a16:creationId xmlns:a16="http://schemas.microsoft.com/office/drawing/2014/main" id="{07109172-F0D0-48BB-B91E-69C3BE42F0EE}"/>
+              </a:ext>
+            </a:extLst>
+          </p:cNvPr>
+          <p:cNvSpPr txBox="1"/>
+          <p:nvPr/>
+        </p:nvSpPr>
+        <p:spPr>
+          <a:xfrm>
+            <a:off x="5375920" y="184091"/>
+            <a:ext cx="6696744" cy="1615827"/>
+          </a:xfrm>
+          <a:prstGeom prst="rect">
+            <a:avLst/>
+          </a:prstGeom>
+          <a:solidFill>
+            <a:schemeClr val="bg1">
+              <a:lumMod val="95000"/>
+            </a:schemeClr>
+          </a:solidFill>
+        </p:spPr>
+        <p:txBody>
+          <a:bodyPr wrap="square">
+            <a:spAutoFit/>
+          </a:bodyPr>
+          <a:lstStyle/>
+          <a:p>
+            <a:r>
+              <a:rPr lang="de-DE" sz="1100" b="0" dirty="0">
+                <a:solidFill>
+                  <a:srgbClr val="000000"/>
+                </a:solidFill>
+                <a:effectLst/>
+                <a:latin typeface="JuliaMono" panose="020B0609060300020004" pitchFamily="49" charset="0"/>
+              </a:rPr>
+              <a:t>    @</a:t>
+            </a:r>
+            <a:r>
+              <a:rPr lang="de-DE" sz="1100" b="0" dirty="0">
+                <a:solidFill>
+                  <a:srgbClr val="267F99"/>
+                </a:solidFill>
+                <a:effectLst/>
+                <a:latin typeface="JuliaMono" panose="020B0609060300020004" pitchFamily="49" charset="0"/>
+              </a:rPr>
+              <a:t>Bean</a:t>
+            </a:r>
+            <a:endParaRPr lang="de-DE" sz="1100" b="0" dirty="0">
+              <a:solidFill>
+                <a:srgbClr val="000000"/>
+              </a:solidFill>
+              <a:effectLst/>
+              <a:latin typeface="JuliaMono" panose="020B0609060300020004" pitchFamily="49" charset="0"/>
+            </a:endParaRPr>
+          </a:p>
+          <a:p>
+            <a:r>
+              <a:rPr lang="de-DE" sz="1100" b="0" dirty="0">
+                <a:solidFill>
+                  <a:srgbClr val="000000"/>
+                </a:solidFill>
+                <a:effectLst/>
+                <a:latin typeface="JuliaMono" panose="020B0609060300020004" pitchFamily="49" charset="0"/>
+              </a:rPr>
+              <a:t>    </a:t>
+            </a:r>
+            <a:r>
+              <a:rPr lang="de-DE" sz="1100" b="0" dirty="0" err="1">
+                <a:solidFill>
+                  <a:srgbClr val="0000FF"/>
+                </a:solidFill>
+                <a:effectLst/>
+                <a:latin typeface="JuliaMono" panose="020B0609060300020004" pitchFamily="49" charset="0"/>
+              </a:rPr>
+              <a:t>public</a:t>
+            </a:r>
+            <a:r>
+              <a:rPr lang="de-DE" sz="1100" b="0" dirty="0">
+                <a:solidFill>
+                  <a:srgbClr val="000000"/>
+                </a:solidFill>
+                <a:effectLst/>
+                <a:latin typeface="JuliaMono" panose="020B0609060300020004" pitchFamily="49" charset="0"/>
+              </a:rPr>
+              <a:t> </a:t>
+            </a:r>
+            <a:r>
+              <a:rPr lang="de-DE" sz="1100" b="0" dirty="0" err="1">
+                <a:solidFill>
+                  <a:srgbClr val="267F99"/>
+                </a:solidFill>
+                <a:effectLst/>
+                <a:latin typeface="JuliaMono" panose="020B0609060300020004" pitchFamily="49" charset="0"/>
+              </a:rPr>
+              <a:t>FlatFileItemWriter</a:t>
+            </a:r>
+            <a:r>
+              <a:rPr lang="de-DE" sz="1100" b="0" dirty="0">
+                <a:solidFill>
+                  <a:srgbClr val="000000"/>
+                </a:solidFill>
+                <a:effectLst/>
+                <a:latin typeface="JuliaMono" panose="020B0609060300020004" pitchFamily="49" charset="0"/>
+              </a:rPr>
+              <a:t>&lt;</a:t>
+            </a:r>
+            <a:r>
+              <a:rPr lang="de-DE" sz="1100" b="0" dirty="0">
+                <a:solidFill>
+                  <a:srgbClr val="267F99"/>
+                </a:solidFill>
+                <a:effectLst/>
+                <a:latin typeface="JuliaMono" panose="020B0609060300020004" pitchFamily="49" charset="0"/>
+              </a:rPr>
+              <a:t>String</a:t>
+            </a:r>
+            <a:r>
+              <a:rPr lang="de-DE" sz="1100" b="0" dirty="0">
+                <a:solidFill>
+                  <a:srgbClr val="000000"/>
+                </a:solidFill>
+                <a:effectLst/>
+                <a:latin typeface="JuliaMono" panose="020B0609060300020004" pitchFamily="49" charset="0"/>
+              </a:rPr>
+              <a:t>&gt; </a:t>
+            </a:r>
+            <a:r>
+              <a:rPr lang="de-DE" sz="1100" b="0" dirty="0" err="1">
+                <a:solidFill>
+                  <a:srgbClr val="795E26"/>
+                </a:solidFill>
+                <a:effectLst/>
+                <a:latin typeface="JuliaMono" panose="020B0609060300020004" pitchFamily="49" charset="0"/>
+              </a:rPr>
+              <a:t>greetingWriter</a:t>
+            </a:r>
+            <a:r>
+              <a:rPr lang="de-DE" sz="1100" b="0" dirty="0">
+                <a:solidFill>
+                  <a:srgbClr val="000000"/>
+                </a:solidFill>
+                <a:effectLst/>
+                <a:latin typeface="JuliaMono" panose="020B0609060300020004" pitchFamily="49" charset="0"/>
+              </a:rPr>
+              <a:t>() {</a:t>
+            </a:r>
+          </a:p>
+          <a:p>
+            <a:r>
+              <a:rPr lang="de-DE" sz="1100" b="0" dirty="0">
+                <a:solidFill>
+                  <a:srgbClr val="000000"/>
+                </a:solidFill>
+                <a:effectLst/>
+                <a:latin typeface="JuliaMono" panose="020B0609060300020004" pitchFamily="49" charset="0"/>
+              </a:rPr>
+              <a:t>        </a:t>
+            </a:r>
+            <a:r>
+              <a:rPr lang="de-DE" sz="1100" b="0" dirty="0" err="1">
+                <a:solidFill>
+                  <a:srgbClr val="AF00DB"/>
+                </a:solidFill>
+                <a:effectLst/>
+                <a:latin typeface="JuliaMono" panose="020B0609060300020004" pitchFamily="49" charset="0"/>
+              </a:rPr>
+              <a:t>return</a:t>
+            </a:r>
+            <a:r>
+              <a:rPr lang="de-DE" sz="1100" b="0" dirty="0">
+                <a:solidFill>
+                  <a:srgbClr val="000000"/>
+                </a:solidFill>
+                <a:effectLst/>
+                <a:latin typeface="JuliaMono" panose="020B0609060300020004" pitchFamily="49" charset="0"/>
+              </a:rPr>
+              <a:t> </a:t>
+            </a:r>
+            <a:r>
+              <a:rPr lang="de-DE" sz="1100" b="0" dirty="0" err="1">
+                <a:solidFill>
+                  <a:srgbClr val="AF00DB"/>
+                </a:solidFill>
+                <a:effectLst/>
+                <a:latin typeface="JuliaMono" panose="020B0609060300020004" pitchFamily="49" charset="0"/>
+              </a:rPr>
+              <a:t>new</a:t>
+            </a:r>
+            <a:r>
+              <a:rPr lang="de-DE" sz="1100" b="0" dirty="0">
+                <a:solidFill>
+                  <a:srgbClr val="000000"/>
+                </a:solidFill>
+                <a:effectLst/>
+                <a:latin typeface="JuliaMono" panose="020B0609060300020004" pitchFamily="49" charset="0"/>
+              </a:rPr>
+              <a:t> </a:t>
+            </a:r>
+            <a:r>
+              <a:rPr lang="de-DE" sz="1100" b="0" dirty="0" err="1">
+                <a:solidFill>
+                  <a:srgbClr val="795E26"/>
+                </a:solidFill>
+                <a:effectLst/>
+                <a:latin typeface="JuliaMono" panose="020B0609060300020004" pitchFamily="49" charset="0"/>
+              </a:rPr>
+              <a:t>FlatFileItemWriterBuilder</a:t>
+            </a:r>
+            <a:r>
+              <a:rPr lang="de-DE" sz="1100" b="0" dirty="0">
+                <a:solidFill>
+                  <a:srgbClr val="000000"/>
+                </a:solidFill>
+                <a:effectLst/>
+                <a:latin typeface="JuliaMono" panose="020B0609060300020004" pitchFamily="49" charset="0"/>
+              </a:rPr>
+              <a:t>&lt;</a:t>
+            </a:r>
+            <a:r>
+              <a:rPr lang="de-DE" sz="1100" b="0" dirty="0">
+                <a:solidFill>
+                  <a:srgbClr val="267F99"/>
+                </a:solidFill>
+                <a:effectLst/>
+                <a:latin typeface="JuliaMono" panose="020B0609060300020004" pitchFamily="49" charset="0"/>
+              </a:rPr>
+              <a:t>String</a:t>
+            </a:r>
+            <a:r>
+              <a:rPr lang="de-DE" sz="1100" b="0" dirty="0">
+                <a:solidFill>
+                  <a:srgbClr val="000000"/>
+                </a:solidFill>
+                <a:effectLst/>
+                <a:latin typeface="JuliaMono" panose="020B0609060300020004" pitchFamily="49" charset="0"/>
+              </a:rPr>
+              <a:t>&gt;()</a:t>
+            </a:r>
+          </a:p>
+          <a:p>
+            <a:r>
+              <a:rPr lang="de-DE" sz="1100" b="0" dirty="0">
+                <a:solidFill>
+                  <a:srgbClr val="000000"/>
+                </a:solidFill>
+                <a:effectLst/>
+                <a:latin typeface="JuliaMono" panose="020B0609060300020004" pitchFamily="49" charset="0"/>
+              </a:rPr>
+              <a:t>                .</a:t>
+            </a:r>
+            <a:r>
+              <a:rPr lang="de-DE" sz="1100" b="0" dirty="0" err="1">
+                <a:solidFill>
+                  <a:srgbClr val="795E26"/>
+                </a:solidFill>
+                <a:effectLst/>
+                <a:latin typeface="JuliaMono" panose="020B0609060300020004" pitchFamily="49" charset="0"/>
+              </a:rPr>
+              <a:t>name</a:t>
+            </a:r>
+            <a:r>
+              <a:rPr lang="de-DE" sz="1100" b="0" dirty="0">
+                <a:solidFill>
+                  <a:srgbClr val="000000"/>
+                </a:solidFill>
+                <a:effectLst/>
+                <a:latin typeface="JuliaMono" panose="020B0609060300020004" pitchFamily="49" charset="0"/>
+              </a:rPr>
+              <a:t>(</a:t>
+            </a:r>
+            <a:r>
+              <a:rPr lang="de-DE" sz="1100" b="0" dirty="0">
+                <a:solidFill>
+                  <a:srgbClr val="A31515"/>
+                </a:solidFill>
+                <a:effectLst/>
+                <a:latin typeface="JuliaMono" panose="020B0609060300020004" pitchFamily="49" charset="0"/>
+              </a:rPr>
+              <a:t>"</a:t>
+            </a:r>
+            <a:r>
+              <a:rPr lang="de-DE" sz="1100" b="0" dirty="0" err="1">
+                <a:solidFill>
+                  <a:srgbClr val="A31515"/>
+                </a:solidFill>
+                <a:effectLst/>
+                <a:latin typeface="JuliaMono" panose="020B0609060300020004" pitchFamily="49" charset="0"/>
+              </a:rPr>
+              <a:t>greetingWriter</a:t>
+            </a:r>
+            <a:r>
+              <a:rPr lang="de-DE" sz="1100" b="0" dirty="0">
+                <a:solidFill>
+                  <a:srgbClr val="A31515"/>
+                </a:solidFill>
+                <a:effectLst/>
+                <a:latin typeface="JuliaMono" panose="020B0609060300020004" pitchFamily="49" charset="0"/>
+              </a:rPr>
+              <a:t>"</a:t>
+            </a:r>
+            <a:r>
+              <a:rPr lang="de-DE" sz="1100" b="0" dirty="0">
+                <a:solidFill>
+                  <a:srgbClr val="000000"/>
+                </a:solidFill>
+                <a:effectLst/>
+                <a:latin typeface="JuliaMono" panose="020B0609060300020004" pitchFamily="49" charset="0"/>
+              </a:rPr>
+              <a:t>)</a:t>
+            </a:r>
+          </a:p>
+          <a:p>
+            <a:r>
+              <a:rPr lang="de-DE" sz="1100" b="0" dirty="0">
+                <a:solidFill>
+                  <a:srgbClr val="000000"/>
+                </a:solidFill>
+                <a:effectLst/>
+                <a:latin typeface="JuliaMono" panose="020B0609060300020004" pitchFamily="49" charset="0"/>
+              </a:rPr>
+              <a:t>                .</a:t>
+            </a:r>
+            <a:r>
+              <a:rPr lang="de-DE" sz="1100" b="0" dirty="0" err="1">
+                <a:solidFill>
+                  <a:srgbClr val="795E26"/>
+                </a:solidFill>
+                <a:effectLst/>
+                <a:latin typeface="JuliaMono" panose="020B0609060300020004" pitchFamily="49" charset="0"/>
+              </a:rPr>
+              <a:t>resource</a:t>
+            </a:r>
+            <a:r>
+              <a:rPr lang="de-DE" sz="1100" b="0" dirty="0">
+                <a:solidFill>
+                  <a:srgbClr val="000000"/>
+                </a:solidFill>
+                <a:effectLst/>
+                <a:latin typeface="JuliaMono" panose="020B0609060300020004" pitchFamily="49" charset="0"/>
+              </a:rPr>
+              <a:t>(</a:t>
+            </a:r>
+            <a:r>
+              <a:rPr lang="de-DE" sz="1100" b="0" dirty="0" err="1">
+                <a:solidFill>
+                  <a:srgbClr val="AF00DB"/>
+                </a:solidFill>
+                <a:effectLst/>
+                <a:latin typeface="JuliaMono" panose="020B0609060300020004" pitchFamily="49" charset="0"/>
+              </a:rPr>
+              <a:t>new</a:t>
+            </a:r>
+            <a:r>
+              <a:rPr lang="de-DE" sz="1100" b="0" dirty="0">
+                <a:solidFill>
+                  <a:srgbClr val="000000"/>
+                </a:solidFill>
+                <a:effectLst/>
+                <a:latin typeface="JuliaMono" panose="020B0609060300020004" pitchFamily="49" charset="0"/>
+              </a:rPr>
+              <a:t> </a:t>
+            </a:r>
+            <a:r>
+              <a:rPr lang="de-DE" sz="1100" b="0" dirty="0" err="1">
+                <a:solidFill>
+                  <a:srgbClr val="795E26"/>
+                </a:solidFill>
+                <a:effectLst/>
+                <a:latin typeface="JuliaMono" panose="020B0609060300020004" pitchFamily="49" charset="0"/>
+              </a:rPr>
+              <a:t>FileSystemResource</a:t>
+            </a:r>
+            <a:r>
+              <a:rPr lang="de-DE" sz="1100" b="0" dirty="0">
+                <a:solidFill>
+                  <a:srgbClr val="000000"/>
+                </a:solidFill>
+                <a:effectLst/>
+                <a:latin typeface="JuliaMono" panose="020B0609060300020004" pitchFamily="49" charset="0"/>
+              </a:rPr>
+              <a:t>(</a:t>
+            </a:r>
+            <a:r>
+              <a:rPr lang="de-DE" sz="1100" b="0" dirty="0">
+                <a:solidFill>
+                  <a:srgbClr val="A31515"/>
+                </a:solidFill>
+                <a:effectLst/>
+                <a:latin typeface="JuliaMono" panose="020B0609060300020004" pitchFamily="49" charset="0"/>
+              </a:rPr>
+              <a:t>"output.txt"</a:t>
+            </a:r>
+            <a:r>
+              <a:rPr lang="de-DE" sz="1100" b="0" dirty="0">
+                <a:solidFill>
+                  <a:srgbClr val="000000"/>
+                </a:solidFill>
+                <a:effectLst/>
+                <a:latin typeface="JuliaMono" panose="020B0609060300020004" pitchFamily="49" charset="0"/>
+              </a:rPr>
+              <a:t>))</a:t>
+            </a:r>
+          </a:p>
+          <a:p>
+            <a:r>
+              <a:rPr lang="de-DE" sz="1100" b="0" dirty="0">
+                <a:solidFill>
+                  <a:srgbClr val="000000"/>
+                </a:solidFill>
+                <a:effectLst/>
+                <a:latin typeface="JuliaMono" panose="020B0609060300020004" pitchFamily="49" charset="0"/>
+              </a:rPr>
+              <a:t>                .</a:t>
+            </a:r>
+            <a:r>
+              <a:rPr lang="de-DE" sz="1100" b="0" dirty="0" err="1">
+                <a:solidFill>
+                  <a:srgbClr val="795E26"/>
+                </a:solidFill>
+                <a:effectLst/>
+                <a:latin typeface="JuliaMono" panose="020B0609060300020004" pitchFamily="49" charset="0"/>
+              </a:rPr>
+              <a:t>lineAggregator</a:t>
+            </a:r>
+            <a:r>
+              <a:rPr lang="de-DE" sz="1100" b="0" dirty="0">
+                <a:solidFill>
+                  <a:srgbClr val="000000"/>
+                </a:solidFill>
+                <a:effectLst/>
+                <a:latin typeface="JuliaMono" panose="020B0609060300020004" pitchFamily="49" charset="0"/>
+              </a:rPr>
+              <a:t>(</a:t>
+            </a:r>
+            <a:r>
+              <a:rPr lang="de-DE" sz="1100" b="0" dirty="0" err="1">
+                <a:solidFill>
+                  <a:srgbClr val="AF00DB"/>
+                </a:solidFill>
+                <a:effectLst/>
+                <a:latin typeface="JuliaMono" panose="020B0609060300020004" pitchFamily="49" charset="0"/>
+              </a:rPr>
+              <a:t>new</a:t>
+            </a:r>
+            <a:r>
+              <a:rPr lang="de-DE" sz="1100" b="0" dirty="0">
+                <a:solidFill>
+                  <a:srgbClr val="000000"/>
+                </a:solidFill>
+                <a:effectLst/>
+                <a:latin typeface="JuliaMono" panose="020B0609060300020004" pitchFamily="49" charset="0"/>
+              </a:rPr>
+              <a:t> </a:t>
+            </a:r>
+            <a:r>
+              <a:rPr lang="de-DE" sz="1100" b="0" dirty="0" err="1">
+                <a:solidFill>
+                  <a:srgbClr val="795E26"/>
+                </a:solidFill>
+                <a:effectLst/>
+                <a:latin typeface="JuliaMono" panose="020B0609060300020004" pitchFamily="49" charset="0"/>
+              </a:rPr>
+              <a:t>PassThroughLineAggregator</a:t>
+            </a:r>
+            <a:r>
+              <a:rPr lang="de-DE" sz="1100" b="0" dirty="0">
+                <a:solidFill>
+                  <a:srgbClr val="000000"/>
+                </a:solidFill>
+                <a:effectLst/>
+                <a:latin typeface="JuliaMono" panose="020B0609060300020004" pitchFamily="49" charset="0"/>
+              </a:rPr>
+              <a:t>&lt;</a:t>
+            </a:r>
+            <a:r>
+              <a:rPr lang="de-DE" sz="1100" b="0" dirty="0">
+                <a:solidFill>
+                  <a:srgbClr val="267F99"/>
+                </a:solidFill>
+                <a:effectLst/>
+                <a:latin typeface="JuliaMono" panose="020B0609060300020004" pitchFamily="49" charset="0"/>
+              </a:rPr>
+              <a:t>String</a:t>
+            </a:r>
+            <a:r>
+              <a:rPr lang="de-DE" sz="1100" b="0" dirty="0">
+                <a:solidFill>
+                  <a:srgbClr val="000000"/>
+                </a:solidFill>
+                <a:effectLst/>
+                <a:latin typeface="JuliaMono" panose="020B0609060300020004" pitchFamily="49" charset="0"/>
+              </a:rPr>
+              <a:t>&gt;())</a:t>
+            </a:r>
+          </a:p>
+          <a:p>
+            <a:r>
+              <a:rPr lang="de-DE" sz="1100" b="0" dirty="0">
+                <a:solidFill>
+                  <a:srgbClr val="000000"/>
+                </a:solidFill>
+                <a:effectLst/>
+                <a:latin typeface="JuliaMono" panose="020B0609060300020004" pitchFamily="49" charset="0"/>
+              </a:rPr>
+              <a:t>                .</a:t>
+            </a:r>
+            <a:r>
+              <a:rPr lang="de-DE" sz="1100" b="0" dirty="0" err="1">
+                <a:solidFill>
+                  <a:srgbClr val="795E26"/>
+                </a:solidFill>
+                <a:effectLst/>
+                <a:latin typeface="JuliaMono" panose="020B0609060300020004" pitchFamily="49" charset="0"/>
+              </a:rPr>
+              <a:t>build</a:t>
+            </a:r>
+            <a:r>
+              <a:rPr lang="de-DE" sz="1100" b="0" dirty="0">
+                <a:solidFill>
+                  <a:srgbClr val="000000"/>
+                </a:solidFill>
+                <a:effectLst/>
+                <a:latin typeface="JuliaMono" panose="020B0609060300020004" pitchFamily="49" charset="0"/>
+              </a:rPr>
+              <a:t>();</a:t>
+            </a:r>
+          </a:p>
+          <a:p>
+            <a:r>
+              <a:rPr lang="de-DE" sz="1100" b="0" dirty="0">
+                <a:solidFill>
+                  <a:srgbClr val="000000"/>
+                </a:solidFill>
+                <a:effectLst/>
+                <a:latin typeface="JuliaMono" panose="020B0609060300020004" pitchFamily="49" charset="0"/>
+              </a:rPr>
+              <a:t>    }</a:t>
+            </a:r>
+          </a:p>
+          <a:p>
+            <a:r>
+              <a:rPr lang="de-DE" sz="1100" b="0" dirty="0">
+                <a:solidFill>
+                  <a:srgbClr val="000000"/>
+                </a:solidFill>
+                <a:effectLst/>
+                <a:latin typeface="JuliaMono" panose="020B0609060300020004" pitchFamily="49" charset="0"/>
+              </a:rPr>
+              <a:t>  }</a:t>
+            </a:r>
+          </a:p>
+        </p:txBody>
+      </p:sp>
+      <p:sp>
+        <p:nvSpPr>
+          <p:cNvPr id="7" name="Textfeld 6">
+            <a:extLst>
+              <a:ext uri="{FF2B5EF4-FFF2-40B4-BE49-F238E27FC236}">
+                <a16:creationId xmlns:a16="http://schemas.microsoft.com/office/drawing/2014/main" id="{EFC37AC9-A122-460B-8FA6-F4ADF3DA2F64}"/>
+              </a:ext>
+            </a:extLst>
+          </p:cNvPr>
+          <p:cNvSpPr txBox="1"/>
+          <p:nvPr/>
+        </p:nvSpPr>
+        <p:spPr>
+          <a:xfrm>
+            <a:off x="5747284" y="1957189"/>
+            <a:ext cx="6325380" cy="1615827"/>
+          </a:xfrm>
+          <a:prstGeom prst="rect">
+            <a:avLst/>
+          </a:prstGeom>
+          <a:solidFill>
+            <a:schemeClr val="bg1">
+              <a:lumMod val="95000"/>
+            </a:schemeClr>
+          </a:solidFill>
+        </p:spPr>
+        <p:txBody>
+          <a:bodyPr wrap="square">
+            <a:spAutoFit/>
+          </a:bodyPr>
+          <a:lstStyle/>
+          <a:p>
+            <a:r>
+              <a:rPr lang="de-DE" sz="1100" b="0" dirty="0" err="1">
+                <a:solidFill>
+                  <a:srgbClr val="0000FF"/>
+                </a:solidFill>
+                <a:effectLst/>
+                <a:latin typeface="JuliaMono" panose="020B0609060300020004" pitchFamily="49" charset="0"/>
+              </a:rPr>
+              <a:t>public</a:t>
+            </a:r>
+            <a:r>
+              <a:rPr lang="de-DE" sz="1100" b="0" dirty="0">
+                <a:solidFill>
+                  <a:srgbClr val="000000"/>
+                </a:solidFill>
+                <a:effectLst/>
+                <a:latin typeface="JuliaMono" panose="020B0609060300020004" pitchFamily="49" charset="0"/>
+              </a:rPr>
+              <a:t> </a:t>
+            </a:r>
+            <a:r>
+              <a:rPr lang="de-DE" sz="1100" b="0" dirty="0" err="1">
+                <a:solidFill>
+                  <a:srgbClr val="0000FF"/>
+                </a:solidFill>
+                <a:effectLst/>
+                <a:latin typeface="JuliaMono" panose="020B0609060300020004" pitchFamily="49" charset="0"/>
+              </a:rPr>
+              <a:t>class</a:t>
+            </a:r>
+            <a:r>
+              <a:rPr lang="de-DE" sz="1100" b="0" dirty="0">
+                <a:solidFill>
+                  <a:srgbClr val="000000"/>
+                </a:solidFill>
+                <a:effectLst/>
+                <a:latin typeface="JuliaMono" panose="020B0609060300020004" pitchFamily="49" charset="0"/>
+              </a:rPr>
+              <a:t> </a:t>
+            </a:r>
+            <a:r>
+              <a:rPr lang="de-DE" sz="1100" b="0" dirty="0" err="1">
+                <a:solidFill>
+                  <a:srgbClr val="267F99"/>
+                </a:solidFill>
+                <a:effectLst/>
+                <a:latin typeface="JuliaMono" panose="020B0609060300020004" pitchFamily="49" charset="0"/>
+              </a:rPr>
+              <a:t>GreetingProcessor</a:t>
+            </a:r>
+            <a:r>
+              <a:rPr lang="de-DE" sz="1100" b="0" dirty="0">
+                <a:solidFill>
+                  <a:srgbClr val="000000"/>
+                </a:solidFill>
+                <a:effectLst/>
+                <a:latin typeface="JuliaMono" panose="020B0609060300020004" pitchFamily="49" charset="0"/>
+              </a:rPr>
+              <a:t> </a:t>
+            </a:r>
+            <a:r>
+              <a:rPr lang="de-DE" sz="1100" b="0" dirty="0" err="1">
+                <a:solidFill>
+                  <a:srgbClr val="0000FF"/>
+                </a:solidFill>
+                <a:effectLst/>
+                <a:latin typeface="JuliaMono" panose="020B0609060300020004" pitchFamily="49" charset="0"/>
+              </a:rPr>
+              <a:t>implements</a:t>
+            </a:r>
+            <a:r>
+              <a:rPr lang="de-DE" sz="1100" b="0" dirty="0">
+                <a:solidFill>
+                  <a:srgbClr val="000000"/>
+                </a:solidFill>
+                <a:effectLst/>
+                <a:latin typeface="JuliaMono" panose="020B0609060300020004" pitchFamily="49" charset="0"/>
+              </a:rPr>
+              <a:t> </a:t>
+            </a:r>
+            <a:r>
+              <a:rPr lang="de-DE" sz="1100" b="0" dirty="0" err="1">
+                <a:solidFill>
+                  <a:srgbClr val="267F99"/>
+                </a:solidFill>
+                <a:effectLst/>
+                <a:latin typeface="JuliaMono" panose="020B0609060300020004" pitchFamily="49" charset="0"/>
+              </a:rPr>
+              <a:t>ItemProcessor</a:t>
+            </a:r>
+            <a:r>
+              <a:rPr lang="de-DE" sz="1100" b="0" dirty="0">
+                <a:solidFill>
+                  <a:srgbClr val="000000"/>
+                </a:solidFill>
+                <a:effectLst/>
+                <a:latin typeface="JuliaMono" panose="020B0609060300020004" pitchFamily="49" charset="0"/>
+              </a:rPr>
+              <a:t>&lt;</a:t>
+            </a:r>
+            <a:r>
+              <a:rPr lang="de-DE" sz="1100" b="0" dirty="0">
+                <a:solidFill>
+                  <a:srgbClr val="267F99"/>
+                </a:solidFill>
+                <a:effectLst/>
+                <a:latin typeface="JuliaMono" panose="020B0609060300020004" pitchFamily="49" charset="0"/>
+              </a:rPr>
+              <a:t>String</a:t>
+            </a:r>
+            <a:r>
+              <a:rPr lang="de-DE" sz="1100" b="0" dirty="0">
+                <a:solidFill>
+                  <a:srgbClr val="000000"/>
+                </a:solidFill>
+                <a:effectLst/>
+                <a:latin typeface="JuliaMono" panose="020B0609060300020004" pitchFamily="49" charset="0"/>
+              </a:rPr>
+              <a:t>, </a:t>
+            </a:r>
+            <a:r>
+              <a:rPr lang="de-DE" sz="1100" b="0" dirty="0">
+                <a:solidFill>
+                  <a:srgbClr val="267F99"/>
+                </a:solidFill>
+                <a:effectLst/>
+                <a:latin typeface="JuliaMono" panose="020B0609060300020004" pitchFamily="49" charset="0"/>
+              </a:rPr>
+              <a:t>String</a:t>
+            </a:r>
+            <a:r>
+              <a:rPr lang="de-DE" sz="1100" b="0" dirty="0">
+                <a:solidFill>
+                  <a:srgbClr val="000000"/>
+                </a:solidFill>
+                <a:effectLst/>
+                <a:latin typeface="JuliaMono" panose="020B0609060300020004" pitchFamily="49" charset="0"/>
+              </a:rPr>
+              <a:t>&gt; {</a:t>
+            </a:r>
+          </a:p>
+          <a:p>
+            <a:br>
+              <a:rPr lang="de-DE" sz="1100" b="0" dirty="0">
+                <a:solidFill>
+                  <a:srgbClr val="000000"/>
+                </a:solidFill>
+                <a:effectLst/>
+                <a:latin typeface="JuliaMono" panose="020B0609060300020004" pitchFamily="49" charset="0"/>
+              </a:rPr>
+            </a:br>
+            <a:r>
+              <a:rPr lang="de-DE" sz="1100" b="0" dirty="0">
+                <a:solidFill>
+                  <a:srgbClr val="000000"/>
+                </a:solidFill>
+                <a:effectLst/>
+                <a:latin typeface="JuliaMono" panose="020B0609060300020004" pitchFamily="49" charset="0"/>
+              </a:rPr>
+              <a:t>    @</a:t>
+            </a:r>
+            <a:r>
+              <a:rPr lang="de-DE" sz="1100" b="0" dirty="0">
+                <a:solidFill>
+                  <a:srgbClr val="267F99"/>
+                </a:solidFill>
+                <a:effectLst/>
+                <a:latin typeface="JuliaMono" panose="020B0609060300020004" pitchFamily="49" charset="0"/>
+              </a:rPr>
+              <a:t>Override</a:t>
+            </a:r>
+            <a:endParaRPr lang="de-DE" sz="1100" b="0" dirty="0">
+              <a:solidFill>
+                <a:srgbClr val="000000"/>
+              </a:solidFill>
+              <a:effectLst/>
+              <a:latin typeface="JuliaMono" panose="020B0609060300020004" pitchFamily="49" charset="0"/>
+            </a:endParaRPr>
+          </a:p>
+          <a:p>
+            <a:r>
+              <a:rPr lang="de-DE" sz="1100" b="0" dirty="0">
+                <a:solidFill>
+                  <a:srgbClr val="000000"/>
+                </a:solidFill>
+                <a:effectLst/>
+                <a:latin typeface="JuliaMono" panose="020B0609060300020004" pitchFamily="49" charset="0"/>
+              </a:rPr>
+              <a:t>    </a:t>
+            </a:r>
+            <a:r>
+              <a:rPr lang="de-DE" sz="1100" b="0" dirty="0" err="1">
+                <a:solidFill>
+                  <a:srgbClr val="0000FF"/>
+                </a:solidFill>
+                <a:effectLst/>
+                <a:latin typeface="JuliaMono" panose="020B0609060300020004" pitchFamily="49" charset="0"/>
+              </a:rPr>
+              <a:t>public</a:t>
+            </a:r>
+            <a:r>
+              <a:rPr lang="de-DE" sz="1100" b="0" dirty="0">
+                <a:solidFill>
+                  <a:srgbClr val="000000"/>
+                </a:solidFill>
+                <a:effectLst/>
+                <a:latin typeface="JuliaMono" panose="020B0609060300020004" pitchFamily="49" charset="0"/>
+              </a:rPr>
+              <a:t> </a:t>
+            </a:r>
+            <a:r>
+              <a:rPr lang="de-DE" sz="1100" b="0" dirty="0">
+                <a:solidFill>
+                  <a:srgbClr val="267F99"/>
+                </a:solidFill>
+                <a:effectLst/>
+                <a:latin typeface="JuliaMono" panose="020B0609060300020004" pitchFamily="49" charset="0"/>
+              </a:rPr>
+              <a:t>String</a:t>
+            </a:r>
+            <a:r>
+              <a:rPr lang="de-DE" sz="1100" b="0" dirty="0">
+                <a:solidFill>
+                  <a:srgbClr val="000000"/>
+                </a:solidFill>
+                <a:effectLst/>
+                <a:latin typeface="JuliaMono" panose="020B0609060300020004" pitchFamily="49" charset="0"/>
+              </a:rPr>
+              <a:t> </a:t>
+            </a:r>
+            <a:r>
+              <a:rPr lang="de-DE" sz="1100" b="0" dirty="0" err="1">
+                <a:solidFill>
+                  <a:srgbClr val="795E26"/>
+                </a:solidFill>
+                <a:effectLst/>
+                <a:latin typeface="JuliaMono" panose="020B0609060300020004" pitchFamily="49" charset="0"/>
+              </a:rPr>
+              <a:t>process</a:t>
+            </a:r>
+            <a:r>
+              <a:rPr lang="de-DE" sz="1100" b="0" dirty="0">
+                <a:solidFill>
+                  <a:srgbClr val="000000"/>
+                </a:solidFill>
+                <a:effectLst/>
+                <a:latin typeface="JuliaMono" panose="020B0609060300020004" pitchFamily="49" charset="0"/>
+              </a:rPr>
+              <a:t>(</a:t>
+            </a:r>
+            <a:r>
+              <a:rPr lang="de-DE" sz="1100" b="0" dirty="0">
+                <a:solidFill>
+                  <a:srgbClr val="267F99"/>
+                </a:solidFill>
+                <a:effectLst/>
+                <a:latin typeface="JuliaMono" panose="020B0609060300020004" pitchFamily="49" charset="0"/>
+              </a:rPr>
+              <a:t>String</a:t>
+            </a:r>
+            <a:r>
+              <a:rPr lang="de-DE" sz="1100" b="0" dirty="0">
+                <a:solidFill>
+                  <a:srgbClr val="000000"/>
+                </a:solidFill>
+                <a:effectLst/>
+                <a:latin typeface="JuliaMono" panose="020B0609060300020004" pitchFamily="49" charset="0"/>
+              </a:rPr>
+              <a:t> </a:t>
+            </a:r>
+            <a:r>
+              <a:rPr lang="de-DE" sz="1100" b="0" dirty="0" err="1">
+                <a:solidFill>
+                  <a:srgbClr val="001080"/>
+                </a:solidFill>
+                <a:effectLst/>
+                <a:latin typeface="JuliaMono" panose="020B0609060300020004" pitchFamily="49" charset="0"/>
+              </a:rPr>
+              <a:t>name</a:t>
+            </a:r>
+            <a:r>
+              <a:rPr lang="de-DE" sz="1100" b="0" dirty="0">
+                <a:solidFill>
+                  <a:srgbClr val="000000"/>
+                </a:solidFill>
+                <a:effectLst/>
+                <a:latin typeface="JuliaMono" panose="020B0609060300020004" pitchFamily="49" charset="0"/>
+              </a:rPr>
+              <a:t>) </a:t>
+            </a:r>
+            <a:r>
+              <a:rPr lang="de-DE" sz="1100" b="0" dirty="0" err="1">
+                <a:solidFill>
+                  <a:srgbClr val="0000FF"/>
+                </a:solidFill>
+                <a:effectLst/>
+                <a:latin typeface="JuliaMono" panose="020B0609060300020004" pitchFamily="49" charset="0"/>
+              </a:rPr>
+              <a:t>throws</a:t>
+            </a:r>
+            <a:r>
+              <a:rPr lang="de-DE" sz="1100" b="0" dirty="0">
+                <a:solidFill>
+                  <a:srgbClr val="000000"/>
+                </a:solidFill>
+                <a:effectLst/>
+                <a:latin typeface="JuliaMono" panose="020B0609060300020004" pitchFamily="49" charset="0"/>
+              </a:rPr>
+              <a:t> </a:t>
+            </a:r>
+            <a:r>
+              <a:rPr lang="de-DE" sz="1100" b="0" dirty="0" err="1">
+                <a:solidFill>
+                  <a:srgbClr val="267F99"/>
+                </a:solidFill>
+                <a:effectLst/>
+                <a:latin typeface="JuliaMono" panose="020B0609060300020004" pitchFamily="49" charset="0"/>
+              </a:rPr>
+              <a:t>Exception</a:t>
+            </a:r>
+            <a:r>
+              <a:rPr lang="de-DE" sz="1100" b="0" dirty="0">
+                <a:solidFill>
+                  <a:srgbClr val="000000"/>
+                </a:solidFill>
+                <a:effectLst/>
+                <a:latin typeface="JuliaMono" panose="020B0609060300020004" pitchFamily="49" charset="0"/>
+              </a:rPr>
+              <a:t> {</a:t>
+            </a:r>
+          </a:p>
+          <a:p>
+            <a:r>
+              <a:rPr lang="de-DE" sz="1100" b="0" dirty="0">
+                <a:solidFill>
+                  <a:srgbClr val="000000"/>
+                </a:solidFill>
+                <a:effectLst/>
+                <a:latin typeface="JuliaMono" panose="020B0609060300020004" pitchFamily="49" charset="0"/>
+              </a:rPr>
+              <a:t>        </a:t>
+            </a:r>
+            <a:r>
+              <a:rPr lang="de-DE" sz="1100" b="0" dirty="0" err="1">
+                <a:solidFill>
+                  <a:srgbClr val="AF00DB"/>
+                </a:solidFill>
+                <a:effectLst/>
+                <a:latin typeface="JuliaMono" panose="020B0609060300020004" pitchFamily="49" charset="0"/>
+              </a:rPr>
+              <a:t>return</a:t>
+            </a:r>
+            <a:r>
+              <a:rPr lang="de-DE" sz="1100" b="0" dirty="0">
+                <a:solidFill>
+                  <a:srgbClr val="000000"/>
+                </a:solidFill>
+                <a:effectLst/>
+                <a:latin typeface="JuliaMono" panose="020B0609060300020004" pitchFamily="49" charset="0"/>
+              </a:rPr>
+              <a:t> </a:t>
+            </a:r>
+            <a:r>
+              <a:rPr lang="de-DE" sz="1100" b="0" dirty="0">
+                <a:solidFill>
+                  <a:srgbClr val="A31515"/>
+                </a:solidFill>
+                <a:effectLst/>
+                <a:latin typeface="JuliaMono" panose="020B0609060300020004" pitchFamily="49" charset="0"/>
+              </a:rPr>
+              <a:t>"Hello "</a:t>
+            </a:r>
+            <a:r>
+              <a:rPr lang="de-DE" sz="1100" b="0" dirty="0">
+                <a:solidFill>
+                  <a:srgbClr val="000000"/>
+                </a:solidFill>
+                <a:effectLst/>
+                <a:latin typeface="JuliaMono" panose="020B0609060300020004" pitchFamily="49" charset="0"/>
+              </a:rPr>
+              <a:t> + </a:t>
+            </a:r>
+            <a:r>
+              <a:rPr lang="de-DE" sz="1100" b="0" dirty="0" err="1">
+                <a:solidFill>
+                  <a:srgbClr val="001080"/>
+                </a:solidFill>
+                <a:effectLst/>
+                <a:latin typeface="JuliaMono" panose="020B0609060300020004" pitchFamily="49" charset="0"/>
+              </a:rPr>
+              <a:t>name</a:t>
+            </a:r>
+            <a:r>
+              <a:rPr lang="de-DE" sz="1100" b="0" dirty="0">
+                <a:solidFill>
+                  <a:srgbClr val="000000"/>
+                </a:solidFill>
+                <a:effectLst/>
+                <a:latin typeface="JuliaMono" panose="020B0609060300020004" pitchFamily="49" charset="0"/>
+              </a:rPr>
+              <a:t> + </a:t>
+            </a:r>
+            <a:r>
+              <a:rPr lang="de-DE" sz="1100" b="0" dirty="0">
+                <a:solidFill>
+                  <a:srgbClr val="A31515"/>
+                </a:solidFill>
+                <a:effectLst/>
+                <a:latin typeface="JuliaMono" panose="020B0609060300020004" pitchFamily="49" charset="0"/>
+              </a:rPr>
+              <a:t>"!"</a:t>
+            </a:r>
+            <a:r>
+              <a:rPr lang="de-DE" sz="1100" b="0" dirty="0">
+                <a:solidFill>
+                  <a:srgbClr val="000000"/>
+                </a:solidFill>
+                <a:effectLst/>
+                <a:latin typeface="JuliaMono" panose="020B0609060300020004" pitchFamily="49" charset="0"/>
+              </a:rPr>
+              <a:t>;</a:t>
+            </a:r>
+          </a:p>
+          <a:p>
+            <a:r>
+              <a:rPr lang="de-DE" sz="1100" b="0" dirty="0">
+                <a:solidFill>
+                  <a:srgbClr val="000000"/>
+                </a:solidFill>
+                <a:effectLst/>
+                <a:latin typeface="JuliaMono" panose="020B0609060300020004" pitchFamily="49" charset="0"/>
+              </a:rPr>
+              <a:t>    }</a:t>
+            </a:r>
+          </a:p>
+          <a:p>
+            <a:br>
+              <a:rPr lang="de-DE" sz="1100" b="0" dirty="0">
+                <a:solidFill>
+                  <a:srgbClr val="000000"/>
+                </a:solidFill>
+                <a:effectLst/>
+                <a:latin typeface="JuliaMono" panose="020B0609060300020004" pitchFamily="49" charset="0"/>
+              </a:rPr>
+            </a:br>
+            <a:r>
+              <a:rPr lang="de-DE" sz="1100" b="0" dirty="0">
+                <a:solidFill>
+                  <a:srgbClr val="000000"/>
+                </a:solidFill>
+                <a:effectLst/>
+                <a:latin typeface="JuliaMono" panose="020B0609060300020004" pitchFamily="49" charset="0"/>
+              </a:rPr>
+              <a:t>}</a:t>
+            </a:r>
+            <a:br>
+              <a:rPr lang="de-DE" sz="1100" b="0" dirty="0">
+                <a:solidFill>
+                  <a:srgbClr val="000000"/>
+                </a:solidFill>
+                <a:effectLst/>
+                <a:latin typeface="JuliaMono" panose="020B0609060300020004" pitchFamily="49" charset="0"/>
+              </a:rPr>
+            </a:br>
+            <a:endParaRPr lang="de-DE" sz="1100" b="0" dirty="0">
+              <a:solidFill>
+                <a:srgbClr val="000000"/>
+              </a:solidFill>
+              <a:effectLst/>
+              <a:latin typeface="JuliaMono" panose="020B0609060300020004" pitchFamily="49" charset="0"/>
+            </a:endParaRPr>
+          </a:p>
+        </p:txBody>
+      </p:sp>
+      <p:sp>
+        <p:nvSpPr>
+          <p:cNvPr id="9" name="Textfeld 8">
+            <a:extLst>
+              <a:ext uri="{FF2B5EF4-FFF2-40B4-BE49-F238E27FC236}">
+                <a16:creationId xmlns:a16="http://schemas.microsoft.com/office/drawing/2014/main" id="{A9DBFE03-F088-4FEC-9B86-49F9B2205EC5}"/>
+              </a:ext>
+            </a:extLst>
+          </p:cNvPr>
+          <p:cNvSpPr txBox="1"/>
+          <p:nvPr/>
+        </p:nvSpPr>
+        <p:spPr>
+          <a:xfrm>
+            <a:off x="5747284" y="3725738"/>
+            <a:ext cx="6325380" cy="1615827"/>
+          </a:xfrm>
+          <a:prstGeom prst="rect">
+            <a:avLst/>
+          </a:prstGeom>
+          <a:solidFill>
+            <a:schemeClr val="bg1">
+              <a:lumMod val="95000"/>
+            </a:schemeClr>
+          </a:solidFill>
+        </p:spPr>
+        <p:txBody>
+          <a:bodyPr wrap="square">
+            <a:spAutoFit/>
+          </a:bodyPr>
+          <a:lstStyle/>
+          <a:p>
+            <a:r>
+              <a:rPr lang="de-DE" sz="1100" b="0" dirty="0">
+                <a:solidFill>
+                  <a:srgbClr val="000000"/>
+                </a:solidFill>
+                <a:effectLst/>
+                <a:latin typeface="JuliaMono" panose="020B0609060300020004" pitchFamily="49" charset="0"/>
+              </a:rPr>
+              <a:t>@</a:t>
+            </a:r>
+            <a:r>
+              <a:rPr lang="de-DE" sz="1100" b="0" dirty="0">
+                <a:solidFill>
+                  <a:srgbClr val="267F99"/>
+                </a:solidFill>
+                <a:effectLst/>
+                <a:latin typeface="JuliaMono" panose="020B0609060300020004" pitchFamily="49" charset="0"/>
+              </a:rPr>
+              <a:t>SpringBootApplication</a:t>
+            </a:r>
+            <a:endParaRPr lang="de-DE" sz="1100" b="0" dirty="0">
+              <a:solidFill>
+                <a:srgbClr val="000000"/>
+              </a:solidFill>
+              <a:effectLst/>
+              <a:latin typeface="JuliaMono" panose="020B0609060300020004" pitchFamily="49" charset="0"/>
+            </a:endParaRPr>
+          </a:p>
+          <a:p>
+            <a:r>
+              <a:rPr lang="de-DE" sz="1100" b="0" dirty="0" err="1">
+                <a:solidFill>
+                  <a:srgbClr val="0000FF"/>
+                </a:solidFill>
+                <a:effectLst/>
+                <a:latin typeface="JuliaMono" panose="020B0609060300020004" pitchFamily="49" charset="0"/>
+              </a:rPr>
+              <a:t>public</a:t>
+            </a:r>
+            <a:r>
+              <a:rPr lang="de-DE" sz="1100" b="0" dirty="0">
+                <a:solidFill>
+                  <a:srgbClr val="000000"/>
+                </a:solidFill>
+                <a:effectLst/>
+                <a:latin typeface="JuliaMono" panose="020B0609060300020004" pitchFamily="49" charset="0"/>
+              </a:rPr>
+              <a:t> </a:t>
+            </a:r>
+            <a:r>
+              <a:rPr lang="de-DE" sz="1100" b="0" dirty="0" err="1">
+                <a:solidFill>
+                  <a:srgbClr val="0000FF"/>
+                </a:solidFill>
+                <a:effectLst/>
+                <a:latin typeface="JuliaMono" panose="020B0609060300020004" pitchFamily="49" charset="0"/>
+              </a:rPr>
+              <a:t>class</a:t>
+            </a:r>
+            <a:r>
+              <a:rPr lang="de-DE" sz="1100" b="0" dirty="0">
+                <a:solidFill>
+                  <a:srgbClr val="000000"/>
+                </a:solidFill>
+                <a:effectLst/>
+                <a:latin typeface="JuliaMono" panose="020B0609060300020004" pitchFamily="49" charset="0"/>
+              </a:rPr>
+              <a:t> </a:t>
+            </a:r>
+            <a:r>
+              <a:rPr lang="de-DE" sz="1100" b="0" dirty="0" err="1">
+                <a:solidFill>
+                  <a:srgbClr val="267F99"/>
+                </a:solidFill>
+                <a:effectLst/>
+                <a:latin typeface="JuliaMono" panose="020B0609060300020004" pitchFamily="49" charset="0"/>
+              </a:rPr>
+              <a:t>HelloworldApplication</a:t>
+            </a:r>
+            <a:r>
+              <a:rPr lang="de-DE" sz="1100" b="0" dirty="0">
+                <a:solidFill>
+                  <a:srgbClr val="000000"/>
+                </a:solidFill>
+                <a:effectLst/>
+                <a:latin typeface="JuliaMono" panose="020B0609060300020004" pitchFamily="49" charset="0"/>
+              </a:rPr>
+              <a:t> {</a:t>
+            </a:r>
+          </a:p>
+          <a:p>
+            <a:br>
+              <a:rPr lang="de-DE" sz="1100" b="0" dirty="0">
+                <a:solidFill>
+                  <a:srgbClr val="000000"/>
+                </a:solidFill>
+                <a:effectLst/>
+                <a:latin typeface="JuliaMono" panose="020B0609060300020004" pitchFamily="49" charset="0"/>
+              </a:rPr>
+            </a:br>
+            <a:r>
+              <a:rPr lang="de-DE" sz="1100" b="0" dirty="0">
+                <a:solidFill>
+                  <a:srgbClr val="000000"/>
+                </a:solidFill>
+                <a:effectLst/>
+                <a:latin typeface="JuliaMono" panose="020B0609060300020004" pitchFamily="49" charset="0"/>
+              </a:rPr>
+              <a:t>    </a:t>
+            </a:r>
+            <a:r>
+              <a:rPr lang="de-DE" sz="1100" b="0" dirty="0" err="1">
+                <a:solidFill>
+                  <a:srgbClr val="0000FF"/>
+                </a:solidFill>
+                <a:effectLst/>
+                <a:latin typeface="JuliaMono" panose="020B0609060300020004" pitchFamily="49" charset="0"/>
+              </a:rPr>
+              <a:t>public</a:t>
+            </a:r>
+            <a:r>
+              <a:rPr lang="de-DE" sz="1100" b="0" dirty="0">
+                <a:solidFill>
+                  <a:srgbClr val="000000"/>
+                </a:solidFill>
+                <a:effectLst/>
+                <a:latin typeface="JuliaMono" panose="020B0609060300020004" pitchFamily="49" charset="0"/>
+              </a:rPr>
+              <a:t> </a:t>
+            </a:r>
+            <a:r>
+              <a:rPr lang="de-DE" sz="1100" b="0" dirty="0" err="1">
+                <a:solidFill>
+                  <a:srgbClr val="0000FF"/>
+                </a:solidFill>
+                <a:effectLst/>
+                <a:latin typeface="JuliaMono" panose="020B0609060300020004" pitchFamily="49" charset="0"/>
+              </a:rPr>
+              <a:t>static</a:t>
+            </a:r>
+            <a:r>
+              <a:rPr lang="de-DE" sz="1100" b="0" dirty="0">
+                <a:solidFill>
+                  <a:srgbClr val="000000"/>
+                </a:solidFill>
+                <a:effectLst/>
+                <a:latin typeface="JuliaMono" panose="020B0609060300020004" pitchFamily="49" charset="0"/>
+              </a:rPr>
+              <a:t> </a:t>
+            </a:r>
+            <a:r>
+              <a:rPr lang="de-DE" sz="1100" b="0" dirty="0" err="1">
+                <a:solidFill>
+                  <a:srgbClr val="267F99"/>
+                </a:solidFill>
+                <a:effectLst/>
+                <a:latin typeface="JuliaMono" panose="020B0609060300020004" pitchFamily="49" charset="0"/>
+              </a:rPr>
+              <a:t>void</a:t>
+            </a:r>
+            <a:r>
+              <a:rPr lang="de-DE" sz="1100" b="0" dirty="0">
+                <a:solidFill>
+                  <a:srgbClr val="000000"/>
+                </a:solidFill>
+                <a:effectLst/>
+                <a:latin typeface="JuliaMono" panose="020B0609060300020004" pitchFamily="49" charset="0"/>
+              </a:rPr>
+              <a:t> </a:t>
+            </a:r>
+            <a:r>
+              <a:rPr lang="de-DE" sz="1100" b="0" dirty="0" err="1">
+                <a:solidFill>
+                  <a:srgbClr val="795E26"/>
+                </a:solidFill>
+                <a:effectLst/>
+                <a:latin typeface="JuliaMono" panose="020B0609060300020004" pitchFamily="49" charset="0"/>
+              </a:rPr>
+              <a:t>main</a:t>
+            </a:r>
+            <a:r>
+              <a:rPr lang="de-DE" sz="1100" b="0" dirty="0">
+                <a:solidFill>
+                  <a:srgbClr val="000000"/>
+                </a:solidFill>
+                <a:effectLst/>
+                <a:latin typeface="JuliaMono" panose="020B0609060300020004" pitchFamily="49" charset="0"/>
+              </a:rPr>
+              <a:t>(</a:t>
+            </a:r>
+            <a:r>
+              <a:rPr lang="de-DE" sz="1100" b="0" dirty="0">
+                <a:solidFill>
+                  <a:srgbClr val="267F99"/>
+                </a:solidFill>
+                <a:effectLst/>
+                <a:latin typeface="JuliaMono" panose="020B0609060300020004" pitchFamily="49" charset="0"/>
+              </a:rPr>
+              <a:t>String</a:t>
+            </a:r>
+            <a:r>
+              <a:rPr lang="de-DE" sz="1100" b="0" dirty="0">
+                <a:solidFill>
+                  <a:srgbClr val="000000"/>
+                </a:solidFill>
+                <a:effectLst/>
+                <a:latin typeface="JuliaMono" panose="020B0609060300020004" pitchFamily="49" charset="0"/>
+              </a:rPr>
+              <a:t>[] </a:t>
+            </a:r>
+            <a:r>
+              <a:rPr lang="de-DE" sz="1100" b="0" dirty="0" err="1">
+                <a:solidFill>
+                  <a:srgbClr val="001080"/>
+                </a:solidFill>
+                <a:effectLst/>
+                <a:latin typeface="JuliaMono" panose="020B0609060300020004" pitchFamily="49" charset="0"/>
+              </a:rPr>
+              <a:t>args</a:t>
+            </a:r>
+            <a:r>
+              <a:rPr lang="de-DE" sz="1100" b="0" dirty="0">
+                <a:solidFill>
+                  <a:srgbClr val="000000"/>
+                </a:solidFill>
+                <a:effectLst/>
+                <a:latin typeface="JuliaMono" panose="020B0609060300020004" pitchFamily="49" charset="0"/>
+              </a:rPr>
+              <a:t>) {</a:t>
+            </a:r>
+          </a:p>
+          <a:p>
+            <a:r>
+              <a:rPr lang="de-DE" sz="1100" b="0" dirty="0">
+                <a:solidFill>
+                  <a:srgbClr val="000000"/>
+                </a:solidFill>
+                <a:effectLst/>
+                <a:latin typeface="JuliaMono" panose="020B0609060300020004" pitchFamily="49" charset="0"/>
+              </a:rPr>
+              <a:t>        </a:t>
+            </a:r>
+            <a:r>
+              <a:rPr lang="de-DE" sz="1100" b="0" dirty="0" err="1">
+                <a:solidFill>
+                  <a:srgbClr val="267F99"/>
+                </a:solidFill>
+                <a:effectLst/>
+                <a:latin typeface="JuliaMono" panose="020B0609060300020004" pitchFamily="49" charset="0"/>
+              </a:rPr>
+              <a:t>SpringApplication</a:t>
+            </a:r>
+            <a:r>
+              <a:rPr lang="de-DE" sz="1100" b="0" dirty="0" err="1">
+                <a:solidFill>
+                  <a:srgbClr val="000000"/>
+                </a:solidFill>
+                <a:effectLst/>
+                <a:latin typeface="JuliaMono" panose="020B0609060300020004" pitchFamily="49" charset="0"/>
+              </a:rPr>
+              <a:t>.</a:t>
+            </a:r>
+            <a:r>
+              <a:rPr lang="de-DE" sz="1100" b="0" dirty="0" err="1">
+                <a:solidFill>
+                  <a:srgbClr val="795E26"/>
+                </a:solidFill>
+                <a:effectLst/>
+                <a:latin typeface="JuliaMono" panose="020B0609060300020004" pitchFamily="49" charset="0"/>
+              </a:rPr>
+              <a:t>run</a:t>
+            </a:r>
+            <a:r>
+              <a:rPr lang="de-DE" sz="1100" b="0" dirty="0">
+                <a:solidFill>
+                  <a:srgbClr val="000000"/>
+                </a:solidFill>
+                <a:effectLst/>
+                <a:latin typeface="JuliaMono" panose="020B0609060300020004" pitchFamily="49" charset="0"/>
+              </a:rPr>
+              <a:t>(</a:t>
+            </a:r>
+            <a:r>
+              <a:rPr lang="de-DE" sz="1100" b="0" dirty="0" err="1">
+                <a:solidFill>
+                  <a:srgbClr val="267F99"/>
+                </a:solidFill>
+                <a:effectLst/>
+                <a:latin typeface="JuliaMono" panose="020B0609060300020004" pitchFamily="49" charset="0"/>
+              </a:rPr>
+              <a:t>HelloworldApplication</a:t>
+            </a:r>
+            <a:r>
+              <a:rPr lang="de-DE" sz="1100" b="0" dirty="0" err="1">
+                <a:solidFill>
+                  <a:srgbClr val="000000"/>
+                </a:solidFill>
+                <a:effectLst/>
+                <a:latin typeface="JuliaMono" panose="020B0609060300020004" pitchFamily="49" charset="0"/>
+              </a:rPr>
+              <a:t>.</a:t>
+            </a:r>
+            <a:r>
+              <a:rPr lang="de-DE" sz="1100" b="0" dirty="0" err="1">
+                <a:solidFill>
+                  <a:srgbClr val="001080"/>
+                </a:solidFill>
+                <a:effectLst/>
+                <a:latin typeface="JuliaMono" panose="020B0609060300020004" pitchFamily="49" charset="0"/>
+              </a:rPr>
+              <a:t>class</a:t>
+            </a:r>
+            <a:r>
+              <a:rPr lang="de-DE" sz="1100" b="0" dirty="0">
+                <a:solidFill>
+                  <a:srgbClr val="000000"/>
+                </a:solidFill>
+                <a:effectLst/>
+                <a:latin typeface="JuliaMono" panose="020B0609060300020004" pitchFamily="49" charset="0"/>
+              </a:rPr>
+              <a:t>, </a:t>
+            </a:r>
+            <a:r>
+              <a:rPr lang="de-DE" sz="1100" b="0" dirty="0" err="1">
+                <a:solidFill>
+                  <a:srgbClr val="001080"/>
+                </a:solidFill>
+                <a:effectLst/>
+                <a:latin typeface="JuliaMono" panose="020B0609060300020004" pitchFamily="49" charset="0"/>
+              </a:rPr>
+              <a:t>args</a:t>
+            </a:r>
+            <a:r>
+              <a:rPr lang="de-DE" sz="1100" b="0" dirty="0">
+                <a:solidFill>
+                  <a:srgbClr val="000000"/>
+                </a:solidFill>
+                <a:effectLst/>
+                <a:latin typeface="JuliaMono" panose="020B0609060300020004" pitchFamily="49" charset="0"/>
+              </a:rPr>
+              <a:t>);</a:t>
+            </a:r>
+          </a:p>
+          <a:p>
+            <a:r>
+              <a:rPr lang="de-DE" sz="1100" b="0" dirty="0">
+                <a:solidFill>
+                  <a:srgbClr val="000000"/>
+                </a:solidFill>
+                <a:effectLst/>
+                <a:latin typeface="JuliaMono" panose="020B0609060300020004" pitchFamily="49" charset="0"/>
+              </a:rPr>
+              <a:t>    }</a:t>
+            </a:r>
+          </a:p>
+          <a:p>
+            <a:br>
+              <a:rPr lang="de-DE" sz="1100" b="0" dirty="0">
+                <a:solidFill>
+                  <a:srgbClr val="000000"/>
+                </a:solidFill>
+                <a:effectLst/>
+                <a:latin typeface="JuliaMono" panose="020B0609060300020004" pitchFamily="49" charset="0"/>
+              </a:rPr>
+            </a:br>
+            <a:r>
+              <a:rPr lang="de-DE" sz="1100" b="0" dirty="0">
+                <a:solidFill>
+                  <a:srgbClr val="000000"/>
+                </a:solidFill>
+                <a:effectLst/>
+                <a:latin typeface="JuliaMono" panose="020B0609060300020004" pitchFamily="49" charset="0"/>
+              </a:rPr>
+              <a:t>}</a:t>
+            </a:r>
+            <a:br>
+              <a:rPr lang="de-DE" sz="1100" b="0" dirty="0">
+                <a:solidFill>
+                  <a:srgbClr val="000000"/>
+                </a:solidFill>
+                <a:effectLst/>
+                <a:latin typeface="JuliaMono" panose="020B0609060300020004" pitchFamily="49" charset="0"/>
+              </a:rPr>
+            </a:br>
+            <a:endParaRPr lang="de-DE" sz="1100" b="0" dirty="0">
+              <a:solidFill>
+                <a:srgbClr val="000000"/>
+              </a:solidFill>
+              <a:effectLst/>
+              <a:latin typeface="JuliaMono" panose="020B0609060300020004" pitchFamily="49" charset="0"/>
+            </a:endParaRPr>
+          </a:p>
+        </p:txBody>
+      </p:sp>
+      <p:sp>
+        <p:nvSpPr>
+          <p:cNvPr id="10" name="Rechteck 9">
+            <a:extLst>
+              <a:ext uri="{FF2B5EF4-FFF2-40B4-BE49-F238E27FC236}">
+                <a16:creationId xmlns:a16="http://schemas.microsoft.com/office/drawing/2014/main" id="{311CC3F6-51E5-41D5-A4F6-6C29B22550D9}"/>
+              </a:ext>
+            </a:extLst>
+          </p:cNvPr>
+          <p:cNvSpPr/>
+          <p:nvPr/>
+        </p:nvSpPr>
+        <p:spPr>
+          <a:xfrm>
+            <a:off x="5610902" y="1799918"/>
+            <a:ext cx="136382" cy="4437394"/>
+          </a:xfrm>
+          <a:prstGeom prst="rect">
+            <a:avLst/>
+          </a:prstGeom>
+          <a:solidFill>
+            <a:schemeClr val="bg1"/>
+          </a:solidFill>
+          <a:ln>
+            <a:noFill/>
+          </a:ln>
+        </p:spPr>
+        <p:style>
+          <a:lnRef idx="2">
+            <a:schemeClr val="accent1">
+              <a:shade val="50000"/>
+            </a:schemeClr>
+          </a:lnRef>
+          <a:fillRef idx="1">
+            <a:schemeClr val="accent1"/>
+          </a:fillRef>
+          <a:effectRef idx="0">
+            <a:schemeClr val="accent1"/>
+          </a:effectRef>
+          <a:fontRef idx="minor">
+            <a:schemeClr val="lt1"/>
+          </a:fontRef>
+        </p:style>
+        <p:txBody>
+          <a:bodyPr rtlCol="0" anchor="ctr"/>
+          <a:lstStyle/>
+          <a:p>
+            <a:pPr algn="ctr">
+              <a:lnSpc>
+                <a:spcPct val="110000"/>
+              </a:lnSpc>
+            </a:pPr>
+            <a:endParaRPr lang="de-DE" sz="1900" dirty="0">
+              <a:ln w="76200">
+                <a:solidFill>
+                  <a:schemeClr val="bg1"/>
+                </a:solidFill>
+              </a:ln>
+              <a:solidFill>
+                <a:schemeClr val="tx1"/>
+              </a:solidFill>
+            </a:endParaRPr>
+          </a:p>
+        </p:txBody>
+      </p:sp>
+      <p:sp>
+        <p:nvSpPr>
+          <p:cNvPr id="11" name="Fußzeilenplatzhalter 4">
+            <a:extLst>
+              <a:ext uri="{FF2B5EF4-FFF2-40B4-BE49-F238E27FC236}">
+                <a16:creationId xmlns:a16="http://schemas.microsoft.com/office/drawing/2014/main" id="{5D07EDBA-F81C-45F2-81AC-5F2B8C325147}"/>
+              </a:ext>
+            </a:extLst>
+          </p:cNvPr>
+          <p:cNvSpPr txBox="1">
+            <a:spLocks/>
+          </p:cNvSpPr>
+          <p:nvPr/>
+        </p:nvSpPr>
+        <p:spPr>
+          <a:xfrm>
+            <a:off x="1836738" y="6313488"/>
+            <a:ext cx="9367837" cy="295275"/>
+          </a:xfrm>
+          <a:prstGeom prst="rect">
+            <a:avLst/>
+          </a:prstGeom>
         </p:spPr>
         <p:txBody>
           <a:bodyPr vert="horz" lIns="0" tIns="0" rIns="0" bIns="0" rtlCol="0" anchor="b" anchorCtr="0"/>
           <a:lstStyle>
-            <a:lvl1pPr algn="l" eaLnBrk="1" fontAlgn="auto" hangingPunct="1">
+            <a:defPPr>
+              <a:defRPr lang="de-DE"/>
+            </a:defPPr>
+            <a:lvl1pPr algn="l" rtl="0" eaLnBrk="1" fontAlgn="auto" hangingPunct="1">
               <a:spcBef>
                 <a:spcPts val="0"/>
               </a:spcBef>
               <a:spcAft>
                 <a:spcPts val="0"/>
               </a:spcAft>
-              <a:defRPr sz="800" smtClean="0">
+              <a:defRPr sz="800" kern="1200" smtClean="0">
                 <a:solidFill>
                   <a:schemeClr val="tx1"/>
                 </a:solidFill>
                 <a:latin typeface="+mn-lt"/>
+                <a:ea typeface="+mn-ea"/>
+                <a:cs typeface="+mn-cs"/>
               </a:defRPr>
             </a:lvl1pPr>
+            <a:lvl2pPr marL="457200" algn="l" rtl="0" eaLnBrk="0" fontAlgn="base" hangingPunct="0">
+              <a:spcBef>
+                <a:spcPct val="0"/>
+              </a:spcBef>
+              <a:spcAft>
+                <a:spcPct val="0"/>
+              </a:spcAft>
+              <a:defRPr kern="1200">
+                <a:solidFill>
+                  <a:schemeClr val="tx1"/>
+                </a:solidFill>
+                <a:latin typeface="Arial" panose="020B0604020202020204" pitchFamily="34" charset="0"/>
+                <a:ea typeface="+mn-ea"/>
+                <a:cs typeface="+mn-cs"/>
+              </a:defRPr>
+            </a:lvl2pPr>
+            <a:lvl3pPr marL="914400" algn="l" rtl="0" eaLnBrk="0" fontAlgn="base" hangingPunct="0">
+              <a:spcBef>
+                <a:spcPct val="0"/>
+              </a:spcBef>
+              <a:spcAft>
+                <a:spcPct val="0"/>
+              </a:spcAft>
+              <a:defRPr kern="1200">
+                <a:solidFill>
+                  <a:schemeClr val="tx1"/>
+                </a:solidFill>
+                <a:latin typeface="Arial" panose="020B0604020202020204" pitchFamily="34" charset="0"/>
+                <a:ea typeface="+mn-ea"/>
+                <a:cs typeface="+mn-cs"/>
+              </a:defRPr>
+            </a:lvl3pPr>
+            <a:lvl4pPr marL="1371600" algn="l" rtl="0" eaLnBrk="0" fontAlgn="base" hangingPunct="0">
+              <a:spcBef>
+                <a:spcPct val="0"/>
+              </a:spcBef>
+              <a:spcAft>
+                <a:spcPct val="0"/>
+              </a:spcAft>
+              <a:defRPr kern="1200">
+                <a:solidFill>
+                  <a:schemeClr val="tx1"/>
+                </a:solidFill>
+                <a:latin typeface="Arial" panose="020B0604020202020204" pitchFamily="34" charset="0"/>
+                <a:ea typeface="+mn-ea"/>
+                <a:cs typeface="+mn-cs"/>
+              </a:defRPr>
+            </a:lvl4pPr>
+            <a:lvl5pPr marL="1828800" algn="l" rtl="0" eaLnBrk="0" fontAlgn="base" hangingPunct="0">
+              <a:spcBef>
+                <a:spcPct val="0"/>
+              </a:spcBef>
+              <a:spcAft>
+                <a:spcPct val="0"/>
+              </a:spcAft>
+              <a:defRPr kern="1200">
+                <a:solidFill>
+                  <a:schemeClr val="tx1"/>
+                </a:solidFill>
+                <a:latin typeface="Arial" panose="020B0604020202020204" pitchFamily="34" charset="0"/>
+                <a:ea typeface="+mn-ea"/>
+                <a:cs typeface="+mn-cs"/>
+              </a:defRPr>
+            </a:lvl5pPr>
+            <a:lvl6pPr marL="2286000" algn="l" defTabSz="914400" rtl="0" eaLnBrk="1" latinLnBrk="0" hangingPunct="1">
+              <a:defRPr kern="1200">
+                <a:solidFill>
+                  <a:schemeClr val="tx1"/>
+                </a:solidFill>
+                <a:latin typeface="Arial" panose="020B0604020202020204" pitchFamily="34" charset="0"/>
+                <a:ea typeface="+mn-ea"/>
+                <a:cs typeface="+mn-cs"/>
+              </a:defRPr>
+            </a:lvl6pPr>
+            <a:lvl7pPr marL="2743200" algn="l" defTabSz="914400" rtl="0" eaLnBrk="1" latinLnBrk="0" hangingPunct="1">
+              <a:defRPr kern="1200">
+                <a:solidFill>
+                  <a:schemeClr val="tx1"/>
+                </a:solidFill>
+                <a:latin typeface="Arial" panose="020B0604020202020204" pitchFamily="34" charset="0"/>
+                <a:ea typeface="+mn-ea"/>
+                <a:cs typeface="+mn-cs"/>
+              </a:defRPr>
+            </a:lvl7pPr>
+            <a:lvl8pPr marL="3200400" algn="l" defTabSz="914400" rtl="0" eaLnBrk="1" latinLnBrk="0" hangingPunct="1">
+              <a:defRPr kern="1200">
+                <a:solidFill>
+                  <a:schemeClr val="tx1"/>
+                </a:solidFill>
+                <a:latin typeface="Arial" panose="020B0604020202020204" pitchFamily="34" charset="0"/>
+                <a:ea typeface="+mn-ea"/>
+                <a:cs typeface="+mn-cs"/>
+              </a:defRPr>
+            </a:lvl8pPr>
+            <a:lvl9pPr marL="3657600" algn="l" defTabSz="914400" rtl="0" eaLnBrk="1" latinLnBrk="0" hangingPunct="1">
+              <a:defRPr kern="1200">
+                <a:solidFill>
+                  <a:schemeClr val="tx1"/>
+                </a:solidFill>
+                <a:latin typeface="Arial" panose="020B0604020202020204" pitchFamily="34" charset="0"/>
+                <a:ea typeface="+mn-ea"/>
+                <a:cs typeface="+mn-cs"/>
+              </a:defRPr>
+            </a:lvl9pPr>
           </a:lstStyle>
           <a:p>
             <a:pPr>
               <a:defRPr/>
             </a:pPr>
             <a:r>
-              <a:rPr lang="de-DE" dirty="0"/>
+              <a:rPr lang="de-DE"/>
               <a:t>Felix Schulze Sindern			Batchverarbeitung mit Spring Batch 				26.01.2020</a:t>
+            </a:r>
+            <a:endParaRPr lang="de-DE" dirty="0"/>
+          </a:p>
+        </p:txBody>
+      </p:sp>
+      <p:sp>
+        <p:nvSpPr>
+          <p:cNvPr id="12" name="Textfeld 11">
+            <a:extLst>
+              <a:ext uri="{FF2B5EF4-FFF2-40B4-BE49-F238E27FC236}">
+                <a16:creationId xmlns:a16="http://schemas.microsoft.com/office/drawing/2014/main" id="{CADC278E-35B3-4917-8EFC-3C05BBD51361}"/>
+              </a:ext>
+            </a:extLst>
+          </p:cNvPr>
+          <p:cNvSpPr txBox="1"/>
+          <p:nvPr/>
+        </p:nvSpPr>
+        <p:spPr>
+          <a:xfrm>
+            <a:off x="5747284" y="5445224"/>
+            <a:ext cx="6325380" cy="612988"/>
+          </a:xfrm>
+          <a:prstGeom prst="rect">
+            <a:avLst/>
+          </a:prstGeom>
+          <a:noFill/>
+        </p:spPr>
+        <p:txBody>
+          <a:bodyPr wrap="square" rtlCol="0">
+            <a:spAutoFit/>
+          </a:bodyPr>
+          <a:lstStyle/>
+          <a:p>
+            <a:pPr>
+              <a:lnSpc>
+                <a:spcPct val="110000"/>
+              </a:lnSpc>
+            </a:pPr>
+            <a:r>
+              <a:rPr lang="de-DE" sz="1600" b="1" dirty="0"/>
+              <a:t>Hinweis: </a:t>
+            </a:r>
+            <a:r>
+              <a:rPr lang="de-DE" sz="1600" dirty="0"/>
+              <a:t>Das Hello World Beispiel ist im Repository auf dem Branch „</a:t>
+            </a:r>
+            <a:r>
+              <a:rPr lang="de-DE" sz="1600" dirty="0" err="1"/>
+              <a:t>hello-world</a:t>
+            </a:r>
+            <a:r>
+              <a:rPr lang="de-DE" sz="1600" dirty="0"/>
+              <a:t>“ zu finden</a:t>
             </a:r>
           </a:p>
         </p:txBody>
@@ -13311,7 +16640,7 @@
     </p:spTree>
     <p:extLst>
       <p:ext uri="{BB962C8B-B14F-4D97-AF65-F5344CB8AC3E}">
-        <p14:creationId xmlns:p14="http://schemas.microsoft.com/office/powerpoint/2010/main" val="1835538508"/>
+        <p14:creationId xmlns:p14="http://schemas.microsoft.com/office/powerpoint/2010/main" val="16011816"/>
       </p:ext>
     </p:extLst>
   </p:cSld>
@@ -13361,7 +16690,7 @@
           <a:p>
             <a:r>
               <a:rPr lang="de-DE" dirty="0"/>
-              <a:t>Java Standard JSR-352</a:t>
+              <a:t>Spring Batch</a:t>
             </a:r>
           </a:p>
         </p:txBody>
@@ -13389,157 +16718,60 @@
           <a:p>
             <a:r>
               <a:rPr lang="de-DE" dirty="0"/>
-              <a:t>Standard erklären</a:t>
-            </a:r>
-          </a:p>
-          <a:p>
+              <a:t>TODO: Skip, </a:t>
+            </a:r>
+            <a:r>
+              <a:rPr lang="de-DE" dirty="0" err="1"/>
+              <a:t>Retry</a:t>
+            </a:r>
             <a:r>
               <a:rPr lang="de-DE" dirty="0"/>
-              <a:t>Spring Batch folgt dem Standard</a:t>
-            </a:r>
-          </a:p>
-          <a:p>
-            <a:r>
-              <a:rPr lang="de-DE" sz="1800" dirty="0"/>
-              <a:t>[TF13] und [JS20] Als Quelle nehmen</a:t>
-            </a:r>
-          </a:p>
-          <a:p>
-            <a:r>
-              <a:rPr lang="de-DE" sz="1800" dirty="0"/>
-              <a:t>Reine Implementierung mit JSR352 möglich, aber spring </a:t>
-            </a:r>
-            <a:r>
-              <a:rPr lang="de-DE" sz="1800" dirty="0" err="1"/>
-              <a:t>batch</a:t>
-            </a:r>
-            <a:r>
-              <a:rPr lang="de-DE" sz="1800" dirty="0"/>
-              <a:t> komfortabler</a:t>
-            </a:r>
-          </a:p>
-          <a:p>
-            <a:pPr lvl="1"/>
+              <a:t>, Restart und Parallelität anschneiden.</a:t>
+            </a:r>
+          </a:p>
+          <a:p>
             <a:r>
               <a:rPr lang="de-DE" dirty="0"/>
-              <a:t>JSR352 kommt ohne Standard </a:t>
+              <a:t>Nur </a:t>
             </a:r>
             <a:r>
               <a:rPr lang="de-DE" dirty="0" err="1"/>
-              <a:t>reader</a:t>
+              <a:t>Retry</a:t>
             </a:r>
             <a:r>
               <a:rPr lang="de-DE" dirty="0"/>
-              <a:t> </a:t>
+              <a:t> und </a:t>
             </a:r>
             <a:r>
               <a:rPr lang="de-DE" dirty="0" err="1"/>
-              <a:t>writer</a:t>
+              <a:t>restart</a:t>
             </a:r>
             <a:r>
               <a:rPr lang="de-DE" dirty="0"/>
-              <a:t> </a:t>
-            </a:r>
-            <a:r>
-              <a:rPr lang="de-DE" dirty="0" err="1"/>
-              <a:t>etc</a:t>
+              <a:t> mit Codebeispielen belegen</a:t>
+            </a:r>
+          </a:p>
+          <a:p>
+            <a:r>
+              <a:rPr lang="de-DE" dirty="0"/>
+              <a:t>[TF12] Nutzen</a:t>
+            </a:r>
+          </a:p>
+          <a:p>
+            <a:r>
+              <a:rPr lang="de-DE" dirty="0"/>
+              <a:t>Für Parallelität [</a:t>
+            </a:r>
+            <a:r>
+              <a:rPr lang="de-DE" sz="2000" dirty="0"/>
+              <a:t>SB20] nutzen</a:t>
             </a:r>
             <a:endParaRPr lang="de-DE" dirty="0"/>
           </a:p>
           <a:p>
-            <a:pPr lvl="1"/>
-            <a:r>
-              <a:rPr lang="de-DE" dirty="0"/>
-              <a:t>Spring greift auf ggf. familiäre Konzepte des Spring </a:t>
-            </a:r>
-            <a:r>
-              <a:rPr lang="de-DE" dirty="0" err="1"/>
-              <a:t>Ekosystems</a:t>
-            </a:r>
-            <a:r>
-              <a:rPr lang="de-DE" dirty="0"/>
-              <a:t> zu</a:t>
-            </a:r>
-          </a:p>
-          <a:p>
-            <a:pPr lvl="2"/>
-            <a:r>
-              <a:rPr lang="de-DE" dirty="0"/>
-              <a:t>Spring </a:t>
-            </a:r>
-            <a:r>
-              <a:rPr lang="de-DE" dirty="0" err="1"/>
-              <a:t>data</a:t>
-            </a:r>
-            <a:endParaRPr lang="de-DE" dirty="0"/>
-          </a:p>
-          <a:p>
-            <a:pPr lvl="2"/>
-            <a:r>
-              <a:rPr lang="de-DE" dirty="0"/>
-              <a:t>Spring Resources</a:t>
-            </a:r>
-          </a:p>
-          <a:p>
-            <a:r>
-              <a:rPr lang="de-DE" dirty="0"/>
-              <a:t>Daher diverse Vorteile</a:t>
-            </a:r>
-          </a:p>
-          <a:p>
-            <a:pPr lvl="1"/>
-            <a:r>
-              <a:rPr lang="de-DE" dirty="0"/>
-              <a:t>Langlebigkeit</a:t>
-            </a:r>
-          </a:p>
-          <a:p>
-            <a:pPr lvl="1"/>
-            <a:r>
-              <a:rPr lang="de-DE" dirty="0"/>
-              <a:t>Code ist dank Konventionen einfacher zu lesen</a:t>
-            </a:r>
-          </a:p>
-          <a:p>
-            <a:pPr lvl="1"/>
-            <a:r>
-              <a:rPr lang="de-DE" dirty="0"/>
-              <a:t>Neue Mitarbeiter können sich schnell einarbeiten</a:t>
-            </a:r>
-          </a:p>
-          <a:p>
-            <a:pPr lvl="1"/>
-            <a:r>
-              <a:rPr lang="de-DE" dirty="0"/>
-              <a:t>Standard ist auf hohe Skalierbarkeit ausgerichtet</a:t>
-            </a:r>
-          </a:p>
-          <a:p>
-            <a:pPr lvl="1"/>
-            <a:r>
-              <a:rPr lang="de-DE" dirty="0"/>
-              <a:t>Mechanismen zur Fehlerbehandlung</a:t>
-            </a:r>
-          </a:p>
-          <a:p>
-            <a:pPr lvl="1"/>
-            <a:endParaRPr lang="de-DE" dirty="0"/>
-          </a:p>
-          <a:p>
-            <a:pPr lvl="1"/>
-            <a:r>
-              <a:rPr lang="de-DE" dirty="0"/>
-              <a:t>https://www.muchsoft.com/presentations/jughh-javabatch.pdf</a:t>
-            </a:r>
-          </a:p>
-          <a:p>
-            <a:pPr marL="628650" lvl="1" indent="0">
+            <a:pPr marL="0" indent="0">
               <a:buNone/>
             </a:pPr>
-            <a:endParaRPr lang="de-DE" dirty="0"/>
-          </a:p>
-          <a:p>
-            <a:pPr lvl="1"/>
             <a:endParaRPr lang="de-DE" dirty="0"/>
           </a:p>
         </p:txBody>
@@ -13566,10 +16798,9 @@
           <a:lstStyle/>
           <a:p>
             <a:r>
-              <a:rPr lang="de-DE" dirty="0" err="1"/>
-              <a:t>asdf</a:t>
-            </a:r>
-            <a:endParaRPr lang="de-DE" dirty="0"/>
+              <a:rPr lang="de-DE" dirty="0"/>
+              <a:t>Weitere Features</a:t>
+            </a:r>
           </a:p>
         </p:txBody>
       </p:sp>
@@ -13578,7 +16809,7 @@
           <p:cNvPr id="6" name="Fußzeilenplatzhalter 4">
             <a:extLst>
               <a:ext uri="{FF2B5EF4-FFF2-40B4-BE49-F238E27FC236}">
-                <a16:creationId xmlns:a16="http://schemas.microsoft.com/office/drawing/2014/main" id="{5C8FF6B5-94AE-4100-B8C8-D2E7E1E6F25F}"/>
+                <a16:creationId xmlns:a16="http://schemas.microsoft.com/office/drawing/2014/main" id="{4CF29542-10D3-4A8A-A7FB-7499B2D33D07}"/>
               </a:ext>
             </a:extLst>
           </p:cNvPr>
@@ -13630,7 +16861,7 @@
     </p:spTree>
     <p:extLst>
       <p:ext uri="{BB962C8B-B14F-4D97-AF65-F5344CB8AC3E}">
-        <p14:creationId xmlns:p14="http://schemas.microsoft.com/office/powerpoint/2010/main" val="911096394"/>
+        <p14:creationId xmlns:p14="http://schemas.microsoft.com/office/powerpoint/2010/main" val="2886170447"/>
       </p:ext>
     </p:extLst>
   </p:cSld>
@@ -13680,7 +16911,7 @@
           <a:p>
             <a:r>
               <a:rPr lang="de-DE" dirty="0"/>
-              <a:t>Spring Batch</a:t>
+              <a:t>Java Standard JSR-352</a:t>
             </a:r>
           </a:p>
         </p:txBody>
@@ -13708,60 +16939,157 @@
           <a:p>
             <a:r>
               <a:rPr lang="de-DE" dirty="0"/>
-              <a:t>TODO: Skip, </a:t>
+              <a:t>Standard erklären</a:t>
+            </a:r>
+          </a:p>
+          <a:p>
+            <a:r>
+              <a:rPr lang="de-DE" dirty="0"/>
+              <a:t>Spring Batch folgt dem Standard</a:t>
+            </a:r>
+          </a:p>
+          <a:p>
+            <a:r>
+              <a:rPr lang="de-DE" sz="1800" dirty="0"/>
+              <a:t>[TF13] und [JS20] Als Quelle nehmen</a:t>
+            </a:r>
+          </a:p>
+          <a:p>
+            <a:r>
+              <a:rPr lang="de-DE" sz="1800" dirty="0"/>
+              <a:t>Reine Implementierung mit JSR352 möglich, aber spring </a:t>
+            </a:r>
+            <a:r>
+              <a:rPr lang="de-DE" sz="1800" dirty="0" err="1"/>
+              <a:t>batch</a:t>
+            </a:r>
+            <a:r>
+              <a:rPr lang="de-DE" sz="1800" dirty="0"/>
+              <a:t> komfortabler</a:t>
+            </a:r>
+          </a:p>
+          <a:p>
+            <a:pPr lvl="1"/>
+            <a:r>
+              <a:rPr lang="de-DE" dirty="0"/>
+              <a:t>JSR352 kommt ohne Standard </a:t>
             </a:r>
             <a:r>
               <a:rPr lang="de-DE" dirty="0" err="1"/>
-              <a:t>Retry</a:t>
+              <a:t>reader</a:t>
             </a:r>
             <a:r>
               <a:rPr lang="de-DE" dirty="0"/>
-              <a:t>, Restart und Parallelität anschneiden.</a:t>
-            </a:r>
-          </a:p>
-          <a:p>
+              <a:t> </a:t>
+            </a:r>
+            <a:r>
+              <a:rPr lang="de-DE" dirty="0" err="1"/>
+              <a:t>writer</a:t>
+            </a:r>
             <a:r>
               <a:rPr lang="de-DE" dirty="0"/>
-              <a:t>Nur </a:t>
+              <a:t> </a:t>
             </a:r>
             <a:r>
               <a:rPr lang="de-DE" dirty="0" err="1"/>
-              <a:t>Retry</a:t>
-            </a:r>
+              <a:t>etc</a:t>
+            </a:r>
+            <a:endParaRPr lang="de-DE" dirty="0"/>
+          </a:p>
+          <a:p>
+            <a:pPr lvl="1"/>
             <a:r>
               <a:rPr lang="de-DE" dirty="0"/>
-              <a:t> und </a:t>
+              <a:t>Spring greift auf ggf. familiäre Konzepte des Spring </a:t>
             </a:r>
             <a:r>
               <a:rPr lang="de-DE" dirty="0" err="1"/>
-              <a:t>restart</a:t>
+              <a:t>Ekosystems</a:t>
             </a:r>
             <a:r>
               <a:rPr lang="de-DE" dirty="0"/>
-              <a:t> mit Codebeispielen belegen</a:t>
-            </a:r>
-          </a:p>
-          <a:p>
+              <a:t> zu</a:t>
+            </a:r>
+          </a:p>
+          <a:p>
+            <a:pPr lvl="2"/>
             <a:r>
               <a:rPr lang="de-DE" dirty="0"/>
-              <a:t>[TF12] Nutzen</a:t>
-            </a:r>
-          </a:p>
-          <a:p>
+              <a:t>Spring </a:t>
+            </a:r>
+            <a:r>
+              <a:rPr lang="de-DE" dirty="0" err="1"/>
+              <a:t>data</a:t>
+            </a:r>
+            <a:endParaRPr lang="de-DE" dirty="0"/>
+          </a:p>
+          <a:p>
+            <a:pPr lvl="2"/>
             <a:r>
               <a:rPr lang="de-DE" dirty="0"/>
-              <a:t>Für Parallelität [</a:t>
-            </a:r>
-            <a:r>
-              <a:rPr lang="de-DE" sz="2000" dirty="0"/>
-              <a:t>SB20] nutzen</a:t>
-            </a:r>
+              <a:t>Spring Resources</a:t>
+            </a:r>
+          </a:p>
+          <a:p>
+            <a:r>
+              <a:rPr lang="de-DE" dirty="0"/>
+              <a:t>Daher diverse Vorteile</a:t>
+            </a:r>
+          </a:p>
+          <a:p>
+            <a:pPr lvl="1"/>
+            <a:r>
+              <a:rPr lang="de-DE" dirty="0"/>
+              <a:t>Langlebigkeit</a:t>
+            </a:r>
+          </a:p>
+          <a:p>
+            <a:pPr lvl="1"/>
+            <a:r>
+              <a:rPr lang="de-DE" dirty="0"/>
+              <a:t>Code ist dank Konventionen einfacher zu lesen</a:t>
+            </a:r>
+          </a:p>
+          <a:p>
+            <a:pPr lvl="1"/>
+            <a:r>
+              <a:rPr lang="de-DE" dirty="0"/>
+              <a:t>Neue Mitarbeiter können sich schnell einarbeiten</a:t>
+            </a:r>
+          </a:p>
+          <a:p>
+            <a:pPr lvl="1"/>
+            <a:r>
+              <a:rPr lang="de-DE" dirty="0"/>
+              <a:t>Standard ist auf hohe Skalierbarkeit ausgerichtet</a:t>
+            </a:r>
+          </a:p>
+          <a:p>
+            <a:pPr lvl="1"/>
+            <a:r>
+              <a:rPr lang="de-DE" dirty="0"/>
+              <a:t>Mechanismen zur Fehlerbehandlung</a:t>
+            </a:r>
+          </a:p>
+          <a:p>
+            <a:pPr lvl="1"/>
             <a:endParaRPr lang="de-DE" dirty="0"/>
           </a:p>
           <a:p>
-            <a:pPr marL="0" indent="0">
+            <a:pPr lvl="1"/>
+            <a:r>
+              <a:rPr lang="de-DE" dirty="0"/>
+              <a:t>https://www.muchsoft.com/presentations/jughh-javabatch.pdf</a:t>
+            </a:r>
+          </a:p>
+          <a:p>
+            <a:pPr marL="628650" lvl="1" indent="0">
               <a:buNone/>
             </a:pPr>
+            <a:endParaRPr lang="de-DE" dirty="0"/>
+          </a:p>
+          <a:p>
+            <a:pPr lvl="1"/>
             <a:endParaRPr lang="de-DE" dirty="0"/>
           </a:p>
         </p:txBody>
@@ -13788,9 +17116,10 @@
           <a:lstStyle/>
           <a:p>
             <a:r>
-              <a:rPr lang="de-DE" dirty="0"/>
-              <a:t>Weitere Features</a:t>
-            </a:r>
+              <a:rPr lang="de-DE" dirty="0" err="1"/>
+              <a:t>asdf</a:t>
+            </a:r>
+            <a:endParaRPr lang="de-DE" dirty="0"/>
           </a:p>
         </p:txBody>
       </p:sp>
@@ -13799,7 +17128,7 @@
           <p:cNvPr id="6" name="Fußzeilenplatzhalter 4">
             <a:extLst>
               <a:ext uri="{FF2B5EF4-FFF2-40B4-BE49-F238E27FC236}">
-                <a16:creationId xmlns:a16="http://schemas.microsoft.com/office/drawing/2014/main" id="{4CF29542-10D3-4A8A-A7FB-7499B2D33D07}"/>
+                <a16:creationId xmlns:a16="http://schemas.microsoft.com/office/drawing/2014/main" id="{5C8FF6B5-94AE-4100-B8C8-D2E7E1E6F25F}"/>
               </a:ext>
             </a:extLst>
           </p:cNvPr>
@@ -13851,7 +17180,7 @@
     </p:spTree>
     <p:extLst>
       <p:ext uri="{BB962C8B-B14F-4D97-AF65-F5344CB8AC3E}">
-        <p14:creationId xmlns:p14="http://schemas.microsoft.com/office/powerpoint/2010/main" val="2886170447"/>
+        <p14:creationId xmlns:p14="http://schemas.microsoft.com/office/powerpoint/2010/main" val="911096394"/>
       </p:ext>
     </p:extLst>
   </p:cSld>
@@ -14024,8 +17353,13 @@
           <a:p>
             <a:r>
               <a:rPr lang="de-DE" dirty="0"/>
-              <a:t>TODO: Text schreiben der Situation beschreibt.</a:t>
-            </a:r>
+              <a:t>TODO: Text schreiben der Situation beschreibt. </a:t>
+            </a:r>
+            <a:r>
+              <a:rPr lang="de-DE"/>
+              <a:t>asdf</a:t>
+            </a:r>
+            <a:endParaRPr lang="de-DE" dirty="0"/>
           </a:p>
         </p:txBody>
       </p:sp>
@@ -19205,10 +22539,10 @@
         </p:nvGrpSpPr>
         <p:grpSpPr>
           <a:xfrm>
-            <a:off x="-9743684" y="1639280"/>
-            <a:ext cx="23079722" cy="4361800"/>
-            <a:chOff x="-9743684" y="1639280"/>
-            <a:chExt cx="23079722" cy="4361800"/>
+            <a:off x="-10609856" y="1639280"/>
+            <a:ext cx="23945894" cy="4361800"/>
+            <a:chOff x="-10609856" y="1639280"/>
+            <a:chExt cx="23945894" cy="4361800"/>
           </a:xfrm>
         </p:grpSpPr>
         <p:sp>
@@ -19287,8 +22621,8 @@
           </p:nvSpPr>
           <p:spPr>
             <a:xfrm>
-              <a:off x="-9743684" y="1639280"/>
-              <a:ext cx="10244755" cy="4361799"/>
+              <a:off x="-10609856" y="1639280"/>
+              <a:ext cx="11110927" cy="4361799"/>
             </a:xfrm>
             <a:prstGeom prst="rect">
               <a:avLst/>
@@ -19336,6 +22670,42 @@
           </p:txBody>
         </p:sp>
       </p:grpSp>
+      <p:pic>
+        <p:nvPicPr>
+          <p:cNvPr id="5" name="Grafik 4">
+            <a:extLst>
+              <a:ext uri="{FF2B5EF4-FFF2-40B4-BE49-F238E27FC236}">
+                <a16:creationId xmlns:a16="http://schemas.microsoft.com/office/drawing/2014/main" id="{16780657-7344-4781-BEC4-638C704D9D01}"/>
+              </a:ext>
+            </a:extLst>
+          </p:cNvPr>
+          <p:cNvPicPr>
+            <a:picLocks noChangeAspect="1"/>
+          </p:cNvPicPr>
+          <p:nvPr/>
+        </p:nvPicPr>
+        <p:blipFill>
+          <a:blip r:embed="rId4">
+            <a:extLst>
+              <a:ext uri="{28A0092B-C50C-407E-A947-70E740481C1C}">
+                <a14:useLocalDpi xmlns:a14="http://schemas.microsoft.com/office/drawing/2010/main" val="0"/>
+              </a:ext>
+            </a:extLst>
+          </a:blip>
+          <a:stretch>
+            <a:fillRect/>
+          </a:stretch>
+        </p:blipFill>
+        <p:spPr>
+          <a:xfrm>
+            <a:off x="3791744" y="2768389"/>
+            <a:ext cx="4034415" cy="804627"/>
+          </a:xfrm>
+          <a:prstGeom prst="rect">
+            <a:avLst/>
+          </a:prstGeom>
+        </p:spPr>
+      </p:pic>
     </p:spTree>
     <p:extLst>
       <p:ext uri="{BB962C8B-B14F-4D97-AF65-F5344CB8AC3E}">
@@ -19372,7 +22742,7 @@
                                     <p:cond delay="0"/>
                                   </p:stCondLst>
                                   <p:childTnLst>
-                                    <p:animMotion origin="layout" path="M 4.375E-6 -4.44444E-6 L 0.20885 0.00417 " pathEditMode="relative" rAng="0" ptsTypes="AA">
+                                    <p:animMotion origin="layout" path="M 1.04167E-6 -4.44444E-6 L 0.20885 0.00417 " pathEditMode="relative" rAng="0" ptsTypes="AA">
                                       <p:cBhvr>
                                         <p:cTn id="6" dur="2000" fill="hold"/>
                                         <p:tgtEl>
@@ -19423,7 +22793,7 @@
                                           <p:attrName>ppt_y</p:attrName>
                                         </p:attrNameLst>
                                       </p:cBhvr>
-                                      <p:rCtr x="11029" y="0"/>
+                                      <p:rCtr x="10846" y="0"/>
                                     </p:animMotion>
                                   </p:childTnLst>
                                 </p:cTn>
@@ -19465,6 +22835,81 @@
                                       </p:cBhvr>
                                       <p:rCtr x="10443" y="0"/>
                                     </p:animMotion>
+                                  </p:childTnLst>
+                                </p:cTn>
+                              </p:par>
+                            </p:childTnLst>
+                          </p:cTn>
+                        </p:par>
+                      </p:childTnLst>
+                    </p:cTn>
+                  </p:par>
+                  <p:par>
+                    <p:cTn id="15" fill="hold">
+                      <p:stCondLst>
+                        <p:cond delay="indefinite"/>
+                      </p:stCondLst>
+                      <p:childTnLst>
+                        <p:par>
+                          <p:cTn id="16" fill="hold">
+                            <p:stCondLst>
+                              <p:cond delay="0"/>
+                            </p:stCondLst>
+                            <p:childTnLst>
+                              <p:par>
+                                <p:cTn id="17" presetID="42" presetClass="path" presetSubtype="0" accel="50000" decel="50000" fill="hold" nodeType="clickEffect">
+                                  <p:stCondLst>
+                                    <p:cond delay="0"/>
+                                  </p:stCondLst>
+                                  <p:childTnLst>
+                                    <p:animMotion origin="layout" path="M 0.63463 0.00417 L 0.9138 0.00602 " pathEditMode="relative" rAng="0" ptsTypes="AA">
+                                      <p:cBhvr>
+                                        <p:cTn id="18" dur="2000" fill="hold"/>
+                                        <p:tgtEl>
+                                          <p:spTgt spid="61"/>
+                                        </p:tgtEl>
+                                        <p:attrNameLst>
+                                          <p:attrName>ppt_x</p:attrName>
+                                          <p:attrName>ppt_y</p:attrName>
+                                        </p:attrNameLst>
+                                      </p:cBhvr>
+                                      <p:rCtr x="13958" y="93"/>
+                                    </p:animMotion>
+                                  </p:childTnLst>
+                                </p:cTn>
+                              </p:par>
+                              <p:par>
+                                <p:cTn id="19" presetID="10" presetClass="entr" presetSubtype="0" fill="hold" nodeType="withEffect">
+                                  <p:stCondLst>
+                                    <p:cond delay="0"/>
+                                  </p:stCondLst>
+                                  <p:childTnLst>
+                                    <p:set>
+                                      <p:cBhvr>
+                                        <p:cTn id="20" dur="1" fill="hold">
+                                          <p:stCondLst>
+                                            <p:cond delay="0"/>
+                                          </p:stCondLst>
+                                        </p:cTn>
+                                        <p:tgtEl>
+                                          <p:spTgt spid="5"/>
+                                        </p:tgtEl>
+                                        <p:attrNameLst>
+                                          <p:attrName>style.visibility</p:attrName>
+                                        </p:attrNameLst>
+                                      </p:cBhvr>
+                                      <p:to>
+                                        <p:strVal val="visible"/>
+                                      </p:to>
+                                    </p:set>
+                                    <p:animEffect transition="in" filter="fade">
+                                      <p:cBhvr>
+                                        <p:cTn id="21" dur="500"/>
+                                        <p:tgtEl>
+                                          <p:spTgt spid="5"/>
+                                        </p:tgtEl>
+                                      </p:cBhvr>
+                                    </p:animEffect>
                                   </p:childTnLst>
                                 </p:cTn>
                               </p:par>
